--- a/SEI presentation.pptx
+++ b/SEI presentation.pptx
@@ -2,22 +2,23 @@
 <file path=ppt/presentation.xml><?xml version="1.0" encoding="utf-8"?>
 <p:presentation xmlns:a="http://schemas.openxmlformats.org/drawingml/2006/main" xmlns:r="http://schemas.openxmlformats.org/officeDocument/2006/relationships" xmlns:p="http://schemas.openxmlformats.org/presentationml/2006/main" saveSubsetFonts="1">
   <p:sldMasterIdLst>
-    <p:sldMasterId id="2147483660" r:id="rId1"/>
+    <p:sldMasterId id="2147483793" r:id="rId1"/>
   </p:sldMasterIdLst>
   <p:notesMasterIdLst>
-    <p:notesMasterId r:id="rId12"/>
+    <p:notesMasterId r:id="rId13"/>
   </p:notesMasterIdLst>
   <p:sldIdLst>
-    <p:sldId id="256" r:id="rId2"/>
-    <p:sldId id="257" r:id="rId3"/>
-    <p:sldId id="259" r:id="rId4"/>
-    <p:sldId id="258" r:id="rId5"/>
-    <p:sldId id="260" r:id="rId6"/>
-    <p:sldId id="261" r:id="rId7"/>
-    <p:sldId id="262" r:id="rId8"/>
-    <p:sldId id="263" r:id="rId9"/>
-    <p:sldId id="264" r:id="rId10"/>
-    <p:sldId id="265" r:id="rId11"/>
+    <p:sldId id="268" r:id="rId2"/>
+    <p:sldId id="269" r:id="rId3"/>
+    <p:sldId id="271" r:id="rId4"/>
+    <p:sldId id="259" r:id="rId5"/>
+    <p:sldId id="258" r:id="rId6"/>
+    <p:sldId id="260" r:id="rId7"/>
+    <p:sldId id="261" r:id="rId8"/>
+    <p:sldId id="273" r:id="rId9"/>
+    <p:sldId id="272" r:id="rId10"/>
+    <p:sldId id="266" r:id="rId11"/>
+    <p:sldId id="267" r:id="rId12"/>
   </p:sldIdLst>
   <p:sldSz cx="12192000" cy="6858000"/>
   <p:notesSz cx="6858000" cy="9144000"/>
@@ -25,7 +26,7 @@
     <a:defPPr>
       <a:defRPr lang="en-US"/>
     </a:defPPr>
-    <a:lvl1pPr marL="0" algn="l" defTabSz="914400" rtl="0" eaLnBrk="1" latinLnBrk="0" hangingPunct="1">
+    <a:lvl1pPr marL="0" algn="l" defTabSz="457200" rtl="0" eaLnBrk="1" latinLnBrk="0" hangingPunct="1">
       <a:defRPr sz="1800" kern="1200">
         <a:solidFill>
           <a:schemeClr val="tx1"/>
@@ -35,7 +36,7 @@
         <a:cs typeface="+mn-cs"/>
       </a:defRPr>
     </a:lvl1pPr>
-    <a:lvl2pPr marL="457200" algn="l" defTabSz="914400" rtl="0" eaLnBrk="1" latinLnBrk="0" hangingPunct="1">
+    <a:lvl2pPr marL="457200" algn="l" defTabSz="457200" rtl="0" eaLnBrk="1" latinLnBrk="0" hangingPunct="1">
       <a:defRPr sz="1800" kern="1200">
         <a:solidFill>
           <a:schemeClr val="tx1"/>
@@ -45,7 +46,7 @@
         <a:cs typeface="+mn-cs"/>
       </a:defRPr>
     </a:lvl2pPr>
-    <a:lvl3pPr marL="914400" algn="l" defTabSz="914400" rtl="0" eaLnBrk="1" latinLnBrk="0" hangingPunct="1">
+    <a:lvl3pPr marL="914400" algn="l" defTabSz="457200" rtl="0" eaLnBrk="1" latinLnBrk="0" hangingPunct="1">
       <a:defRPr sz="1800" kern="1200">
         <a:solidFill>
           <a:schemeClr val="tx1"/>
@@ -55,7 +56,7 @@
         <a:cs typeface="+mn-cs"/>
       </a:defRPr>
     </a:lvl3pPr>
-    <a:lvl4pPr marL="1371600" algn="l" defTabSz="914400" rtl="0" eaLnBrk="1" latinLnBrk="0" hangingPunct="1">
+    <a:lvl4pPr marL="1371600" algn="l" defTabSz="457200" rtl="0" eaLnBrk="1" latinLnBrk="0" hangingPunct="1">
       <a:defRPr sz="1800" kern="1200">
         <a:solidFill>
           <a:schemeClr val="tx1"/>
@@ -65,7 +66,7 @@
         <a:cs typeface="+mn-cs"/>
       </a:defRPr>
     </a:lvl4pPr>
-    <a:lvl5pPr marL="1828800" algn="l" defTabSz="914400" rtl="0" eaLnBrk="1" latinLnBrk="0" hangingPunct="1">
+    <a:lvl5pPr marL="1828800" algn="l" defTabSz="457200" rtl="0" eaLnBrk="1" latinLnBrk="0" hangingPunct="1">
       <a:defRPr sz="1800" kern="1200">
         <a:solidFill>
           <a:schemeClr val="tx1"/>
@@ -75,7 +76,7 @@
         <a:cs typeface="+mn-cs"/>
       </a:defRPr>
     </a:lvl5pPr>
-    <a:lvl6pPr marL="2286000" algn="l" defTabSz="914400" rtl="0" eaLnBrk="1" latinLnBrk="0" hangingPunct="1">
+    <a:lvl6pPr marL="2286000" algn="l" defTabSz="457200" rtl="0" eaLnBrk="1" latinLnBrk="0" hangingPunct="1">
       <a:defRPr sz="1800" kern="1200">
         <a:solidFill>
           <a:schemeClr val="tx1"/>
@@ -85,7 +86,7 @@
         <a:cs typeface="+mn-cs"/>
       </a:defRPr>
     </a:lvl6pPr>
-    <a:lvl7pPr marL="2743200" algn="l" defTabSz="914400" rtl="0" eaLnBrk="1" latinLnBrk="0" hangingPunct="1">
+    <a:lvl7pPr marL="2743200" algn="l" defTabSz="457200" rtl="0" eaLnBrk="1" latinLnBrk="0" hangingPunct="1">
       <a:defRPr sz="1800" kern="1200">
         <a:solidFill>
           <a:schemeClr val="tx1"/>
@@ -95,7 +96,7 @@
         <a:cs typeface="+mn-cs"/>
       </a:defRPr>
     </a:lvl7pPr>
-    <a:lvl8pPr marL="3200400" algn="l" defTabSz="914400" rtl="0" eaLnBrk="1" latinLnBrk="0" hangingPunct="1">
+    <a:lvl8pPr marL="3200400" algn="l" defTabSz="457200" rtl="0" eaLnBrk="1" latinLnBrk="0" hangingPunct="1">
       <a:defRPr sz="1800" kern="1200">
         <a:solidFill>
           <a:schemeClr val="tx1"/>
@@ -105,7 +106,7 @@
         <a:cs typeface="+mn-cs"/>
       </a:defRPr>
     </a:lvl8pPr>
-    <a:lvl9pPr marL="3657600" algn="l" defTabSz="914400" rtl="0" eaLnBrk="1" latinLnBrk="0" hangingPunct="1">
+    <a:lvl9pPr marL="3657600" algn="l" defTabSz="457200" rtl="0" eaLnBrk="1" latinLnBrk="0" hangingPunct="1">
       <a:defRPr sz="1800" kern="1200">
         <a:solidFill>
           <a:schemeClr val="tx1"/>
@@ -206,7 +207,7 @@
           <a:p>
             <a:fld id="{D4BC81D7-0A9C-BC42-AC9B-4BE705755B5D}" type="datetimeFigureOut">
               <a:rPr lang="en-US" smtClean="0"/>
-              <a:t>2/16/18</a:t>
+              <a:t>2/16/2018</a:t>
             </a:fld>
             <a:endParaRPr lang="en-US"/>
           </a:p>
@@ -473,9 +474,9 @@
 </p:notesMaster>
 </file>
 
-<file path=ppt/slideLayouts/slideLayout1.xml><?xml version="1.0" encoding="utf-8"?>
-<p:sldLayout xmlns:a="http://schemas.openxmlformats.org/drawingml/2006/main" xmlns:r="http://schemas.openxmlformats.org/officeDocument/2006/relationships" xmlns:p="http://schemas.openxmlformats.org/presentationml/2006/main" type="title" preserve="1">
-  <p:cSld name="Title Slide">
+<file path=ppt/notesSlides/notesSlide1.xml><?xml version="1.0" encoding="utf-8"?>
+<p:notes xmlns:a="http://schemas.openxmlformats.org/drawingml/2006/main" xmlns:r="http://schemas.openxmlformats.org/officeDocument/2006/relationships" xmlns:p="http://schemas.openxmlformats.org/presentationml/2006/main">
+  <p:cSld>
     <p:spTree>
       <p:nvGrpSpPr>
         <p:cNvPr id="1" name=""/>
@@ -492,165 +493,59 @@
       </p:grpSpPr>
       <p:sp>
         <p:nvSpPr>
-          <p:cNvPr id="2" name="Title 1"/>
-          <p:cNvSpPr>
-            <a:spLocks noGrp="1"/>
-          </p:cNvSpPr>
-          <p:nvPr>
-            <p:ph type="ctrTitle"/>
-          </p:nvPr>
-        </p:nvSpPr>
-        <p:spPr>
-          <a:xfrm>
-            <a:off x="1524000" y="1122363"/>
-            <a:ext cx="9144000" cy="2387600"/>
-          </a:xfrm>
-        </p:spPr>
-        <p:txBody>
-          <a:bodyPr anchor="b">
-            <a:normAutofit/>
-          </a:bodyPr>
-          <a:lstStyle>
-            <a:lvl1pPr algn="ctr">
-              <a:defRPr sz="3300"/>
-            </a:lvl1pPr>
-          </a:lstStyle>
-          <a:p>
-            <a:r>
-              <a:rPr lang="en-US"/>
-              <a:t>Click to edit Master title style</a:t>
-            </a:r>
+          <p:cNvPr id="2" name="Slide Image Placeholder 1"/>
+          <p:cNvSpPr>
+            <a:spLocks noGrp="1" noRot="1" noChangeAspect="1"/>
+          </p:cNvSpPr>
+          <p:nvPr>
+            <p:ph type="sldImg"/>
+          </p:nvPr>
+        </p:nvSpPr>
+        <p:spPr/>
+      </p:sp>
+      <p:sp>
+        <p:nvSpPr>
+          <p:cNvPr id="3" name="Notes Placeholder 2"/>
+          <p:cNvSpPr>
+            <a:spLocks noGrp="1"/>
+          </p:cNvSpPr>
+          <p:nvPr>
+            <p:ph type="body" idx="1"/>
+          </p:nvPr>
+        </p:nvSpPr>
+        <p:spPr/>
+        <p:txBody>
+          <a:bodyPr/>
+          <a:lstStyle/>
+          <a:p>
+            <a:r>
+              <a:rPr lang="en-US" dirty="0"/>
+              <a:t>Logistic regression – process time </a:t>
+            </a:r>
+          </a:p>
+          <a:p>
             <a:endParaRPr lang="en-US" dirty="0"/>
           </a:p>
         </p:txBody>
       </p:sp>
       <p:sp>
         <p:nvSpPr>
-          <p:cNvPr id="3" name="Subtitle 2"/>
-          <p:cNvSpPr>
-            <a:spLocks noGrp="1"/>
-          </p:cNvSpPr>
-          <p:nvPr>
-            <p:ph type="subTitle" idx="1"/>
-          </p:nvPr>
-        </p:nvSpPr>
-        <p:spPr>
-          <a:xfrm>
-            <a:off x="1524000" y="3602038"/>
-            <a:ext cx="9144000" cy="1655762"/>
-          </a:xfrm>
-        </p:spPr>
+          <p:cNvPr id="4" name="Slide Number Placeholder 3"/>
+          <p:cNvSpPr>
+            <a:spLocks noGrp="1"/>
+          </p:cNvSpPr>
+          <p:nvPr>
+            <p:ph type="sldNum" sz="quarter" idx="10"/>
+          </p:nvPr>
+        </p:nvSpPr>
+        <p:spPr/>
         <p:txBody>
           <a:bodyPr/>
-          <a:lstStyle>
-            <a:lvl1pPr marL="0" indent="0" algn="ctr">
-              <a:buNone/>
-              <a:defRPr sz="1800">
-                <a:latin typeface="Palatino Linotype" panose="02040502050505030304" pitchFamily="18" charset="0"/>
-              </a:defRPr>
-            </a:lvl1pPr>
-            <a:lvl2pPr marL="342900" indent="0" algn="ctr">
-              <a:buNone/>
-              <a:defRPr sz="1500"/>
-            </a:lvl2pPr>
-            <a:lvl3pPr marL="685800" indent="0" algn="ctr">
-              <a:buNone/>
-              <a:defRPr sz="1350"/>
-            </a:lvl3pPr>
-            <a:lvl4pPr marL="1028700" indent="0" algn="ctr">
-              <a:buNone/>
-              <a:defRPr sz="1200"/>
-            </a:lvl4pPr>
-            <a:lvl5pPr marL="1371600" indent="0" algn="ctr">
-              <a:buNone/>
-              <a:defRPr sz="1200"/>
-            </a:lvl5pPr>
-            <a:lvl6pPr marL="1714500" indent="0" algn="ctr">
-              <a:buNone/>
-              <a:defRPr sz="1200"/>
-            </a:lvl6pPr>
-            <a:lvl7pPr marL="2057400" indent="0" algn="ctr">
-              <a:buNone/>
-              <a:defRPr sz="1200"/>
-            </a:lvl7pPr>
-            <a:lvl8pPr marL="2400300" indent="0" algn="ctr">
-              <a:buNone/>
-              <a:defRPr sz="1200"/>
-            </a:lvl8pPr>
-            <a:lvl9pPr marL="2743200" indent="0" algn="ctr">
-              <a:buNone/>
-              <a:defRPr sz="1200"/>
-            </a:lvl9pPr>
-          </a:lstStyle>
-          <a:p>
-            <a:r>
-              <a:rPr lang="en-US"/>
-              <a:t>Click to edit Master subtitle style</a:t>
-            </a:r>
-            <a:endParaRPr lang="en-US" dirty="0"/>
-          </a:p>
-        </p:txBody>
-      </p:sp>
-      <p:sp>
-        <p:nvSpPr>
-          <p:cNvPr id="4" name="Date Placeholder 3"/>
-          <p:cNvSpPr>
-            <a:spLocks noGrp="1"/>
-          </p:cNvSpPr>
-          <p:nvPr>
-            <p:ph type="dt" sz="half" idx="10"/>
-          </p:nvPr>
-        </p:nvSpPr>
-        <p:spPr/>
-        <p:txBody>
-          <a:bodyPr/>
-          <a:lstStyle/>
-          <a:p>
-            <a:fld id="{06685FD9-5669-904A-B297-38AE7CDF31B2}" type="datetimeFigureOut">
+          <a:lstStyle/>
+          <a:p>
+            <a:fld id="{D2AEEA9F-5BFE-8446-A7F5-89ABDBBF18CD}" type="slidenum">
               <a:rPr lang="en-US" smtClean="0"/>
-              <a:t>2/16/18</a:t>
-            </a:fld>
-            <a:endParaRPr lang="en-US"/>
-          </a:p>
-        </p:txBody>
-      </p:sp>
-      <p:sp>
-        <p:nvSpPr>
-          <p:cNvPr id="5" name="Footer Placeholder 4"/>
-          <p:cNvSpPr>
-            <a:spLocks noGrp="1"/>
-          </p:cNvSpPr>
-          <p:nvPr>
-            <p:ph type="ftr" sz="quarter" idx="11"/>
-          </p:nvPr>
-        </p:nvSpPr>
-        <p:spPr/>
-        <p:txBody>
-          <a:bodyPr/>
-          <a:lstStyle/>
-          <a:p>
-            <a:endParaRPr lang="en-US"/>
-          </a:p>
-        </p:txBody>
-      </p:sp>
-      <p:sp>
-        <p:nvSpPr>
-          <p:cNvPr id="6" name="Slide Number Placeholder 5"/>
-          <p:cNvSpPr>
-            <a:spLocks noGrp="1"/>
-          </p:cNvSpPr>
-          <p:nvPr>
-            <p:ph type="sldNum" sz="quarter" idx="12"/>
-          </p:nvPr>
-        </p:nvSpPr>
-        <p:spPr/>
-        <p:txBody>
-          <a:bodyPr/>
-          <a:lstStyle/>
-          <a:p>
-            <a:fld id="{40F9C939-F2B4-FB42-AC0F-DC4946E153AE}" type="slidenum">
-              <a:rPr lang="en-US" smtClean="0"/>
-              <a:t>‹#›</a:t>
+              <a:t>8</a:t>
             </a:fld>
             <a:endParaRPr lang="en-US"/>
           </a:p>
@@ -659,19 +554,27 @@
     </p:spTree>
     <p:extLst>
       <p:ext uri="{BB962C8B-B14F-4D97-AF65-F5344CB8AC3E}">
-        <p14:creationId xmlns:p14="http://schemas.microsoft.com/office/powerpoint/2010/main" val="1494091802"/>
+        <p14:creationId xmlns:p14="http://schemas.microsoft.com/office/powerpoint/2010/main" val="961619005"/>
       </p:ext>
     </p:extLst>
   </p:cSld>
   <p:clrMapOvr>
     <a:masterClrMapping/>
   </p:clrMapOvr>
-</p:sldLayout>
+</p:notes>
 </file>
 
-<file path=ppt/slideLayouts/slideLayout10.xml><?xml version="1.0" encoding="utf-8"?>
-<p:sldLayout xmlns:a="http://schemas.openxmlformats.org/drawingml/2006/main" xmlns:r="http://schemas.openxmlformats.org/officeDocument/2006/relationships" xmlns:p="http://schemas.openxmlformats.org/presentationml/2006/main" type="picTx" preserve="1">
-  <p:cSld name="Picture with Caption">
+<file path=ppt/slideLayouts/slideLayout1.xml><?xml version="1.0" encoding="utf-8"?>
+<p:sldLayout xmlns:a="http://schemas.openxmlformats.org/drawingml/2006/main" xmlns:r="http://schemas.openxmlformats.org/officeDocument/2006/relationships" xmlns:p="http://schemas.openxmlformats.org/presentationml/2006/main" type="title" preserve="1">
+  <p:cSld name="Title Slide">
+    <p:bg>
+      <p:bgPr>
+        <a:solidFill>
+          <a:schemeClr val="accent2"/>
+        </a:solidFill>
+        <a:effectLst/>
+      </p:bgPr>
+    </p:bg>
     <p:spTree>
       <p:nvGrpSpPr>
         <p:cNvPr id="1" name=""/>
@@ -693,91 +596,115 @@
             <a:spLocks noGrp="1"/>
           </p:cNvSpPr>
           <p:nvPr>
-            <p:ph type="title"/>
+            <p:ph type="ctrTitle"/>
+          </p:nvPr>
+        </p:nvSpPr>
+        <p:spPr bwMode="blackWhite">
+          <a:xfrm>
+            <a:off x="1600200" y="2386744"/>
+            <a:ext cx="8991600" cy="1645920"/>
+          </a:xfrm>
+          <a:solidFill>
+            <a:srgbClr val="FFFFFF"/>
+          </a:solidFill>
+          <a:ln w="38100">
+            <a:solidFill>
+              <a:srgbClr val="404040"/>
+            </a:solidFill>
+          </a:ln>
+        </p:spPr>
+        <p:txBody>
+          <a:bodyPr lIns="274320" rIns="274320" anchor="ctr" anchorCtr="1">
+            <a:normAutofit/>
+          </a:bodyPr>
+          <a:lstStyle>
+            <a:lvl1pPr algn="ctr">
+              <a:defRPr sz="3800">
+                <a:solidFill>
+                  <a:srgbClr val="262626"/>
+                </a:solidFill>
+              </a:defRPr>
+            </a:lvl1pPr>
+          </a:lstStyle>
+          <a:p>
+            <a:r>
+              <a:rPr lang="en-US"/>
+              <a:t>Click to edit Master title style</a:t>
+            </a:r>
+            <a:endParaRPr lang="en-US" dirty="0"/>
+          </a:p>
+        </p:txBody>
+      </p:sp>
+      <p:sp>
+        <p:nvSpPr>
+          <p:cNvPr id="3" name="Subtitle 2"/>
+          <p:cNvSpPr>
+            <a:spLocks noGrp="1"/>
+          </p:cNvSpPr>
+          <p:nvPr>
+            <p:ph type="subTitle" idx="1"/>
           </p:nvPr>
         </p:nvSpPr>
         <p:spPr>
           <a:xfrm>
-            <a:off x="839788" y="457200"/>
-            <a:ext cx="3932237" cy="1600200"/>
-          </a:xfrm>
-        </p:spPr>
-        <p:txBody>
-          <a:bodyPr anchor="b"/>
+            <a:off x="2695194" y="4352544"/>
+            <a:ext cx="6801612" cy="1239894"/>
+          </a:xfrm>
+          <a:noFill/>
+        </p:spPr>
+        <p:txBody>
+          <a:bodyPr>
+            <a:normAutofit/>
+          </a:bodyPr>
           <a:lstStyle>
-            <a:lvl1pPr>
-              <a:defRPr sz="2400"/>
+            <a:lvl1pPr marL="0" indent="0" algn="ctr">
+              <a:buNone/>
+              <a:defRPr sz="2000">
+                <a:solidFill>
+                  <a:schemeClr val="tx1">
+                    <a:lumMod val="75000"/>
+                    <a:lumOff val="25000"/>
+                  </a:schemeClr>
+                </a:solidFill>
+              </a:defRPr>
             </a:lvl1pPr>
-          </a:lstStyle>
-          <a:p>
-            <a:r>
-              <a:rPr lang="en-US"/>
-              <a:t>Click to edit Master title style</a:t>
-            </a:r>
-            <a:endParaRPr lang="en-US" dirty="0"/>
-          </a:p>
-        </p:txBody>
-      </p:sp>
-      <p:sp>
-        <p:nvSpPr>
-          <p:cNvPr id="3" name="Picture Placeholder 2"/>
-          <p:cNvSpPr>
-            <a:spLocks noGrp="1" noChangeAspect="1"/>
-          </p:cNvSpPr>
-          <p:nvPr>
-            <p:ph type="pic" idx="1"/>
-          </p:nvPr>
-        </p:nvSpPr>
-        <p:spPr>
-          <a:xfrm>
-            <a:off x="5183188" y="987427"/>
-            <a:ext cx="6172200" cy="4873625"/>
-          </a:xfrm>
-        </p:spPr>
-        <p:txBody>
-          <a:bodyPr anchor="t"/>
-          <a:lstStyle>
-            <a:lvl1pPr marL="0" indent="0">
-              <a:buNone/>
-              <a:defRPr sz="2400"/>
-            </a:lvl1pPr>
-            <a:lvl2pPr marL="342900" indent="0">
-              <a:buNone/>
-              <a:defRPr sz="2100"/>
+            <a:lvl2pPr marL="457200" indent="0" algn="ctr">
+              <a:buNone/>
+              <a:defRPr sz="2000"/>
             </a:lvl2pPr>
-            <a:lvl3pPr marL="685800" indent="0">
+            <a:lvl3pPr marL="914400" indent="0" algn="ctr">
               <a:buNone/>
               <a:defRPr sz="1800"/>
             </a:lvl3pPr>
-            <a:lvl4pPr marL="1028700" indent="0">
-              <a:buNone/>
-              <a:defRPr sz="1500"/>
+            <a:lvl4pPr marL="1371600" indent="0" algn="ctr">
+              <a:buNone/>
+              <a:defRPr sz="1600"/>
             </a:lvl4pPr>
-            <a:lvl5pPr marL="1371600" indent="0">
-              <a:buNone/>
-              <a:defRPr sz="1500"/>
+            <a:lvl5pPr marL="1828800" indent="0" algn="ctr">
+              <a:buNone/>
+              <a:defRPr sz="1600"/>
             </a:lvl5pPr>
-            <a:lvl6pPr marL="1714500" indent="0">
-              <a:buNone/>
-              <a:defRPr sz="1500"/>
+            <a:lvl6pPr marL="2286000" indent="0" algn="ctr">
+              <a:buNone/>
+              <a:defRPr sz="1600"/>
             </a:lvl6pPr>
-            <a:lvl7pPr marL="2057400" indent="0">
-              <a:buNone/>
-              <a:defRPr sz="1500"/>
+            <a:lvl7pPr marL="2743200" indent="0" algn="ctr">
+              <a:buNone/>
+              <a:defRPr sz="1600"/>
             </a:lvl7pPr>
-            <a:lvl8pPr marL="2400300" indent="0">
-              <a:buNone/>
-              <a:defRPr sz="1500"/>
+            <a:lvl8pPr marL="3200400" indent="0" algn="ctr">
+              <a:buNone/>
+              <a:defRPr sz="1600"/>
             </a:lvl8pPr>
-            <a:lvl9pPr marL="2743200" indent="0">
-              <a:buNone/>
-              <a:defRPr sz="1500"/>
+            <a:lvl9pPr marL="3657600" indent="0" algn="ctr">
+              <a:buNone/>
+              <a:defRPr sz="1600"/>
             </a:lvl9pPr>
           </a:lstStyle>
           <a:p>
             <a:r>
               <a:rPr lang="en-US"/>
-              <a:t>Click icon to add picture</a:t>
+              <a:t>Click to edit Master subtitle style</a:t>
             </a:r>
             <a:endParaRPr lang="en-US" dirty="0"/>
           </a:p>
@@ -785,72 +712,7 @@
       </p:sp>
       <p:sp>
         <p:nvSpPr>
-          <p:cNvPr id="4" name="Text Placeholder 3"/>
-          <p:cNvSpPr>
-            <a:spLocks noGrp="1"/>
-          </p:cNvSpPr>
-          <p:nvPr>
-            <p:ph type="body" sz="half" idx="2"/>
-          </p:nvPr>
-        </p:nvSpPr>
-        <p:spPr>
-          <a:xfrm>
-            <a:off x="839788" y="2057400"/>
-            <a:ext cx="3932237" cy="3811588"/>
-          </a:xfrm>
-        </p:spPr>
-        <p:txBody>
-          <a:bodyPr/>
-          <a:lstStyle>
-            <a:lvl1pPr marL="0" indent="0">
-              <a:buNone/>
-              <a:defRPr sz="1200"/>
-            </a:lvl1pPr>
-            <a:lvl2pPr marL="342900" indent="0">
-              <a:buNone/>
-              <a:defRPr sz="1050"/>
-            </a:lvl2pPr>
-            <a:lvl3pPr marL="685800" indent="0">
-              <a:buNone/>
-              <a:defRPr sz="900"/>
-            </a:lvl3pPr>
-            <a:lvl4pPr marL="1028700" indent="0">
-              <a:buNone/>
-              <a:defRPr sz="750"/>
-            </a:lvl4pPr>
-            <a:lvl5pPr marL="1371600" indent="0">
-              <a:buNone/>
-              <a:defRPr sz="750"/>
-            </a:lvl5pPr>
-            <a:lvl6pPr marL="1714500" indent="0">
-              <a:buNone/>
-              <a:defRPr sz="750"/>
-            </a:lvl6pPr>
-            <a:lvl7pPr marL="2057400" indent="0">
-              <a:buNone/>
-              <a:defRPr sz="750"/>
-            </a:lvl7pPr>
-            <a:lvl8pPr marL="2400300" indent="0">
-              <a:buNone/>
-              <a:defRPr sz="750"/>
-            </a:lvl8pPr>
-            <a:lvl9pPr marL="2743200" indent="0">
-              <a:buNone/>
-              <a:defRPr sz="750"/>
-            </a:lvl9pPr>
-          </a:lstStyle>
-          <a:p>
-            <a:pPr lvl="0"/>
-            <a:r>
-              <a:rPr lang="en-US"/>
-              <a:t>Edit Master text styles</a:t>
-            </a:r>
-          </a:p>
-        </p:txBody>
-      </p:sp>
-      <p:sp>
-        <p:nvSpPr>
-          <p:cNvPr id="5" name="Date Placeholder 4"/>
+          <p:cNvPr id="7" name="Date Placeholder 6"/>
           <p:cNvSpPr>
             <a:spLocks noGrp="1"/>
           </p:cNvSpPr>
@@ -865,7 +727,7 @@
           <a:p>
             <a:fld id="{06685FD9-5669-904A-B297-38AE7CDF31B2}" type="datetimeFigureOut">
               <a:rPr lang="en-US" smtClean="0"/>
-              <a:t>2/16/18</a:t>
+              <a:t>2/16/2018</a:t>
             </a:fld>
             <a:endParaRPr lang="en-US"/>
           </a:p>
@@ -873,7 +735,7 @@
       </p:sp>
       <p:sp>
         <p:nvSpPr>
-          <p:cNvPr id="6" name="Footer Placeholder 5"/>
+          <p:cNvPr id="8" name="Footer Placeholder 7"/>
           <p:cNvSpPr>
             <a:spLocks noGrp="1"/>
           </p:cNvSpPr>
@@ -892,7 +754,7 @@
       </p:sp>
       <p:sp>
         <p:nvSpPr>
-          <p:cNvPr id="7" name="Slide Number Placeholder 6"/>
+          <p:cNvPr id="9" name="Slide Number Placeholder 8"/>
           <p:cNvSpPr>
             <a:spLocks noGrp="1"/>
           </p:cNvSpPr>
@@ -916,17 +778,22 @@
     </p:spTree>
     <p:extLst>
       <p:ext uri="{BB962C8B-B14F-4D97-AF65-F5344CB8AC3E}">
-        <p14:creationId xmlns:p14="http://schemas.microsoft.com/office/powerpoint/2010/main" val="2577081057"/>
+        <p14:creationId xmlns:p14="http://schemas.microsoft.com/office/powerpoint/2010/main" val="1255390015"/>
       </p:ext>
     </p:extLst>
   </p:cSld>
   <p:clrMapOvr>
-    <a:masterClrMapping/>
+    <a:overrideClrMapping bg1="dk1" tx1="lt1" bg2="dk2" tx2="lt2" accent1="accent1" accent2="accent2" accent3="accent3" accent4="accent4" accent5="accent5" accent6="accent6" hlink="hlink" folHlink="folHlink"/>
   </p:clrMapOvr>
+  <p:extLst>
+    <p:ext uri="{DCECCB84-F9BA-43D5-87BE-67443E8EF086}">
+      <p15:sldGuideLst xmlns:p15="http://schemas.microsoft.com/office/powerpoint/2012/main"/>
+    </p:ext>
+  </p:extLst>
 </p:sldLayout>
 </file>
 
-<file path=ppt/slideLayouts/slideLayout11.xml><?xml version="1.0" encoding="utf-8"?>
+<file path=ppt/slideLayouts/slideLayout10.xml><?xml version="1.0" encoding="utf-8"?>
 <p:sldLayout xmlns:a="http://schemas.openxmlformats.org/drawingml/2006/main" xmlns:r="http://schemas.openxmlformats.org/officeDocument/2006/relationships" xmlns:p="http://schemas.openxmlformats.org/presentationml/2006/main" type="vertTx" preserve="1">
   <p:cSld name="Title and Vertical Text">
     <p:spTree>
@@ -1035,7 +902,7 @@
           <a:p>
             <a:fld id="{06685FD9-5669-904A-B297-38AE7CDF31B2}" type="datetimeFigureOut">
               <a:rPr lang="en-US" smtClean="0"/>
-              <a:t>2/16/18</a:t>
+              <a:t>2/16/2018</a:t>
             </a:fld>
             <a:endParaRPr lang="en-US"/>
           </a:p>
@@ -1086,7 +953,7 @@
     </p:spTree>
     <p:extLst>
       <p:ext uri="{BB962C8B-B14F-4D97-AF65-F5344CB8AC3E}">
-        <p14:creationId xmlns:p14="http://schemas.microsoft.com/office/powerpoint/2010/main" val="1749152085"/>
+        <p14:creationId xmlns:p14="http://schemas.microsoft.com/office/powerpoint/2010/main" val="3805959371"/>
       </p:ext>
     </p:extLst>
   </p:cSld>
@@ -1096,7 +963,7 @@
 </p:sldLayout>
 </file>
 
-<file path=ppt/slideLayouts/slideLayout12.xml><?xml version="1.0" encoding="utf-8"?>
+<file path=ppt/slideLayouts/slideLayout11.xml><?xml version="1.0" encoding="utf-8"?>
 <p:sldLayout xmlns:a="http://schemas.openxmlformats.org/drawingml/2006/main" xmlns:r="http://schemas.openxmlformats.org/officeDocument/2006/relationships" xmlns:p="http://schemas.openxmlformats.org/presentationml/2006/main" type="vertTitleAndTx" preserve="1">
   <p:cSld name="Vertical Title and Text">
     <p:spTree>
@@ -1125,8 +992,8 @@
         </p:nvSpPr>
         <p:spPr>
           <a:xfrm>
-            <a:off x="8724901" y="365125"/>
-            <a:ext cx="2628900" cy="5811838"/>
+            <a:off x="8653112" y="937260"/>
+            <a:ext cx="1298608" cy="4983480"/>
           </a:xfrm>
         </p:spPr>
         <p:txBody>
@@ -1153,8 +1020,8 @@
         </p:nvSpPr>
         <p:spPr>
           <a:xfrm>
-            <a:off x="838201" y="365125"/>
-            <a:ext cx="7734300" cy="5811838"/>
+            <a:off x="2231136" y="937260"/>
+            <a:ext cx="6198489" cy="4983480"/>
           </a:xfrm>
         </p:spPr>
         <p:txBody>
@@ -1215,7 +1082,7 @@
           <a:p>
             <a:fld id="{06685FD9-5669-904A-B297-38AE7CDF31B2}" type="datetimeFigureOut">
               <a:rPr lang="en-US" smtClean="0"/>
-              <a:t>2/16/18</a:t>
+              <a:t>2/16/2018</a:t>
             </a:fld>
             <a:endParaRPr lang="en-US"/>
           </a:p>
@@ -1266,7 +1133,7 @@
     </p:spTree>
     <p:extLst>
       <p:ext uri="{BB962C8B-B14F-4D97-AF65-F5344CB8AC3E}">
-        <p14:creationId xmlns:p14="http://schemas.microsoft.com/office/powerpoint/2010/main" val="798588197"/>
+        <p14:creationId xmlns:p14="http://schemas.microsoft.com/office/powerpoint/2010/main" val="1587562645"/>
       </p:ext>
     </p:extLst>
   </p:cSld>
@@ -1276,9 +1143,9 @@
 </p:sldLayout>
 </file>
 
-<file path=ppt/slideLayouts/slideLayout2.xml><?xml version="1.0" encoding="utf-8"?>
-<p:sldLayout xmlns:a="http://schemas.openxmlformats.org/drawingml/2006/main" xmlns:r="http://schemas.openxmlformats.org/officeDocument/2006/relationships" xmlns:p="http://schemas.openxmlformats.org/presentationml/2006/main" type="obj" preserve="1">
-  <p:cSld name="Title and Content">
+<file path=ppt/slideLayouts/slideLayout12.xml><?xml version="1.0" encoding="utf-8"?>
+<p:sldLayout xmlns:a="http://schemas.openxmlformats.org/drawingml/2006/main" xmlns:r="http://schemas.openxmlformats.org/officeDocument/2006/relationships" xmlns:p="http://schemas.openxmlformats.org/presentationml/2006/main" preserve="1" userDrawn="1">
+  <p:cSld name="1_Title and Content">
     <p:spTree>
       <p:nvGrpSpPr>
         <p:cNvPr id="1" name=""/>
@@ -1303,9 +1170,14 @@
             <p:ph type="title"/>
           </p:nvPr>
         </p:nvSpPr>
-        <p:spPr/>
-        <p:txBody>
-          <a:bodyPr/>
+        <p:spPr>
+          <a:xfrm>
+            <a:off x="838200" y="365127"/>
+            <a:ext cx="10515600" cy="839786"/>
+          </a:xfrm>
+        </p:spPr>
+        <p:txBody>
+          <a:bodyPr anchor="ctr"/>
           <a:lstStyle/>
           <a:p>
             <a:r>
@@ -1411,7 +1283,7 @@
           <a:p>
             <a:fld id="{06685FD9-5669-904A-B297-38AE7CDF31B2}" type="datetimeFigureOut">
               <a:rPr lang="en-US" smtClean="0"/>
-              <a:t>2/16/18</a:t>
+              <a:t>2/16/2018</a:t>
             </a:fld>
             <a:endParaRPr lang="en-US"/>
           </a:p>
@@ -1459,10 +1331,69 @@
           </a:p>
         </p:txBody>
       </p:sp>
+      <p:sp>
+        <p:nvSpPr>
+          <p:cNvPr id="10" name="Text Placeholder 9">
+            <a:extLst>
+              <a:ext uri="{FF2B5EF4-FFF2-40B4-BE49-F238E27FC236}">
+                <a16:creationId xmlns:a16="http://schemas.microsoft.com/office/drawing/2014/main" id="{F65AB062-D6F0-9846-AABB-A53ED07792C6}"/>
+              </a:ext>
+            </a:extLst>
+          </p:cNvPr>
+          <p:cNvSpPr>
+            <a:spLocks noGrp="1"/>
+          </p:cNvSpPr>
+          <p:nvPr>
+            <p:ph type="body" sz="quarter" idx="14"/>
+          </p:nvPr>
+        </p:nvSpPr>
+        <p:spPr>
+          <a:xfrm>
+            <a:off x="838200" y="1304925"/>
+            <a:ext cx="10515600" cy="420688"/>
+          </a:xfrm>
+        </p:spPr>
+        <p:txBody>
+          <a:bodyPr/>
+          <a:lstStyle>
+            <a:lvl1pPr marL="0" indent="0">
+              <a:buFont typeface="Arial" panose="020B0604020202020204" pitchFamily="34" charset="0"/>
+              <a:buNone/>
+              <a:defRPr b="0" i="0">
+                <a:latin typeface="Malgun Gothic Semilight" panose="020B0503020000020004" pitchFamily="34" charset="-127"/>
+                <a:ea typeface="Malgun Gothic Semilight" panose="020B0503020000020004" pitchFamily="34" charset="-127"/>
+              </a:defRPr>
+            </a:lvl1pPr>
+            <a:lvl2pPr marL="342900" indent="0">
+              <a:buNone/>
+              <a:defRPr/>
+            </a:lvl2pPr>
+            <a:lvl3pPr marL="685800" indent="0">
+              <a:buNone/>
+              <a:defRPr/>
+            </a:lvl3pPr>
+            <a:lvl4pPr marL="1028700" indent="0">
+              <a:buNone/>
+              <a:defRPr/>
+            </a:lvl4pPr>
+            <a:lvl5pPr marL="1371600" indent="0">
+              <a:buNone/>
+              <a:defRPr/>
+            </a:lvl5pPr>
+          </a:lstStyle>
+          <a:p>
+            <a:pPr lvl="0"/>
+            <a:r>
+              <a:rPr lang="en-US"/>
+              <a:t>Edit Master text styles</a:t>
+            </a:r>
+          </a:p>
+        </p:txBody>
+      </p:sp>
     </p:spTree>
     <p:extLst>
       <p:ext uri="{BB962C8B-B14F-4D97-AF65-F5344CB8AC3E}">
-        <p14:creationId xmlns:p14="http://schemas.microsoft.com/office/powerpoint/2010/main" val="3903084803"/>
+        <p14:creationId xmlns:p14="http://schemas.microsoft.com/office/powerpoint/2010/main" val="3191594523"/>
       </p:ext>
     </p:extLst>
   </p:cSld>
@@ -1472,9 +1403,9 @@
 </p:sldLayout>
 </file>
 
-<file path=ppt/slideLayouts/slideLayout3.xml><?xml version="1.0" encoding="utf-8"?>
-<p:sldLayout xmlns:a="http://schemas.openxmlformats.org/drawingml/2006/main" xmlns:r="http://schemas.openxmlformats.org/officeDocument/2006/relationships" xmlns:p="http://schemas.openxmlformats.org/presentationml/2006/main" preserve="1" userDrawn="1">
-  <p:cSld name="1_Title and Content">
+<file path=ppt/slideLayouts/slideLayout2.xml><?xml version="1.0" encoding="utf-8"?>
+<p:sldLayout xmlns:a="http://schemas.openxmlformats.org/drawingml/2006/main" xmlns:r="http://schemas.openxmlformats.org/officeDocument/2006/relationships" xmlns:p="http://schemas.openxmlformats.org/presentationml/2006/main" type="obj" preserve="1">
+  <p:cSld name="Title and Content">
     <p:spTree>
       <p:nvGrpSpPr>
         <p:cNvPr id="1" name=""/>
@@ -1499,14 +1430,9 @@
             <p:ph type="title"/>
           </p:nvPr>
         </p:nvSpPr>
-        <p:spPr>
-          <a:xfrm>
-            <a:off x="838200" y="365127"/>
-            <a:ext cx="10515600" cy="839786"/>
-          </a:xfrm>
-        </p:spPr>
-        <p:txBody>
-          <a:bodyPr anchor="ctr"/>
+        <p:spPr/>
+        <p:txBody>
+          <a:bodyPr/>
           <a:lstStyle/>
           <a:p>
             <a:r>
@@ -1530,33 +1456,7 @@
         <p:spPr/>
         <p:txBody>
           <a:bodyPr/>
-          <a:lstStyle>
-            <a:lvl1pPr>
-              <a:defRPr>
-                <a:latin typeface="Palatino Linotype" panose="02040502050505030304" pitchFamily="18" charset="0"/>
-              </a:defRPr>
-            </a:lvl1pPr>
-            <a:lvl2pPr>
-              <a:defRPr>
-                <a:latin typeface="Palatino Linotype" panose="02040502050505030304" pitchFamily="18" charset="0"/>
-              </a:defRPr>
-            </a:lvl2pPr>
-            <a:lvl3pPr>
-              <a:defRPr>
-                <a:latin typeface="Palatino Linotype" panose="02040502050505030304" pitchFamily="18" charset="0"/>
-              </a:defRPr>
-            </a:lvl3pPr>
-            <a:lvl4pPr>
-              <a:defRPr>
-                <a:latin typeface="Palatino Linotype" panose="02040502050505030304" pitchFamily="18" charset="0"/>
-              </a:defRPr>
-            </a:lvl4pPr>
-            <a:lvl5pPr>
-              <a:defRPr>
-                <a:latin typeface="Palatino Linotype" panose="02040502050505030304" pitchFamily="18" charset="0"/>
-              </a:defRPr>
-            </a:lvl5pPr>
-          </a:lstStyle>
+          <a:lstStyle/>
           <a:p>
             <a:pPr lvl="0"/>
             <a:r>
@@ -1597,7 +1497,7 @@
       </p:sp>
       <p:sp>
         <p:nvSpPr>
-          <p:cNvPr id="4" name="Date Placeholder 3"/>
+          <p:cNvPr id="7" name="Date Placeholder 6"/>
           <p:cNvSpPr>
             <a:spLocks noGrp="1"/>
           </p:cNvSpPr>
@@ -1612,7 +1512,7 @@
           <a:p>
             <a:fld id="{06685FD9-5669-904A-B297-38AE7CDF31B2}" type="datetimeFigureOut">
               <a:rPr lang="en-US" smtClean="0"/>
-              <a:t>2/16/18</a:t>
+              <a:t>2/16/2018</a:t>
             </a:fld>
             <a:endParaRPr lang="en-US"/>
           </a:p>
@@ -1620,7 +1520,7 @@
       </p:sp>
       <p:sp>
         <p:nvSpPr>
-          <p:cNvPr id="5" name="Footer Placeholder 4"/>
+          <p:cNvPr id="8" name="Footer Placeholder 7"/>
           <p:cNvSpPr>
             <a:spLocks noGrp="1"/>
           </p:cNvSpPr>
@@ -1639,7 +1539,7 @@
       </p:sp>
       <p:sp>
         <p:nvSpPr>
-          <p:cNvPr id="6" name="Slide Number Placeholder 5"/>
+          <p:cNvPr id="9" name="Slide Number Placeholder 8"/>
           <p:cNvSpPr>
             <a:spLocks noGrp="1"/>
           </p:cNvSpPr>
@@ -1660,69 +1560,10 @@
           </a:p>
         </p:txBody>
       </p:sp>
-      <p:sp>
-        <p:nvSpPr>
-          <p:cNvPr id="10" name="Text Placeholder 9">
-            <a:extLst>
-              <a:ext uri="{FF2B5EF4-FFF2-40B4-BE49-F238E27FC236}">
-                <a16:creationId xmlns:a16="http://schemas.microsoft.com/office/drawing/2014/main" id="{F65AB062-D6F0-9846-AABB-A53ED07792C6}"/>
-              </a:ext>
-            </a:extLst>
-          </p:cNvPr>
-          <p:cNvSpPr>
-            <a:spLocks noGrp="1"/>
-          </p:cNvSpPr>
-          <p:nvPr>
-            <p:ph type="body" sz="quarter" idx="14"/>
-          </p:nvPr>
-        </p:nvSpPr>
-        <p:spPr>
-          <a:xfrm>
-            <a:off x="838200" y="1304925"/>
-            <a:ext cx="10515600" cy="420688"/>
-          </a:xfrm>
-        </p:spPr>
-        <p:txBody>
-          <a:bodyPr/>
-          <a:lstStyle>
-            <a:lvl1pPr marL="0" indent="0">
-              <a:buFont typeface="Arial" panose="020B0604020202020204" pitchFamily="34" charset="0"/>
-              <a:buNone/>
-              <a:defRPr b="0" i="0">
-                <a:latin typeface="Malgun Gothic Semilight" panose="020B0503020000020004" pitchFamily="34" charset="-127"/>
-                <a:ea typeface="Malgun Gothic Semilight" panose="020B0503020000020004" pitchFamily="34" charset="-127"/>
-              </a:defRPr>
-            </a:lvl1pPr>
-            <a:lvl2pPr marL="342900" indent="0">
-              <a:buNone/>
-              <a:defRPr/>
-            </a:lvl2pPr>
-            <a:lvl3pPr marL="685800" indent="0">
-              <a:buNone/>
-              <a:defRPr/>
-            </a:lvl3pPr>
-            <a:lvl4pPr marL="1028700" indent="0">
-              <a:buNone/>
-              <a:defRPr/>
-            </a:lvl4pPr>
-            <a:lvl5pPr marL="1371600" indent="0">
-              <a:buNone/>
-              <a:defRPr/>
-            </a:lvl5pPr>
-          </a:lstStyle>
-          <a:p>
-            <a:pPr lvl="0"/>
-            <a:r>
-              <a:rPr lang="en-US"/>
-              <a:t>Edit Master text styles</a:t>
-            </a:r>
-          </a:p>
-        </p:txBody>
-      </p:sp>
     </p:spTree>
     <p:extLst>
       <p:ext uri="{BB962C8B-B14F-4D97-AF65-F5344CB8AC3E}">
-        <p14:creationId xmlns:p14="http://schemas.microsoft.com/office/powerpoint/2010/main" val="3191594523"/>
+        <p14:creationId xmlns:p14="http://schemas.microsoft.com/office/powerpoint/2010/main" val="1299823518"/>
       </p:ext>
     </p:extLst>
   </p:cSld>
@@ -1732,9 +1573,17 @@
 </p:sldLayout>
 </file>
 
-<file path=ppt/slideLayouts/slideLayout4.xml><?xml version="1.0" encoding="utf-8"?>
+<file path=ppt/slideLayouts/slideLayout3.xml><?xml version="1.0" encoding="utf-8"?>
 <p:sldLayout xmlns:a="http://schemas.openxmlformats.org/drawingml/2006/main" xmlns:r="http://schemas.openxmlformats.org/officeDocument/2006/relationships" xmlns:p="http://schemas.openxmlformats.org/presentationml/2006/main" type="secHead" preserve="1">
   <p:cSld name="Section Header">
+    <p:bg>
+      <p:bgPr>
+        <a:solidFill>
+          <a:schemeClr val="accent1"/>
+        </a:solidFill>
+        <a:effectLst/>
+      </p:bgPr>
+    </p:bg>
     <p:spTree>
       <p:nvGrpSpPr>
         <p:cNvPr id="1" name=""/>
@@ -1759,19 +1608,31 @@
             <p:ph type="title"/>
           </p:nvPr>
         </p:nvSpPr>
-        <p:spPr>
+        <p:spPr bwMode="blackWhite">
           <a:xfrm>
-            <a:off x="831851" y="1709740"/>
-            <a:ext cx="10515600" cy="2852737"/>
-          </a:xfrm>
-        </p:spPr>
-        <p:txBody>
-          <a:bodyPr anchor="b">
+            <a:off x="1600200" y="2386744"/>
+            <a:ext cx="8991600" cy="1645920"/>
+          </a:xfrm>
+          <a:solidFill>
+            <a:srgbClr val="FFFFFF"/>
+          </a:solidFill>
+          <a:ln w="38100">
+            <a:solidFill>
+              <a:srgbClr val="404040"/>
+            </a:solidFill>
+          </a:ln>
+        </p:spPr>
+        <p:txBody>
+          <a:bodyPr lIns="274320" rIns="274320" anchor="ctr" anchorCtr="1">
             <a:normAutofit/>
           </a:bodyPr>
           <a:lstStyle>
             <a:lvl1pPr>
-              <a:defRPr sz="3300"/>
+              <a:defRPr sz="3800">
+                <a:solidFill>
+                  <a:srgbClr val="262626"/>
+                </a:solidFill>
+              </a:defRPr>
             </a:lvl1pPr>
           </a:lstStyle>
           <a:p>
@@ -1795,14 +1656,34 @@
         </p:nvSpPr>
         <p:spPr>
           <a:xfrm>
-            <a:off x="831851" y="4589465"/>
-            <a:ext cx="10515600" cy="1500187"/>
-          </a:xfrm>
-        </p:spPr>
-        <p:txBody>
-          <a:bodyPr/>
+            <a:off x="2695194" y="4352465"/>
+            <a:ext cx="6801612" cy="1265082"/>
+          </a:xfrm>
+        </p:spPr>
+        <p:txBody>
+          <a:bodyPr anchor="t" anchorCtr="1">
+            <a:normAutofit/>
+          </a:bodyPr>
           <a:lstStyle>
             <a:lvl1pPr marL="0" indent="0">
+              <a:buNone/>
+              <a:defRPr sz="2000">
+                <a:solidFill>
+                  <a:schemeClr val="tx1"/>
+                </a:solidFill>
+              </a:defRPr>
+            </a:lvl1pPr>
+            <a:lvl2pPr marL="457200" indent="0">
+              <a:buNone/>
+              <a:defRPr sz="2000">
+                <a:solidFill>
+                  <a:schemeClr val="tx1">
+                    <a:tint val="75000"/>
+                  </a:schemeClr>
+                </a:solidFill>
+              </a:defRPr>
+            </a:lvl2pPr>
+            <a:lvl3pPr marL="914400" indent="0">
               <a:buNone/>
               <a:defRPr sz="1800">
                 <a:solidFill>
@@ -1811,30 +1692,10 @@
                   </a:schemeClr>
                 </a:solidFill>
               </a:defRPr>
-            </a:lvl1pPr>
-            <a:lvl2pPr marL="342900" indent="0">
-              <a:buNone/>
-              <a:defRPr sz="1500">
-                <a:solidFill>
-                  <a:schemeClr val="tx1">
-                    <a:tint val="75000"/>
-                  </a:schemeClr>
-                </a:solidFill>
-              </a:defRPr>
-            </a:lvl2pPr>
-            <a:lvl3pPr marL="685800" indent="0">
-              <a:buNone/>
-              <a:defRPr sz="1350">
-                <a:solidFill>
-                  <a:schemeClr val="tx1">
-                    <a:tint val="75000"/>
-                  </a:schemeClr>
-                </a:solidFill>
-              </a:defRPr>
             </a:lvl3pPr>
-            <a:lvl4pPr marL="1028700" indent="0">
-              <a:buNone/>
-              <a:defRPr sz="1200">
+            <a:lvl4pPr marL="1371600" indent="0">
+              <a:buNone/>
+              <a:defRPr sz="1600">
                 <a:solidFill>
                   <a:schemeClr val="tx1">
                     <a:tint val="75000"/>
@@ -1842,9 +1703,9 @@
                 </a:solidFill>
               </a:defRPr>
             </a:lvl4pPr>
-            <a:lvl5pPr marL="1371600" indent="0">
-              <a:buNone/>
-              <a:defRPr sz="1200">
+            <a:lvl5pPr marL="1828800" indent="0">
+              <a:buNone/>
+              <a:defRPr sz="1600">
                 <a:solidFill>
                   <a:schemeClr val="tx1">
                     <a:tint val="75000"/>
@@ -1852,9 +1713,9 @@
                 </a:solidFill>
               </a:defRPr>
             </a:lvl5pPr>
-            <a:lvl6pPr marL="1714500" indent="0">
-              <a:buNone/>
-              <a:defRPr sz="1200">
+            <a:lvl6pPr marL="2286000" indent="0">
+              <a:buNone/>
+              <a:defRPr sz="1600">
                 <a:solidFill>
                   <a:schemeClr val="tx1">
                     <a:tint val="75000"/>
@@ -1862,9 +1723,9 @@
                 </a:solidFill>
               </a:defRPr>
             </a:lvl6pPr>
-            <a:lvl7pPr marL="2057400" indent="0">
-              <a:buNone/>
-              <a:defRPr sz="1200">
+            <a:lvl7pPr marL="2743200" indent="0">
+              <a:buNone/>
+              <a:defRPr sz="1600">
                 <a:solidFill>
                   <a:schemeClr val="tx1">
                     <a:tint val="75000"/>
@@ -1872,9 +1733,9 @@
                 </a:solidFill>
               </a:defRPr>
             </a:lvl7pPr>
-            <a:lvl8pPr marL="2400300" indent="0">
-              <a:buNone/>
-              <a:defRPr sz="1200">
+            <a:lvl8pPr marL="3200400" indent="0">
+              <a:buNone/>
+              <a:defRPr sz="1600">
                 <a:solidFill>
                   <a:schemeClr val="tx1">
                     <a:tint val="75000"/>
@@ -1882,9 +1743,9 @@
                 </a:solidFill>
               </a:defRPr>
             </a:lvl8pPr>
-            <a:lvl9pPr marL="2743200" indent="0">
-              <a:buNone/>
-              <a:defRPr sz="1200">
+            <a:lvl9pPr marL="3657600" indent="0">
+              <a:buNone/>
+              <a:defRPr sz="1600">
                 <a:solidFill>
                   <a:schemeClr val="tx1">
                     <a:tint val="75000"/>
@@ -1904,7 +1765,7 @@
       </p:sp>
       <p:sp>
         <p:nvSpPr>
-          <p:cNvPr id="4" name="Date Placeholder 3"/>
+          <p:cNvPr id="7" name="Date Placeholder 6"/>
           <p:cNvSpPr>
             <a:spLocks noGrp="1"/>
           </p:cNvSpPr>
@@ -1919,7 +1780,7 @@
           <a:p>
             <a:fld id="{06685FD9-5669-904A-B297-38AE7CDF31B2}" type="datetimeFigureOut">
               <a:rPr lang="en-US" smtClean="0"/>
-              <a:t>2/16/18</a:t>
+              <a:t>2/16/2018</a:t>
             </a:fld>
             <a:endParaRPr lang="en-US"/>
           </a:p>
@@ -1927,7 +1788,7 @@
       </p:sp>
       <p:sp>
         <p:nvSpPr>
-          <p:cNvPr id="5" name="Footer Placeholder 4"/>
+          <p:cNvPr id="8" name="Footer Placeholder 7"/>
           <p:cNvSpPr>
             <a:spLocks noGrp="1"/>
           </p:cNvSpPr>
@@ -1946,7 +1807,7 @@
       </p:sp>
       <p:sp>
         <p:nvSpPr>
-          <p:cNvPr id="6" name="Slide Number Placeholder 5"/>
+          <p:cNvPr id="9" name="Slide Number Placeholder 8"/>
           <p:cNvSpPr>
             <a:spLocks noGrp="1"/>
           </p:cNvSpPr>
@@ -1970,17 +1831,17 @@
     </p:spTree>
     <p:extLst>
       <p:ext uri="{BB962C8B-B14F-4D97-AF65-F5344CB8AC3E}">
-        <p14:creationId xmlns:p14="http://schemas.microsoft.com/office/powerpoint/2010/main" val="917287146"/>
+        <p14:creationId xmlns:p14="http://schemas.microsoft.com/office/powerpoint/2010/main" val="212336532"/>
       </p:ext>
     </p:extLst>
   </p:cSld>
   <p:clrMapOvr>
-    <a:masterClrMapping/>
+    <a:overrideClrMapping bg1="dk1" tx1="lt1" bg2="dk2" tx2="lt2" accent1="accent1" accent2="accent2" accent3="accent3" accent4="accent4" accent5="accent5" accent6="accent6" hlink="hlink" folHlink="folHlink"/>
   </p:clrMapOvr>
 </p:sldLayout>
 </file>
 
-<file path=ppt/slideLayouts/slideLayout5.xml><?xml version="1.0" encoding="utf-8"?>
+<file path=ppt/slideLayouts/slideLayout4.xml><?xml version="1.0" encoding="utf-8"?>
 <p:sldLayout xmlns:a="http://schemas.openxmlformats.org/drawingml/2006/main" xmlns:r="http://schemas.openxmlformats.org/officeDocument/2006/relationships" xmlns:p="http://schemas.openxmlformats.org/presentationml/2006/main" type="twoObj" preserve="1">
   <p:cSld name="Two Content">
     <p:spTree>
@@ -2032,8 +1893,8 @@
         </p:nvSpPr>
         <p:spPr>
           <a:xfrm>
-            <a:off x="838200" y="1825625"/>
-            <a:ext cx="5181600" cy="4351338"/>
+            <a:off x="1581912" y="2638044"/>
+            <a:ext cx="4271771" cy="3101982"/>
           </a:xfrm>
         </p:spPr>
         <p:txBody>
@@ -2089,8 +1950,8 @@
         </p:nvSpPr>
         <p:spPr>
           <a:xfrm>
-            <a:off x="6172200" y="1825625"/>
-            <a:ext cx="5181600" cy="4351338"/>
+            <a:off x="6338315" y="2638044"/>
+            <a:ext cx="4270247" cy="3101982"/>
           </a:xfrm>
         </p:spPr>
         <p:txBody>
@@ -2136,7 +1997,7 @@
       </p:sp>
       <p:sp>
         <p:nvSpPr>
-          <p:cNvPr id="5" name="Date Placeholder 4"/>
+          <p:cNvPr id="8" name="Date Placeholder 7"/>
           <p:cNvSpPr>
             <a:spLocks noGrp="1"/>
           </p:cNvSpPr>
@@ -2151,7 +2012,7 @@
           <a:p>
             <a:fld id="{06685FD9-5669-904A-B297-38AE7CDF31B2}" type="datetimeFigureOut">
               <a:rPr lang="en-US" smtClean="0"/>
-              <a:t>2/16/18</a:t>
+              <a:t>2/16/2018</a:t>
             </a:fld>
             <a:endParaRPr lang="en-US"/>
           </a:p>
@@ -2159,7 +2020,7 @@
       </p:sp>
       <p:sp>
         <p:nvSpPr>
-          <p:cNvPr id="6" name="Footer Placeholder 5"/>
+          <p:cNvPr id="9" name="Footer Placeholder 8"/>
           <p:cNvSpPr>
             <a:spLocks noGrp="1"/>
           </p:cNvSpPr>
@@ -2178,7 +2039,7 @@
       </p:sp>
       <p:sp>
         <p:nvSpPr>
-          <p:cNvPr id="7" name="Slide Number Placeholder 6"/>
+          <p:cNvPr id="10" name="Slide Number Placeholder 9"/>
           <p:cNvSpPr>
             <a:spLocks noGrp="1"/>
           </p:cNvSpPr>
@@ -2202,7 +2063,7 @@
     </p:spTree>
     <p:extLst>
       <p:ext uri="{BB962C8B-B14F-4D97-AF65-F5344CB8AC3E}">
-        <p14:creationId xmlns:p14="http://schemas.microsoft.com/office/powerpoint/2010/main" val="4293129605"/>
+        <p14:creationId xmlns:p14="http://schemas.microsoft.com/office/powerpoint/2010/main" val="1016357376"/>
       </p:ext>
     </p:extLst>
   </p:cSld>
@@ -2212,7 +2073,7 @@
 </p:sldLayout>
 </file>
 
-<file path=ppt/slideLayouts/slideLayout6.xml><?xml version="1.0" encoding="utf-8"?>
+<file path=ppt/slideLayouts/slideLayout5.xml><?xml version="1.0" encoding="utf-8"?>
 <p:sldLayout xmlns:a="http://schemas.openxmlformats.org/drawingml/2006/main" xmlns:r="http://schemas.openxmlformats.org/officeDocument/2006/relationships" xmlns:p="http://schemas.openxmlformats.org/presentationml/2006/main" type="twoTxTwoObj" preserve="1">
   <p:cSld name="Comparison">
     <p:spTree>
@@ -2231,86 +2092,257 @@
       </p:grpSpPr>
       <p:sp>
         <p:nvSpPr>
-          <p:cNvPr id="2" name="Title 1"/>
-          <p:cNvSpPr>
-            <a:spLocks noGrp="1"/>
-          </p:cNvSpPr>
-          <p:nvPr>
-            <p:ph type="title"/>
+          <p:cNvPr id="3" name="Text Placeholder 2"/>
+          <p:cNvSpPr>
+            <a:spLocks noGrp="1"/>
+          </p:cNvSpPr>
+          <p:nvPr>
+            <p:ph type="body" idx="1"/>
           </p:nvPr>
         </p:nvSpPr>
         <p:spPr>
           <a:xfrm>
-            <a:off x="839788" y="365127"/>
-            <a:ext cx="10515600" cy="1325563"/>
-          </a:xfrm>
-        </p:spPr>
-        <p:txBody>
-          <a:bodyPr/>
-          <a:lstStyle/>
-          <a:p>
+            <a:off x="1583436" y="2313433"/>
+            <a:ext cx="4270248" cy="704087"/>
+          </a:xfrm>
+        </p:spPr>
+        <p:txBody>
+          <a:bodyPr anchor="b" anchorCtr="1">
+            <a:normAutofit/>
+          </a:bodyPr>
+          <a:lstStyle>
+            <a:lvl1pPr marL="0" indent="0" algn="ctr">
+              <a:buNone/>
+              <a:defRPr sz="1900" b="0" cap="all" spc="100" baseline="0">
+                <a:solidFill>
+                  <a:schemeClr val="accent2">
+                    <a:lumMod val="75000"/>
+                  </a:schemeClr>
+                </a:solidFill>
+              </a:defRPr>
+            </a:lvl1pPr>
+            <a:lvl2pPr marL="457200" indent="0">
+              <a:buNone/>
+              <a:defRPr sz="1900" b="1"/>
+            </a:lvl2pPr>
+            <a:lvl3pPr marL="914400" indent="0">
+              <a:buNone/>
+              <a:defRPr sz="1800" b="1"/>
+            </a:lvl3pPr>
+            <a:lvl4pPr marL="1371600" indent="0">
+              <a:buNone/>
+              <a:defRPr sz="1600" b="1"/>
+            </a:lvl4pPr>
+            <a:lvl5pPr marL="1828800" indent="0">
+              <a:buNone/>
+              <a:defRPr sz="1600" b="1"/>
+            </a:lvl5pPr>
+            <a:lvl6pPr marL="2286000" indent="0">
+              <a:buNone/>
+              <a:defRPr sz="1600" b="1"/>
+            </a:lvl6pPr>
+            <a:lvl7pPr marL="2743200" indent="0">
+              <a:buNone/>
+              <a:defRPr sz="1600" b="1"/>
+            </a:lvl7pPr>
+            <a:lvl8pPr marL="3200400" indent="0">
+              <a:buNone/>
+              <a:defRPr sz="1600" b="1"/>
+            </a:lvl8pPr>
+            <a:lvl9pPr marL="3657600" indent="0">
+              <a:buNone/>
+              <a:defRPr sz="1600" b="1"/>
+            </a:lvl9pPr>
+          </a:lstStyle>
+          <a:p>
+            <a:pPr lvl="0"/>
             <a:r>
               <a:rPr lang="en-US"/>
-              <a:t>Click to edit Master title style</a:t>
-            </a:r>
-            <a:endParaRPr lang="en-US" dirty="0"/>
-          </a:p>
-        </p:txBody>
-      </p:sp>
-      <p:sp>
-        <p:nvSpPr>
-          <p:cNvPr id="3" name="Text Placeholder 2"/>
-          <p:cNvSpPr>
-            <a:spLocks noGrp="1"/>
-          </p:cNvSpPr>
-          <p:nvPr>
-            <p:ph type="body" idx="1"/>
+              <a:t>Edit Master text styles</a:t>
+            </a:r>
+          </a:p>
+        </p:txBody>
+      </p:sp>
+      <p:sp>
+        <p:nvSpPr>
+          <p:cNvPr id="4" name="Content Placeholder 3"/>
+          <p:cNvSpPr>
+            <a:spLocks noGrp="1"/>
+          </p:cNvSpPr>
+          <p:nvPr>
+            <p:ph sz="half" idx="2"/>
           </p:nvPr>
         </p:nvSpPr>
         <p:spPr>
           <a:xfrm>
-            <a:off x="839789" y="1681163"/>
-            <a:ext cx="5157787" cy="823912"/>
-          </a:xfrm>
-        </p:spPr>
-        <p:txBody>
-          <a:bodyPr anchor="b"/>
+            <a:off x="1583436" y="3143250"/>
+            <a:ext cx="4270248" cy="2596776"/>
+          </a:xfrm>
+        </p:spPr>
+        <p:txBody>
+          <a:bodyPr/>
+          <a:lstStyle/>
+          <a:p>
+            <a:pPr lvl="0"/>
+            <a:r>
+              <a:rPr lang="en-US"/>
+              <a:t>Edit Master text styles</a:t>
+            </a:r>
+          </a:p>
+          <a:p>
+            <a:pPr lvl="1"/>
+            <a:r>
+              <a:rPr lang="en-US"/>
+              <a:t>Second level</a:t>
+            </a:r>
+          </a:p>
+          <a:p>
+            <a:pPr lvl="2"/>
+            <a:r>
+              <a:rPr lang="en-US"/>
+              <a:t>Third level</a:t>
+            </a:r>
+          </a:p>
+          <a:p>
+            <a:pPr lvl="3"/>
+            <a:r>
+              <a:rPr lang="en-US"/>
+              <a:t>Fourth level</a:t>
+            </a:r>
+          </a:p>
+          <a:p>
+            <a:pPr lvl="4"/>
+            <a:r>
+              <a:rPr lang="en-US"/>
+              <a:t>Fifth level</a:t>
+            </a:r>
+            <a:endParaRPr lang="en-US" dirty="0"/>
+          </a:p>
+        </p:txBody>
+      </p:sp>
+      <p:sp>
+        <p:nvSpPr>
+          <p:cNvPr id="6" name="Content Placeholder 5"/>
+          <p:cNvSpPr>
+            <a:spLocks noGrp="1"/>
+          </p:cNvSpPr>
+          <p:nvPr>
+            <p:ph sz="quarter" idx="4"/>
+          </p:nvPr>
+        </p:nvSpPr>
+        <p:spPr>
+          <a:xfrm>
+            <a:off x="6338316" y="3143250"/>
+            <a:ext cx="4253484" cy="2596776"/>
+          </a:xfrm>
+        </p:spPr>
+        <p:txBody>
+          <a:bodyPr/>
           <a:lstStyle>
-            <a:lvl1pPr marL="0" indent="0">
+            <a:lvl5pPr>
+              <a:defRPr/>
+            </a:lvl5pPr>
+          </a:lstStyle>
+          <a:p>
+            <a:pPr lvl="0"/>
+            <a:r>
+              <a:rPr lang="en-US"/>
+              <a:t>Edit Master text styles</a:t>
+            </a:r>
+          </a:p>
+          <a:p>
+            <a:pPr lvl="1"/>
+            <a:r>
+              <a:rPr lang="en-US"/>
+              <a:t>Second level</a:t>
+            </a:r>
+          </a:p>
+          <a:p>
+            <a:pPr lvl="2"/>
+            <a:r>
+              <a:rPr lang="en-US"/>
+              <a:t>Third level</a:t>
+            </a:r>
+          </a:p>
+          <a:p>
+            <a:pPr lvl="3"/>
+            <a:r>
+              <a:rPr lang="en-US"/>
+              <a:t>Fourth level</a:t>
+            </a:r>
+          </a:p>
+          <a:p>
+            <a:pPr lvl="4"/>
+            <a:r>
+              <a:rPr lang="en-US"/>
+              <a:t>Fifth level</a:t>
+            </a:r>
+            <a:endParaRPr lang="en-US" dirty="0"/>
+          </a:p>
+        </p:txBody>
+      </p:sp>
+      <p:sp>
+        <p:nvSpPr>
+          <p:cNvPr id="11" name="Text Placeholder 4"/>
+          <p:cNvSpPr>
+            <a:spLocks noGrp="1"/>
+          </p:cNvSpPr>
+          <p:nvPr>
+            <p:ph type="body" sz="quarter" idx="13"/>
+          </p:nvPr>
+        </p:nvSpPr>
+        <p:spPr>
+          <a:xfrm>
+            <a:off x="6338316" y="2313433"/>
+            <a:ext cx="4270248" cy="704087"/>
+          </a:xfrm>
+        </p:spPr>
+        <p:txBody>
+          <a:bodyPr anchor="b" anchorCtr="1">
+            <a:normAutofit/>
+          </a:bodyPr>
+          <a:lstStyle>
+            <a:lvl1pPr marL="0" indent="0" algn="ctr">
+              <a:buNone/>
+              <a:defRPr sz="1900" b="0" cap="all" spc="100" baseline="0">
+                <a:solidFill>
+                  <a:schemeClr val="accent2">
+                    <a:lumMod val="75000"/>
+                  </a:schemeClr>
+                </a:solidFill>
+              </a:defRPr>
+            </a:lvl1pPr>
+            <a:lvl2pPr marL="457200" indent="0">
+              <a:buNone/>
+              <a:defRPr sz="1900" b="1"/>
+            </a:lvl2pPr>
+            <a:lvl3pPr marL="914400" indent="0">
               <a:buNone/>
               <a:defRPr sz="1800" b="1"/>
-            </a:lvl1pPr>
-            <a:lvl2pPr marL="342900" indent="0">
-              <a:buNone/>
-              <a:defRPr sz="1500" b="1"/>
-            </a:lvl2pPr>
-            <a:lvl3pPr marL="685800" indent="0">
-              <a:buNone/>
-              <a:defRPr sz="1350" b="1"/>
             </a:lvl3pPr>
-            <a:lvl4pPr marL="1028700" indent="0">
-              <a:buNone/>
-              <a:defRPr sz="1200" b="1"/>
+            <a:lvl4pPr marL="1371600" indent="0">
+              <a:buNone/>
+              <a:defRPr sz="1600" b="1"/>
             </a:lvl4pPr>
-            <a:lvl5pPr marL="1371600" indent="0">
-              <a:buNone/>
-              <a:defRPr sz="1200" b="1"/>
+            <a:lvl5pPr marL="1828800" indent="0">
+              <a:buNone/>
+              <a:defRPr sz="1600" b="1"/>
             </a:lvl5pPr>
-            <a:lvl6pPr marL="1714500" indent="0">
-              <a:buNone/>
-              <a:defRPr sz="1200" b="1"/>
+            <a:lvl6pPr marL="2286000" indent="0">
+              <a:buNone/>
+              <a:defRPr sz="1600" b="1"/>
             </a:lvl6pPr>
-            <a:lvl7pPr marL="2057400" indent="0">
-              <a:buNone/>
-              <a:defRPr sz="1200" b="1"/>
+            <a:lvl7pPr marL="2743200" indent="0">
+              <a:buNone/>
+              <a:defRPr sz="1600" b="1"/>
             </a:lvl7pPr>
-            <a:lvl8pPr marL="2400300" indent="0">
-              <a:buNone/>
-              <a:defRPr sz="1200" b="1"/>
+            <a:lvl8pPr marL="3200400" indent="0">
+              <a:buNone/>
+              <a:defRPr sz="1600" b="1"/>
             </a:lvl8pPr>
-            <a:lvl9pPr marL="2743200" indent="0">
-              <a:buNone/>
-              <a:defRPr sz="1200" b="1"/>
+            <a:lvl9pPr marL="3657600" indent="0">
+              <a:buNone/>
+              <a:defRPr sz="1600" b="1"/>
             </a:lvl9pPr>
           </a:lstStyle>
           <a:p>
@@ -2324,185 +2356,6 @@
       </p:sp>
       <p:sp>
         <p:nvSpPr>
-          <p:cNvPr id="4" name="Content Placeholder 3"/>
-          <p:cNvSpPr>
-            <a:spLocks noGrp="1"/>
-          </p:cNvSpPr>
-          <p:nvPr>
-            <p:ph sz="half" idx="2"/>
-          </p:nvPr>
-        </p:nvSpPr>
-        <p:spPr>
-          <a:xfrm>
-            <a:off x="839789" y="2505075"/>
-            <a:ext cx="5157787" cy="3684588"/>
-          </a:xfrm>
-        </p:spPr>
-        <p:txBody>
-          <a:bodyPr/>
-          <a:lstStyle/>
-          <a:p>
-            <a:pPr lvl="0"/>
-            <a:r>
-              <a:rPr lang="en-US"/>
-              <a:t>Edit Master text styles</a:t>
-            </a:r>
-          </a:p>
-          <a:p>
-            <a:pPr lvl="1"/>
-            <a:r>
-              <a:rPr lang="en-US"/>
-              <a:t>Second level</a:t>
-            </a:r>
-          </a:p>
-          <a:p>
-            <a:pPr lvl="2"/>
-            <a:r>
-              <a:rPr lang="en-US"/>
-              <a:t>Third level</a:t>
-            </a:r>
-          </a:p>
-          <a:p>
-            <a:pPr lvl="3"/>
-            <a:r>
-              <a:rPr lang="en-US"/>
-              <a:t>Fourth level</a:t>
-            </a:r>
-          </a:p>
-          <a:p>
-            <a:pPr lvl="4"/>
-            <a:r>
-              <a:rPr lang="en-US"/>
-              <a:t>Fifth level</a:t>
-            </a:r>
-            <a:endParaRPr lang="en-US" dirty="0"/>
-          </a:p>
-        </p:txBody>
-      </p:sp>
-      <p:sp>
-        <p:nvSpPr>
-          <p:cNvPr id="5" name="Text Placeholder 4"/>
-          <p:cNvSpPr>
-            <a:spLocks noGrp="1"/>
-          </p:cNvSpPr>
-          <p:nvPr>
-            <p:ph type="body" sz="quarter" idx="3"/>
-          </p:nvPr>
-        </p:nvSpPr>
-        <p:spPr>
-          <a:xfrm>
-            <a:off x="6172201" y="1681163"/>
-            <a:ext cx="5183188" cy="823912"/>
-          </a:xfrm>
-        </p:spPr>
-        <p:txBody>
-          <a:bodyPr anchor="b"/>
-          <a:lstStyle>
-            <a:lvl1pPr marL="0" indent="0">
-              <a:buNone/>
-              <a:defRPr sz="1800" b="1"/>
-            </a:lvl1pPr>
-            <a:lvl2pPr marL="342900" indent="0">
-              <a:buNone/>
-              <a:defRPr sz="1500" b="1"/>
-            </a:lvl2pPr>
-            <a:lvl3pPr marL="685800" indent="0">
-              <a:buNone/>
-              <a:defRPr sz="1350" b="1"/>
-            </a:lvl3pPr>
-            <a:lvl4pPr marL="1028700" indent="0">
-              <a:buNone/>
-              <a:defRPr sz="1200" b="1"/>
-            </a:lvl4pPr>
-            <a:lvl5pPr marL="1371600" indent="0">
-              <a:buNone/>
-              <a:defRPr sz="1200" b="1"/>
-            </a:lvl5pPr>
-            <a:lvl6pPr marL="1714500" indent="0">
-              <a:buNone/>
-              <a:defRPr sz="1200" b="1"/>
-            </a:lvl6pPr>
-            <a:lvl7pPr marL="2057400" indent="0">
-              <a:buNone/>
-              <a:defRPr sz="1200" b="1"/>
-            </a:lvl7pPr>
-            <a:lvl8pPr marL="2400300" indent="0">
-              <a:buNone/>
-              <a:defRPr sz="1200" b="1"/>
-            </a:lvl8pPr>
-            <a:lvl9pPr marL="2743200" indent="0">
-              <a:buNone/>
-              <a:defRPr sz="1200" b="1"/>
-            </a:lvl9pPr>
-          </a:lstStyle>
-          <a:p>
-            <a:pPr lvl="0"/>
-            <a:r>
-              <a:rPr lang="en-US"/>
-              <a:t>Edit Master text styles</a:t>
-            </a:r>
-          </a:p>
-        </p:txBody>
-      </p:sp>
-      <p:sp>
-        <p:nvSpPr>
-          <p:cNvPr id="6" name="Content Placeholder 5"/>
-          <p:cNvSpPr>
-            <a:spLocks noGrp="1"/>
-          </p:cNvSpPr>
-          <p:nvPr>
-            <p:ph sz="quarter" idx="4"/>
-          </p:nvPr>
-        </p:nvSpPr>
-        <p:spPr>
-          <a:xfrm>
-            <a:off x="6172201" y="2505075"/>
-            <a:ext cx="5183188" cy="3684588"/>
-          </a:xfrm>
-        </p:spPr>
-        <p:txBody>
-          <a:bodyPr/>
-          <a:lstStyle/>
-          <a:p>
-            <a:pPr lvl="0"/>
-            <a:r>
-              <a:rPr lang="en-US"/>
-              <a:t>Edit Master text styles</a:t>
-            </a:r>
-          </a:p>
-          <a:p>
-            <a:pPr lvl="1"/>
-            <a:r>
-              <a:rPr lang="en-US"/>
-              <a:t>Second level</a:t>
-            </a:r>
-          </a:p>
-          <a:p>
-            <a:pPr lvl="2"/>
-            <a:r>
-              <a:rPr lang="en-US"/>
-              <a:t>Third level</a:t>
-            </a:r>
-          </a:p>
-          <a:p>
-            <a:pPr lvl="3"/>
-            <a:r>
-              <a:rPr lang="en-US"/>
-              <a:t>Fourth level</a:t>
-            </a:r>
-          </a:p>
-          <a:p>
-            <a:pPr lvl="4"/>
-            <a:r>
-              <a:rPr lang="en-US"/>
-              <a:t>Fifth level</a:t>
-            </a:r>
-            <a:endParaRPr lang="en-US" dirty="0"/>
-          </a:p>
-        </p:txBody>
-      </p:sp>
-      <p:sp>
-        <p:nvSpPr>
           <p:cNvPr id="7" name="Date Placeholder 6"/>
           <p:cNvSpPr>
             <a:spLocks noGrp="1"/>
@@ -2518,7 +2371,7 @@
           <a:p>
             <a:fld id="{06685FD9-5669-904A-B297-38AE7CDF31B2}" type="datetimeFigureOut">
               <a:rPr lang="en-US" smtClean="0"/>
-              <a:t>2/16/18</a:t>
+              <a:t>2/16/2018</a:t>
             </a:fld>
             <a:endParaRPr lang="en-US"/>
           </a:p>
@@ -2566,10 +2419,33 @@
           </a:p>
         </p:txBody>
       </p:sp>
+      <p:sp>
+        <p:nvSpPr>
+          <p:cNvPr id="10" name="Title 9"/>
+          <p:cNvSpPr>
+            <a:spLocks noGrp="1"/>
+          </p:cNvSpPr>
+          <p:nvPr>
+            <p:ph type="title"/>
+          </p:nvPr>
+        </p:nvSpPr>
+        <p:spPr/>
+        <p:txBody>
+          <a:bodyPr/>
+          <a:lstStyle/>
+          <a:p>
+            <a:r>
+              <a:rPr lang="en-US"/>
+              <a:t>Click to edit Master title style</a:t>
+            </a:r>
+            <a:endParaRPr lang="en-US" dirty="0"/>
+          </a:p>
+        </p:txBody>
+      </p:sp>
     </p:spTree>
     <p:extLst>
       <p:ext uri="{BB962C8B-B14F-4D97-AF65-F5344CB8AC3E}">
-        <p14:creationId xmlns:p14="http://schemas.microsoft.com/office/powerpoint/2010/main" val="3324573236"/>
+        <p14:creationId xmlns:p14="http://schemas.microsoft.com/office/powerpoint/2010/main" val="270022152"/>
       </p:ext>
     </p:extLst>
   </p:cSld>
@@ -2579,7 +2455,7 @@
 </p:sldLayout>
 </file>
 
-<file path=ppt/slideLayouts/slideLayout7.xml><?xml version="1.0" encoding="utf-8"?>
+<file path=ppt/slideLayouts/slideLayout6.xml><?xml version="1.0" encoding="utf-8"?>
 <p:sldLayout xmlns:a="http://schemas.openxmlformats.org/drawingml/2006/main" xmlns:r="http://schemas.openxmlformats.org/officeDocument/2006/relationships" xmlns:p="http://schemas.openxmlformats.org/presentationml/2006/main" type="titleOnly" preserve="1">
   <p:cSld name="Title Only">
     <p:spTree>
@@ -2636,7 +2512,7 @@
           <a:p>
             <a:fld id="{06685FD9-5669-904A-B297-38AE7CDF31B2}" type="datetimeFigureOut">
               <a:rPr lang="en-US" smtClean="0"/>
-              <a:t>2/16/18</a:t>
+              <a:t>2/16/2018</a:t>
             </a:fld>
             <a:endParaRPr lang="en-US"/>
           </a:p>
@@ -2687,7 +2563,7 @@
     </p:spTree>
     <p:extLst>
       <p:ext uri="{BB962C8B-B14F-4D97-AF65-F5344CB8AC3E}">
-        <p14:creationId xmlns:p14="http://schemas.microsoft.com/office/powerpoint/2010/main" val="2536505960"/>
+        <p14:creationId xmlns:p14="http://schemas.microsoft.com/office/powerpoint/2010/main" val="369835151"/>
       </p:ext>
     </p:extLst>
   </p:cSld>
@@ -2697,7 +2573,7 @@
 </p:sldLayout>
 </file>
 
-<file path=ppt/slideLayouts/slideLayout8.xml><?xml version="1.0" encoding="utf-8"?>
+<file path=ppt/slideLayouts/slideLayout7.xml><?xml version="1.0" encoding="utf-8"?>
 <p:sldLayout xmlns:a="http://schemas.openxmlformats.org/drawingml/2006/main" xmlns:r="http://schemas.openxmlformats.org/officeDocument/2006/relationships" xmlns:p="http://schemas.openxmlformats.org/presentationml/2006/main" type="blank" preserve="1">
   <p:cSld name="Blank">
     <p:spTree>
@@ -2731,7 +2607,7 @@
           <a:p>
             <a:fld id="{06685FD9-5669-904A-B297-38AE7CDF31B2}" type="datetimeFigureOut">
               <a:rPr lang="en-US" smtClean="0"/>
-              <a:t>2/16/18</a:t>
+              <a:t>2/16/2018</a:t>
             </a:fld>
             <a:endParaRPr lang="en-US"/>
           </a:p>
@@ -2782,17 +2658,22 @@
     </p:spTree>
     <p:extLst>
       <p:ext uri="{BB962C8B-B14F-4D97-AF65-F5344CB8AC3E}">
-        <p14:creationId xmlns:p14="http://schemas.microsoft.com/office/powerpoint/2010/main" val="2781942864"/>
+        <p14:creationId xmlns:p14="http://schemas.microsoft.com/office/powerpoint/2010/main" val="3477880659"/>
       </p:ext>
     </p:extLst>
   </p:cSld>
   <p:clrMapOvr>
     <a:masterClrMapping/>
   </p:clrMapOvr>
+  <p:extLst>
+    <p:ext uri="{DCECCB84-F9BA-43D5-87BE-67443E8EF086}">
+      <p15:sldGuideLst xmlns:p15="http://schemas.microsoft.com/office/powerpoint/2012/main"/>
+    </p:ext>
+  </p:extLst>
 </p:sldLayout>
 </file>
 
-<file path=ppt/slideLayouts/slideLayout9.xml><?xml version="1.0" encoding="utf-8"?>
+<file path=ppt/slideLayouts/slideLayout8.xml><?xml version="1.0" encoding="utf-8"?>
 <p:sldLayout xmlns:a="http://schemas.openxmlformats.org/drawingml/2006/main" xmlns:r="http://schemas.openxmlformats.org/officeDocument/2006/relationships" xmlns:p="http://schemas.openxmlformats.org/presentationml/2006/main" type="objTx" preserve="1">
   <p:cSld name="Content with Caption">
     <p:spTree>
@@ -2811,25 +2692,77 @@
       </p:grpSpPr>
       <p:sp>
         <p:nvSpPr>
-          <p:cNvPr id="2" name="Title 1"/>
-          <p:cNvSpPr>
-            <a:spLocks noGrp="1"/>
-          </p:cNvSpPr>
-          <p:nvPr>
-            <p:ph type="title"/>
-          </p:nvPr>
+          <p:cNvPr id="26" name="Rectangle 25"/>
+          <p:cNvSpPr/>
+          <p:nvPr/>
         </p:nvSpPr>
         <p:spPr>
           <a:xfrm>
-            <a:off x="839788" y="457200"/>
-            <a:ext cx="3932237" cy="1600200"/>
-          </a:xfrm>
-        </p:spPr>
-        <p:txBody>
-          <a:bodyPr anchor="b"/>
+            <a:off x="0" y="0"/>
+            <a:ext cx="6096000" cy="6858000"/>
+          </a:xfrm>
+          <a:prstGeom prst="rect">
+            <a:avLst/>
+          </a:prstGeom>
+          <a:solidFill>
+            <a:schemeClr val="accent2"/>
+          </a:solidFill>
+          <a:ln>
+            <a:noFill/>
+          </a:ln>
+        </p:spPr>
+        <p:style>
+          <a:lnRef idx="2">
+            <a:schemeClr val="accent1">
+              <a:shade val="50000"/>
+            </a:schemeClr>
+          </a:lnRef>
+          <a:fillRef idx="1">
+            <a:schemeClr val="accent1"/>
+          </a:fillRef>
+          <a:effectRef idx="0">
+            <a:schemeClr val="accent1"/>
+          </a:effectRef>
+          <a:fontRef idx="minor">
+            <a:schemeClr val="lt1"/>
+          </a:fontRef>
+        </p:style>
+      </p:sp>
+      <p:sp>
+        <p:nvSpPr>
+          <p:cNvPr id="2" name="Title 1"/>
+          <p:cNvSpPr>
+            <a:spLocks noGrp="1"/>
+          </p:cNvSpPr>
+          <p:nvPr>
+            <p:ph type="title"/>
+          </p:nvPr>
+        </p:nvSpPr>
+        <p:spPr bwMode="blackWhite">
+          <a:xfrm>
+            <a:off x="804672" y="2243828"/>
+            <a:ext cx="4486656" cy="1141497"/>
+          </a:xfrm>
+          <a:solidFill>
+            <a:srgbClr val="FFFFFF"/>
+          </a:solidFill>
+          <a:ln>
+            <a:solidFill>
+              <a:srgbClr val="404040"/>
+            </a:solidFill>
+          </a:ln>
+        </p:spPr>
+        <p:txBody>
+          <a:bodyPr anchor="ctr" anchorCtr="1">
+            <a:normAutofit/>
+          </a:bodyPr>
           <a:lstStyle>
             <a:lvl1pPr>
-              <a:defRPr sz="2400"/>
+              <a:defRPr sz="2200">
+                <a:solidFill>
+                  <a:srgbClr val="262626"/>
+                </a:solidFill>
+              </a:defRPr>
             </a:lvl1pPr>
           </a:lstStyle>
           <a:p>
@@ -2853,189 +2786,232 @@
         </p:nvSpPr>
         <p:spPr>
           <a:xfrm>
-            <a:off x="5183188" y="987427"/>
-            <a:ext cx="6172200" cy="4873625"/>
+            <a:off x="6736080" y="804672"/>
+            <a:ext cx="4815840" cy="5248656"/>
+          </a:xfrm>
+        </p:spPr>
+        <p:txBody>
+          <a:bodyPr>
+            <a:normAutofit/>
+          </a:bodyPr>
+          <a:lstStyle>
+            <a:lvl1pPr>
+              <a:defRPr sz="1900">
+                <a:solidFill>
+                  <a:schemeClr val="tx1"/>
+                </a:solidFill>
+              </a:defRPr>
+            </a:lvl1pPr>
+            <a:lvl2pPr>
+              <a:defRPr sz="1600">
+                <a:solidFill>
+                  <a:schemeClr val="tx1"/>
+                </a:solidFill>
+              </a:defRPr>
+            </a:lvl2pPr>
+            <a:lvl3pPr>
+              <a:defRPr sz="1600">
+                <a:solidFill>
+                  <a:schemeClr val="tx1"/>
+                </a:solidFill>
+              </a:defRPr>
+            </a:lvl3pPr>
+            <a:lvl4pPr>
+              <a:defRPr sz="1600">
+                <a:solidFill>
+                  <a:schemeClr val="tx1"/>
+                </a:solidFill>
+              </a:defRPr>
+            </a:lvl4pPr>
+            <a:lvl5pPr>
+              <a:defRPr sz="1600">
+                <a:solidFill>
+                  <a:schemeClr val="tx1"/>
+                </a:solidFill>
+              </a:defRPr>
+            </a:lvl5pPr>
+            <a:lvl6pPr>
+              <a:defRPr sz="1600"/>
+            </a:lvl6pPr>
+            <a:lvl7pPr>
+              <a:defRPr sz="1600"/>
+            </a:lvl7pPr>
+            <a:lvl8pPr>
+              <a:defRPr sz="1600"/>
+            </a:lvl8pPr>
+            <a:lvl9pPr>
+              <a:defRPr sz="1600"/>
+            </a:lvl9pPr>
+          </a:lstStyle>
+          <a:p>
+            <a:pPr lvl="0"/>
+            <a:r>
+              <a:rPr lang="en-US"/>
+              <a:t>Edit Master text styles</a:t>
+            </a:r>
+          </a:p>
+          <a:p>
+            <a:pPr lvl="1"/>
+            <a:r>
+              <a:rPr lang="en-US"/>
+              <a:t>Second level</a:t>
+            </a:r>
+          </a:p>
+          <a:p>
+            <a:pPr lvl="2"/>
+            <a:r>
+              <a:rPr lang="en-US"/>
+              <a:t>Third level</a:t>
+            </a:r>
+          </a:p>
+          <a:p>
+            <a:pPr lvl="3"/>
+            <a:r>
+              <a:rPr lang="en-US"/>
+              <a:t>Fourth level</a:t>
+            </a:r>
+          </a:p>
+          <a:p>
+            <a:pPr lvl="4"/>
+            <a:r>
+              <a:rPr lang="en-US"/>
+              <a:t>Fifth level</a:t>
+            </a:r>
+            <a:endParaRPr lang="en-US" dirty="0"/>
+          </a:p>
+        </p:txBody>
+      </p:sp>
+      <p:sp>
+        <p:nvSpPr>
+          <p:cNvPr id="4" name="Text Placeholder 3"/>
+          <p:cNvSpPr>
+            <a:spLocks noGrp="1"/>
+          </p:cNvSpPr>
+          <p:nvPr>
+            <p:ph type="body" sz="half" idx="2"/>
+          </p:nvPr>
+        </p:nvSpPr>
+        <p:spPr>
+          <a:xfrm>
+            <a:off x="1115568" y="3549918"/>
+            <a:ext cx="3794760" cy="2194036"/>
+          </a:xfrm>
+        </p:spPr>
+        <p:txBody>
+          <a:bodyPr anchor="t" anchorCtr="1">
+            <a:normAutofit/>
+          </a:bodyPr>
+          <a:lstStyle>
+            <a:lvl1pPr marL="0" indent="0" algn="ctr">
+              <a:buNone/>
+              <a:defRPr sz="1500">
+                <a:solidFill>
+                  <a:srgbClr val="FFFFFF"/>
+                </a:solidFill>
+              </a:defRPr>
+            </a:lvl1pPr>
+            <a:lvl2pPr marL="457200" indent="0">
+              <a:buNone/>
+              <a:defRPr sz="1400"/>
+            </a:lvl2pPr>
+            <a:lvl3pPr marL="914400" indent="0">
+              <a:buNone/>
+              <a:defRPr sz="1200"/>
+            </a:lvl3pPr>
+            <a:lvl4pPr marL="1371600" indent="0">
+              <a:buNone/>
+              <a:defRPr sz="1000"/>
+            </a:lvl4pPr>
+            <a:lvl5pPr marL="1828800" indent="0">
+              <a:buNone/>
+              <a:defRPr sz="1000"/>
+            </a:lvl5pPr>
+            <a:lvl6pPr marL="2286000" indent="0">
+              <a:buNone/>
+              <a:defRPr sz="1000"/>
+            </a:lvl6pPr>
+            <a:lvl7pPr marL="2743200" indent="0">
+              <a:buNone/>
+              <a:defRPr sz="1000"/>
+            </a:lvl7pPr>
+            <a:lvl8pPr marL="3200400" indent="0">
+              <a:buNone/>
+              <a:defRPr sz="1000"/>
+            </a:lvl8pPr>
+            <a:lvl9pPr marL="3657600" indent="0">
+              <a:buNone/>
+              <a:defRPr sz="1000"/>
+            </a:lvl9pPr>
+          </a:lstStyle>
+          <a:p>
+            <a:pPr lvl="0"/>
+            <a:r>
+              <a:rPr lang="en-US"/>
+              <a:t>Edit Master text styles</a:t>
+            </a:r>
+          </a:p>
+        </p:txBody>
+      </p:sp>
+      <p:sp>
+        <p:nvSpPr>
+          <p:cNvPr id="9" name="Date Placeholder 8"/>
+          <p:cNvSpPr>
+            <a:spLocks noGrp="1"/>
+          </p:cNvSpPr>
+          <p:nvPr>
+            <p:ph type="dt" sz="half" idx="10"/>
+          </p:nvPr>
+        </p:nvSpPr>
+        <p:spPr/>
+        <p:txBody>
+          <a:bodyPr/>
+          <a:lstStyle/>
+          <a:p>
+            <a:fld id="{06685FD9-5669-904A-B297-38AE7CDF31B2}" type="datetimeFigureOut">
+              <a:rPr lang="en-US" smtClean="0"/>
+              <a:t>2/16/2018</a:t>
+            </a:fld>
+            <a:endParaRPr lang="en-US"/>
+          </a:p>
+        </p:txBody>
+      </p:sp>
+      <p:sp>
+        <p:nvSpPr>
+          <p:cNvPr id="10" name="Footer Placeholder 9"/>
+          <p:cNvSpPr>
+            <a:spLocks noGrp="1"/>
+          </p:cNvSpPr>
+          <p:nvPr>
+            <p:ph type="ftr" sz="quarter" idx="11"/>
+          </p:nvPr>
+        </p:nvSpPr>
+        <p:spPr>
+          <a:xfrm>
+            <a:off x="804672" y="6236208"/>
+            <a:ext cx="5124797" cy="320040"/>
           </a:xfrm>
         </p:spPr>
         <p:txBody>
           <a:bodyPr/>
           <a:lstStyle>
             <a:lvl1pPr>
-              <a:defRPr sz="2400"/>
+              <a:defRPr>
+                <a:solidFill>
+                  <a:srgbClr val="FFFFFF">
+                    <a:alpha val="70000"/>
+                  </a:srgbClr>
+                </a:solidFill>
+              </a:defRPr>
             </a:lvl1pPr>
-            <a:lvl2pPr>
-              <a:defRPr sz="2100"/>
-            </a:lvl2pPr>
-            <a:lvl3pPr>
-              <a:defRPr sz="1800"/>
-            </a:lvl3pPr>
-            <a:lvl4pPr>
-              <a:defRPr sz="1500"/>
-            </a:lvl4pPr>
-            <a:lvl5pPr>
-              <a:defRPr sz="1500"/>
-            </a:lvl5pPr>
-            <a:lvl6pPr>
-              <a:defRPr sz="1500"/>
-            </a:lvl6pPr>
-            <a:lvl7pPr>
-              <a:defRPr sz="1500"/>
-            </a:lvl7pPr>
-            <a:lvl8pPr>
-              <a:defRPr sz="1500"/>
-            </a:lvl8pPr>
-            <a:lvl9pPr>
-              <a:defRPr sz="1500"/>
-            </a:lvl9pPr>
           </a:lstStyle>
           <a:p>
-            <a:pPr lvl="0"/>
-            <a:r>
-              <a:rPr lang="en-US"/>
-              <a:t>Edit Master text styles</a:t>
-            </a:r>
-          </a:p>
-          <a:p>
-            <a:pPr lvl="1"/>
-            <a:r>
-              <a:rPr lang="en-US"/>
-              <a:t>Second level</a:t>
-            </a:r>
-          </a:p>
-          <a:p>
-            <a:pPr lvl="2"/>
-            <a:r>
-              <a:rPr lang="en-US"/>
-              <a:t>Third level</a:t>
-            </a:r>
-          </a:p>
-          <a:p>
-            <a:pPr lvl="3"/>
-            <a:r>
-              <a:rPr lang="en-US"/>
-              <a:t>Fourth level</a:t>
-            </a:r>
-          </a:p>
-          <a:p>
-            <a:pPr lvl="4"/>
-            <a:r>
-              <a:rPr lang="en-US"/>
-              <a:t>Fifth level</a:t>
-            </a:r>
-            <a:endParaRPr lang="en-US" dirty="0"/>
-          </a:p>
-        </p:txBody>
-      </p:sp>
-      <p:sp>
-        <p:nvSpPr>
-          <p:cNvPr id="4" name="Text Placeholder 3"/>
-          <p:cNvSpPr>
-            <a:spLocks noGrp="1"/>
-          </p:cNvSpPr>
-          <p:nvPr>
-            <p:ph type="body" sz="half" idx="2"/>
-          </p:nvPr>
-        </p:nvSpPr>
-        <p:spPr>
-          <a:xfrm>
-            <a:off x="839788" y="2057400"/>
-            <a:ext cx="3932237" cy="3811588"/>
-          </a:xfrm>
-        </p:spPr>
-        <p:txBody>
-          <a:bodyPr/>
-          <a:lstStyle>
-            <a:lvl1pPr marL="0" indent="0">
-              <a:buNone/>
-              <a:defRPr sz="1200"/>
-            </a:lvl1pPr>
-            <a:lvl2pPr marL="342900" indent="0">
-              <a:buNone/>
-              <a:defRPr sz="1050"/>
-            </a:lvl2pPr>
-            <a:lvl3pPr marL="685800" indent="0">
-              <a:buNone/>
-              <a:defRPr sz="900"/>
-            </a:lvl3pPr>
-            <a:lvl4pPr marL="1028700" indent="0">
-              <a:buNone/>
-              <a:defRPr sz="750"/>
-            </a:lvl4pPr>
-            <a:lvl5pPr marL="1371600" indent="0">
-              <a:buNone/>
-              <a:defRPr sz="750"/>
-            </a:lvl5pPr>
-            <a:lvl6pPr marL="1714500" indent="0">
-              <a:buNone/>
-              <a:defRPr sz="750"/>
-            </a:lvl6pPr>
-            <a:lvl7pPr marL="2057400" indent="0">
-              <a:buNone/>
-              <a:defRPr sz="750"/>
-            </a:lvl7pPr>
-            <a:lvl8pPr marL="2400300" indent="0">
-              <a:buNone/>
-              <a:defRPr sz="750"/>
-            </a:lvl8pPr>
-            <a:lvl9pPr marL="2743200" indent="0">
-              <a:buNone/>
-              <a:defRPr sz="750"/>
-            </a:lvl9pPr>
-          </a:lstStyle>
-          <a:p>
-            <a:pPr lvl="0"/>
-            <a:r>
-              <a:rPr lang="en-US"/>
-              <a:t>Edit Master text styles</a:t>
-            </a:r>
-          </a:p>
-        </p:txBody>
-      </p:sp>
-      <p:sp>
-        <p:nvSpPr>
-          <p:cNvPr id="5" name="Date Placeholder 4"/>
-          <p:cNvSpPr>
-            <a:spLocks noGrp="1"/>
-          </p:cNvSpPr>
-          <p:nvPr>
-            <p:ph type="dt" sz="half" idx="10"/>
-          </p:nvPr>
-        </p:nvSpPr>
-        <p:spPr/>
-        <p:txBody>
-          <a:bodyPr/>
-          <a:lstStyle/>
-          <a:p>
-            <a:fld id="{06685FD9-5669-904A-B297-38AE7CDF31B2}" type="datetimeFigureOut">
-              <a:rPr lang="en-US" smtClean="0"/>
-              <a:t>2/16/18</a:t>
-            </a:fld>
             <a:endParaRPr lang="en-US"/>
           </a:p>
         </p:txBody>
       </p:sp>
       <p:sp>
         <p:nvSpPr>
-          <p:cNvPr id="6" name="Footer Placeholder 5"/>
-          <p:cNvSpPr>
-            <a:spLocks noGrp="1"/>
-          </p:cNvSpPr>
-          <p:nvPr>
-            <p:ph type="ftr" sz="quarter" idx="11"/>
-          </p:nvPr>
-        </p:nvSpPr>
-        <p:spPr/>
-        <p:txBody>
-          <a:bodyPr/>
-          <a:lstStyle/>
-          <a:p>
-            <a:endParaRPr lang="en-US"/>
-          </a:p>
-        </p:txBody>
-      </p:sp>
-      <p:sp>
-        <p:nvSpPr>
-          <p:cNvPr id="7" name="Slide Number Placeholder 6"/>
+          <p:cNvPr id="11" name="Slide Number Placeholder 10"/>
           <p:cNvSpPr>
             <a:spLocks noGrp="1"/>
           </p:cNvSpPr>
@@ -3059,7 +3035,369 @@
     </p:spTree>
     <p:extLst>
       <p:ext uri="{BB962C8B-B14F-4D97-AF65-F5344CB8AC3E}">
-        <p14:creationId xmlns:p14="http://schemas.microsoft.com/office/powerpoint/2010/main" val="3314972046"/>
+        <p14:creationId xmlns:p14="http://schemas.microsoft.com/office/powerpoint/2010/main" val="1168590666"/>
+      </p:ext>
+    </p:extLst>
+  </p:cSld>
+  <p:clrMapOvr>
+    <a:masterClrMapping/>
+  </p:clrMapOvr>
+  <p:extLst>
+    <p:ext uri="{DCECCB84-F9BA-43D5-87BE-67443E8EF086}">
+      <p15:sldGuideLst xmlns:p15="http://schemas.microsoft.com/office/powerpoint/2012/main"/>
+    </p:ext>
+  </p:extLst>
+</p:sldLayout>
+</file>
+
+<file path=ppt/slideLayouts/slideLayout9.xml><?xml version="1.0" encoding="utf-8"?>
+<p:sldLayout xmlns:a="http://schemas.openxmlformats.org/drawingml/2006/main" xmlns:r="http://schemas.openxmlformats.org/officeDocument/2006/relationships" xmlns:p="http://schemas.openxmlformats.org/presentationml/2006/main" type="picTx" preserve="1">
+  <p:cSld name="Picture with Caption">
+    <p:spTree>
+      <p:nvGrpSpPr>
+        <p:cNvPr id="1" name=""/>
+        <p:cNvGrpSpPr/>
+        <p:nvPr/>
+      </p:nvGrpSpPr>
+      <p:grpSpPr>
+        <a:xfrm>
+          <a:off x="0" y="0"/>
+          <a:ext cx="0" cy="0"/>
+          <a:chOff x="0" y="0"/>
+          <a:chExt cx="0" cy="0"/>
+        </a:xfrm>
+      </p:grpSpPr>
+      <p:sp>
+        <p:nvSpPr>
+          <p:cNvPr id="18" name="Rectangle 17"/>
+          <p:cNvSpPr/>
+          <p:nvPr/>
+        </p:nvSpPr>
+        <p:spPr>
+          <a:xfrm>
+            <a:off x="0" y="0"/>
+            <a:ext cx="6095999" cy="6858000"/>
+          </a:xfrm>
+          <a:prstGeom prst="rect">
+            <a:avLst/>
+          </a:prstGeom>
+          <a:solidFill>
+            <a:schemeClr val="accent2"/>
+          </a:solidFill>
+          <a:ln>
+            <a:noFill/>
+          </a:ln>
+        </p:spPr>
+        <p:style>
+          <a:lnRef idx="2">
+            <a:schemeClr val="accent1">
+              <a:shade val="50000"/>
+            </a:schemeClr>
+          </a:lnRef>
+          <a:fillRef idx="1">
+            <a:schemeClr val="accent1"/>
+          </a:fillRef>
+          <a:effectRef idx="0">
+            <a:schemeClr val="accent1"/>
+          </a:effectRef>
+          <a:fontRef idx="minor">
+            <a:schemeClr val="lt1"/>
+          </a:fontRef>
+        </p:style>
+      </p:sp>
+      <p:sp>
+        <p:nvSpPr>
+          <p:cNvPr id="2" name="Title 1"/>
+          <p:cNvSpPr>
+            <a:spLocks noGrp="1"/>
+          </p:cNvSpPr>
+          <p:nvPr>
+            <p:ph type="title"/>
+          </p:nvPr>
+        </p:nvSpPr>
+        <p:spPr bwMode="blackWhite">
+          <a:xfrm>
+            <a:off x="808523" y="2243828"/>
+            <a:ext cx="4494998" cy="1134640"/>
+          </a:xfrm>
+          <a:solidFill>
+            <a:srgbClr val="FFFFFF"/>
+          </a:solidFill>
+          <a:ln>
+            <a:solidFill>
+              <a:srgbClr val="404040"/>
+            </a:solidFill>
+          </a:ln>
+        </p:spPr>
+        <p:txBody>
+          <a:bodyPr anchor="ctr" anchorCtr="1">
+            <a:noAutofit/>
+          </a:bodyPr>
+          <a:lstStyle>
+            <a:lvl1pPr>
+              <a:defRPr sz="2200">
+                <a:solidFill>
+                  <a:srgbClr val="262626"/>
+                </a:solidFill>
+              </a:defRPr>
+            </a:lvl1pPr>
+          </a:lstStyle>
+          <a:p>
+            <a:r>
+              <a:rPr lang="en-US"/>
+              <a:t>Click to edit Master title style</a:t>
+            </a:r>
+            <a:endParaRPr lang="en-US" dirty="0"/>
+          </a:p>
+        </p:txBody>
+      </p:sp>
+      <p:sp>
+        <p:nvSpPr>
+          <p:cNvPr id="3" name="Picture Placeholder 2"/>
+          <p:cNvSpPr>
+            <a:spLocks noGrp="1" noChangeAspect="1"/>
+          </p:cNvSpPr>
+          <p:nvPr>
+            <p:ph type="pic" idx="1"/>
+          </p:nvPr>
+        </p:nvSpPr>
+        <p:spPr>
+          <a:xfrm>
+            <a:off x="6095999" y="0"/>
+            <a:ext cx="6102097" cy="6858000"/>
+          </a:xfrm>
+          <a:solidFill>
+            <a:schemeClr val="bg1">
+              <a:lumMod val="75000"/>
+            </a:schemeClr>
+          </a:solidFill>
+        </p:spPr>
+        <p:txBody>
+          <a:bodyPr anchor="t"/>
+          <a:lstStyle>
+            <a:lvl1pPr marL="0" indent="0">
+              <a:buNone/>
+              <a:defRPr sz="3200">
+                <a:solidFill>
+                  <a:schemeClr val="bg1">
+                    <a:lumMod val="85000"/>
+                    <a:lumOff val="15000"/>
+                  </a:schemeClr>
+                </a:solidFill>
+              </a:defRPr>
+            </a:lvl1pPr>
+            <a:lvl2pPr marL="457200" indent="0">
+              <a:buNone/>
+              <a:defRPr sz="2800"/>
+            </a:lvl2pPr>
+            <a:lvl3pPr marL="914400" indent="0">
+              <a:buNone/>
+              <a:defRPr sz="2400"/>
+            </a:lvl3pPr>
+            <a:lvl4pPr marL="1371600" indent="0">
+              <a:buNone/>
+              <a:defRPr sz="2000"/>
+            </a:lvl4pPr>
+            <a:lvl5pPr marL="1828800" indent="0">
+              <a:buNone/>
+              <a:defRPr sz="2000"/>
+            </a:lvl5pPr>
+            <a:lvl6pPr marL="2286000" indent="0">
+              <a:buNone/>
+              <a:defRPr sz="2000"/>
+            </a:lvl6pPr>
+            <a:lvl7pPr marL="2743200" indent="0">
+              <a:buNone/>
+              <a:defRPr sz="2000"/>
+            </a:lvl7pPr>
+            <a:lvl8pPr marL="3200400" indent="0">
+              <a:buNone/>
+              <a:defRPr sz="2000"/>
+            </a:lvl8pPr>
+            <a:lvl9pPr marL="3657600" indent="0">
+              <a:buNone/>
+              <a:defRPr sz="2000"/>
+            </a:lvl9pPr>
+          </a:lstStyle>
+          <a:p>
+            <a:r>
+              <a:rPr lang="en-US"/>
+              <a:t>Click icon to add picture</a:t>
+            </a:r>
+            <a:endParaRPr lang="en-US" dirty="0"/>
+          </a:p>
+        </p:txBody>
+      </p:sp>
+      <p:sp>
+        <p:nvSpPr>
+          <p:cNvPr id="4" name="Text Placeholder 3"/>
+          <p:cNvSpPr>
+            <a:spLocks noGrp="1"/>
+          </p:cNvSpPr>
+          <p:nvPr>
+            <p:ph type="body" sz="half" idx="2"/>
+          </p:nvPr>
+        </p:nvSpPr>
+        <p:spPr>
+          <a:xfrm>
+            <a:off x="1115568" y="3549918"/>
+            <a:ext cx="3794760" cy="2194037"/>
+          </a:xfrm>
+        </p:spPr>
+        <p:txBody>
+          <a:bodyPr anchor="t" anchorCtr="1">
+            <a:normAutofit/>
+          </a:bodyPr>
+          <a:lstStyle>
+            <a:lvl1pPr marL="0" indent="0" algn="ctr">
+              <a:buNone/>
+              <a:defRPr sz="1500">
+                <a:solidFill>
+                  <a:srgbClr val="FFFFFF"/>
+                </a:solidFill>
+              </a:defRPr>
+            </a:lvl1pPr>
+            <a:lvl2pPr marL="457200" indent="0">
+              <a:buNone/>
+              <a:defRPr sz="1400"/>
+            </a:lvl2pPr>
+            <a:lvl3pPr marL="914400" indent="0">
+              <a:buNone/>
+              <a:defRPr sz="1200"/>
+            </a:lvl3pPr>
+            <a:lvl4pPr marL="1371600" indent="0">
+              <a:buNone/>
+              <a:defRPr sz="1000"/>
+            </a:lvl4pPr>
+            <a:lvl5pPr marL="1828800" indent="0">
+              <a:buNone/>
+              <a:defRPr sz="1000"/>
+            </a:lvl5pPr>
+            <a:lvl6pPr marL="2286000" indent="0">
+              <a:buNone/>
+              <a:defRPr sz="1000"/>
+            </a:lvl6pPr>
+            <a:lvl7pPr marL="2743200" indent="0">
+              <a:buNone/>
+              <a:defRPr sz="1000"/>
+            </a:lvl7pPr>
+            <a:lvl8pPr marL="3200400" indent="0">
+              <a:buNone/>
+              <a:defRPr sz="1000"/>
+            </a:lvl8pPr>
+            <a:lvl9pPr marL="3657600" indent="0">
+              <a:buNone/>
+              <a:defRPr sz="1000"/>
+            </a:lvl9pPr>
+          </a:lstStyle>
+          <a:p>
+            <a:pPr lvl="0"/>
+            <a:r>
+              <a:rPr lang="en-US"/>
+              <a:t>Edit Master text styles</a:t>
+            </a:r>
+          </a:p>
+        </p:txBody>
+      </p:sp>
+      <p:sp>
+        <p:nvSpPr>
+          <p:cNvPr id="8" name="Date Placeholder 7"/>
+          <p:cNvSpPr>
+            <a:spLocks noGrp="1"/>
+          </p:cNvSpPr>
+          <p:nvPr>
+            <p:ph type="dt" sz="half" idx="10"/>
+          </p:nvPr>
+        </p:nvSpPr>
+        <p:spPr/>
+        <p:txBody>
+          <a:bodyPr/>
+          <a:lstStyle>
+            <a:lvl1pPr>
+              <a:defRPr>
+                <a:solidFill>
+                  <a:srgbClr val="FFFFFF"/>
+                </a:solidFill>
+                <a:effectLst>
+                  <a:outerShdw blurRad="50800" dist="38100" dir="2700000" algn="tl" rotWithShape="0">
+                    <a:prstClr val="black">
+                      <a:alpha val="43000"/>
+                    </a:prstClr>
+                  </a:outerShdw>
+                </a:effectLst>
+              </a:defRPr>
+            </a:lvl1pPr>
+          </a:lstStyle>
+          <a:p>
+            <a:fld id="{06685FD9-5669-904A-B297-38AE7CDF31B2}" type="datetimeFigureOut">
+              <a:rPr lang="en-US" smtClean="0"/>
+              <a:t>2/16/2018</a:t>
+            </a:fld>
+            <a:endParaRPr lang="en-US"/>
+          </a:p>
+        </p:txBody>
+      </p:sp>
+      <p:sp>
+        <p:nvSpPr>
+          <p:cNvPr id="9" name="Footer Placeholder 8"/>
+          <p:cNvSpPr>
+            <a:spLocks noGrp="1"/>
+          </p:cNvSpPr>
+          <p:nvPr>
+            <p:ph type="ftr" sz="quarter" idx="11"/>
+          </p:nvPr>
+        </p:nvSpPr>
+        <p:spPr>
+          <a:xfrm>
+            <a:off x="804672" y="6236208"/>
+            <a:ext cx="5124797" cy="320040"/>
+          </a:xfrm>
+        </p:spPr>
+        <p:txBody>
+          <a:bodyPr/>
+          <a:lstStyle>
+            <a:lvl1pPr>
+              <a:defRPr>
+                <a:solidFill>
+                  <a:srgbClr val="FFFFFF">
+                    <a:alpha val="70000"/>
+                  </a:srgbClr>
+                </a:solidFill>
+              </a:defRPr>
+            </a:lvl1pPr>
+          </a:lstStyle>
+          <a:p>
+            <a:endParaRPr lang="en-US"/>
+          </a:p>
+        </p:txBody>
+      </p:sp>
+      <p:sp>
+        <p:nvSpPr>
+          <p:cNvPr id="10" name="Slide Number Placeholder 9"/>
+          <p:cNvSpPr>
+            <a:spLocks noGrp="1"/>
+          </p:cNvSpPr>
+          <p:nvPr>
+            <p:ph type="sldNum" sz="quarter" idx="12"/>
+          </p:nvPr>
+        </p:nvSpPr>
+        <p:spPr/>
+        <p:txBody>
+          <a:bodyPr/>
+          <a:lstStyle/>
+          <a:p>
+            <a:fld id="{40F9C939-F2B4-FB42-AC0F-DC4946E153AE}" type="slidenum">
+              <a:rPr lang="en-US" smtClean="0"/>
+              <a:t>‹#›</a:t>
+            </a:fld>
+            <a:endParaRPr lang="en-US"/>
+          </a:p>
+        </p:txBody>
+      </p:sp>
+    </p:spTree>
+    <p:extLst>
+      <p:ext uri="{BB962C8B-B14F-4D97-AF65-F5344CB8AC3E}">
+        <p14:creationId xmlns:p14="http://schemas.microsoft.com/office/powerpoint/2010/main" val="570547905"/>
       </p:ext>
     </p:extLst>
   </p:cSld>
@@ -3073,9 +3411,14 @@
 <p:sldMaster xmlns:a="http://schemas.openxmlformats.org/drawingml/2006/main" xmlns:r="http://schemas.openxmlformats.org/officeDocument/2006/relationships" xmlns:p="http://schemas.openxmlformats.org/presentationml/2006/main">
   <p:cSld>
     <p:bg>
-      <p:bgRef idx="1001">
-        <a:schemeClr val="bg1"/>
-      </p:bgRef>
+      <p:bgPr>
+        <a:solidFill>
+          <a:schemeClr val="bg1">
+            <a:lumMod val="95000"/>
+          </a:schemeClr>
+        </a:solidFill>
+        <a:effectLst/>
+      </p:bgPr>
     </p:bg>
     <p:spTree>
       <p:nvGrpSpPr>
@@ -3101,17 +3444,26 @@
             <p:ph type="title"/>
           </p:nvPr>
         </p:nvSpPr>
-        <p:spPr>
+        <p:spPr bwMode="black">
           <a:xfrm>
-            <a:off x="838200" y="365127"/>
-            <a:ext cx="10515600" cy="1325563"/>
+            <a:off x="2231136" y="964692"/>
+            <a:ext cx="7729728" cy="1188720"/>
           </a:xfrm>
           <a:prstGeom prst="rect">
             <a:avLst/>
           </a:prstGeom>
-        </p:spPr>
-        <p:txBody>
-          <a:bodyPr vert="horz" lIns="91440" tIns="45720" rIns="91440" bIns="45720" rtlCol="0" anchor="t">
+          <a:solidFill>
+            <a:srgbClr val="FFFFFF"/>
+          </a:solidFill>
+          <a:ln w="31750" cap="sq">
+            <a:solidFill>
+              <a:srgbClr val="404040"/>
+            </a:solidFill>
+            <a:miter lim="800000"/>
+          </a:ln>
+        </p:spPr>
+        <p:txBody>
+          <a:bodyPr vert="horz" lIns="182880" tIns="182880" rIns="182880" bIns="182880" rtlCol="0" anchor="ctr">
             <a:normAutofit/>
           </a:bodyPr>
           <a:lstStyle/>
@@ -3136,8 +3488,8 @@
         </p:nvSpPr>
         <p:spPr>
           <a:xfrm>
-            <a:off x="838200" y="1825625"/>
-            <a:ext cx="10515600" cy="4351338"/>
+            <a:off x="2231136" y="2638044"/>
+            <a:ext cx="7729728" cy="3101983"/>
           </a:xfrm>
           <a:prstGeom prst="rect">
             <a:avLst/>
@@ -3197,8 +3549,8 @@
         </p:nvSpPr>
         <p:spPr>
           <a:xfrm>
-            <a:off x="838200" y="6356352"/>
-            <a:ext cx="2743200" cy="365125"/>
+            <a:off x="7821429" y="6238816"/>
+            <a:ext cx="2753746" cy="323968"/>
           </a:xfrm>
           <a:prstGeom prst="rect">
             <a:avLst/>
@@ -3207,11 +3559,11 @@
         <p:txBody>
           <a:bodyPr vert="horz" lIns="91440" tIns="45720" rIns="91440" bIns="45720" rtlCol="0" anchor="ctr"/>
           <a:lstStyle>
-            <a:lvl1pPr algn="l">
-              <a:defRPr sz="900">
+            <a:lvl1pPr algn="r">
+              <a:defRPr sz="1050">
                 <a:solidFill>
                   <a:schemeClr val="tx1">
-                    <a:tint val="75000"/>
+                    <a:alpha val="70000"/>
                   </a:schemeClr>
                 </a:solidFill>
               </a:defRPr>
@@ -3220,7 +3572,7 @@
           <a:p>
             <a:fld id="{06685FD9-5669-904A-B297-38AE7CDF31B2}" type="datetimeFigureOut">
               <a:rPr lang="en-US" smtClean="0"/>
-              <a:t>2/16/18</a:t>
+              <a:t>2/16/2018</a:t>
             </a:fld>
             <a:endParaRPr lang="en-US"/>
           </a:p>
@@ -3238,8 +3590,8 @@
         </p:nvSpPr>
         <p:spPr>
           <a:xfrm>
-            <a:off x="4038600" y="6356352"/>
-            <a:ext cx="4114800" cy="365125"/>
+            <a:off x="1600200" y="6236208"/>
+            <a:ext cx="5901189" cy="320040"/>
           </a:xfrm>
           <a:prstGeom prst="rect">
             <a:avLst/>
@@ -3248,11 +3600,11 @@
         <p:txBody>
           <a:bodyPr vert="horz" lIns="91440" tIns="45720" rIns="91440" bIns="45720" rtlCol="0" anchor="ctr"/>
           <a:lstStyle>
-            <a:lvl1pPr algn="ctr">
-              <a:defRPr sz="900">
+            <a:lvl1pPr algn="l">
+              <a:defRPr sz="1050">
                 <a:solidFill>
                   <a:schemeClr val="tx1">
-                    <a:tint val="75000"/>
+                    <a:alpha val="70000"/>
                   </a:schemeClr>
                 </a:solidFill>
               </a:defRPr>
@@ -3275,22 +3627,27 @@
         </p:nvSpPr>
         <p:spPr>
           <a:xfrm>
-            <a:off x="8610600" y="6356352"/>
-            <a:ext cx="2743200" cy="365125"/>
-          </a:xfrm>
-          <a:prstGeom prst="rect">
+            <a:off x="10758922" y="6217920"/>
+            <a:ext cx="365760" cy="365760"/>
+          </a:xfrm>
+          <a:prstGeom prst="ellipse">
             <a:avLst/>
           </a:prstGeom>
-        </p:spPr>
-        <p:txBody>
-          <a:bodyPr vert="horz" lIns="91440" tIns="45720" rIns="91440" bIns="45720" rtlCol="0" anchor="ctr"/>
+          <a:solidFill>
+            <a:srgbClr val="1D1D1D">
+              <a:alpha val="70000"/>
+            </a:srgbClr>
+          </a:solidFill>
+        </p:spPr>
+        <p:txBody>
+          <a:bodyPr vert="horz" lIns="18288" tIns="45720" rIns="18288" bIns="45720" rtlCol="0" anchor="ctr">
+            <a:noAutofit/>
+          </a:bodyPr>
           <a:lstStyle>
-            <a:lvl1pPr algn="r">
-              <a:defRPr sz="900">
+            <a:lvl1pPr algn="ctr">
+              <a:defRPr sz="1100" spc="0" baseline="0">
                 <a:solidFill>
-                  <a:schemeClr val="tx1">
-                    <a:tint val="75000"/>
-                  </a:schemeClr>
+                  <a:srgbClr val="FFFFFF"/>
                 </a:solidFill>
               </a:defRPr>
             </a:lvl1pPr>
@@ -3307,28 +3664,28 @@
     </p:spTree>
     <p:extLst>
       <p:ext uri="{BB962C8B-B14F-4D97-AF65-F5344CB8AC3E}">
-        <p14:creationId xmlns:p14="http://schemas.microsoft.com/office/powerpoint/2010/main" val="858878445"/>
+        <p14:creationId xmlns:p14="http://schemas.microsoft.com/office/powerpoint/2010/main" val="256789784"/>
       </p:ext>
     </p:extLst>
   </p:cSld>
   <p:clrMap bg1="lt1" tx1="dk1" bg2="lt2" tx2="dk2" accent1="accent1" accent2="accent2" accent3="accent3" accent4="accent4" accent5="accent5" accent6="accent6" hlink="hlink" folHlink="folHlink"/>
   <p:sldLayoutIdLst>
-    <p:sldLayoutId id="2147483661" r:id="rId1"/>
-    <p:sldLayoutId id="2147483662" r:id="rId2"/>
-    <p:sldLayoutId id="2147483672" r:id="rId3"/>
-    <p:sldLayoutId id="2147483663" r:id="rId4"/>
-    <p:sldLayoutId id="2147483664" r:id="rId5"/>
-    <p:sldLayoutId id="2147483665" r:id="rId6"/>
-    <p:sldLayoutId id="2147483666" r:id="rId7"/>
-    <p:sldLayoutId id="2147483667" r:id="rId8"/>
-    <p:sldLayoutId id="2147483668" r:id="rId9"/>
-    <p:sldLayoutId id="2147483669" r:id="rId10"/>
-    <p:sldLayoutId id="2147483670" r:id="rId11"/>
-    <p:sldLayoutId id="2147483671" r:id="rId12"/>
+    <p:sldLayoutId id="2147483794" r:id="rId1"/>
+    <p:sldLayoutId id="2147483795" r:id="rId2"/>
+    <p:sldLayoutId id="2147483796" r:id="rId3"/>
+    <p:sldLayoutId id="2147483797" r:id="rId4"/>
+    <p:sldLayoutId id="2147483798" r:id="rId5"/>
+    <p:sldLayoutId id="2147483799" r:id="rId6"/>
+    <p:sldLayoutId id="2147483800" r:id="rId7"/>
+    <p:sldLayoutId id="2147483801" r:id="rId8"/>
+    <p:sldLayoutId id="2147483802" r:id="rId9"/>
+    <p:sldLayoutId id="2147483803" r:id="rId10"/>
+    <p:sldLayoutId id="2147483804" r:id="rId11"/>
+    <p:sldLayoutId id="2147483672" r:id="rId12"/>
   </p:sldLayoutIdLst>
   <p:txStyles>
     <p:titleStyle>
-      <a:lvl1pPr algn="l" defTabSz="685800" rtl="0" eaLnBrk="1" latinLnBrk="0" hangingPunct="1">
+      <a:lvl1pPr algn="ctr" defTabSz="914400" rtl="0" eaLnBrk="1" latinLnBrk="0" hangingPunct="1">
         <a:lnSpc>
           <a:spcPct val="90000"/>
         </a:lnSpc>
@@ -3336,117 +3693,150 @@
           <a:spcPct val="0"/>
         </a:spcBef>
         <a:buNone/>
-        <a:defRPr sz="2400" b="0" i="0" kern="1200">
+        <a:defRPr sz="2800" kern="1200" cap="all" spc="200" baseline="0">
           <a:solidFill>
-            <a:schemeClr val="tx1"/>
+            <a:srgbClr val="262626"/>
           </a:solidFill>
-          <a:latin typeface="Malgun Gothic Semilight" panose="020B0503020000020004" pitchFamily="34" charset="-127"/>
-          <a:ea typeface="Malgun Gothic Semilight" panose="020B0503020000020004" pitchFamily="34" charset="-127"/>
+          <a:latin typeface="+mj-lt"/>
+          <a:ea typeface="+mj-ea"/>
           <a:cs typeface="+mj-cs"/>
         </a:defRPr>
       </a:lvl1pPr>
     </p:titleStyle>
     <p:bodyStyle>
-      <a:lvl1pPr marL="171450" indent="-171450" algn="l" defTabSz="685800" rtl="0" eaLnBrk="1" latinLnBrk="0" hangingPunct="1">
+      <a:lvl1pPr marL="228600" indent="-228600" algn="l" defTabSz="914400" rtl="0" eaLnBrk="1" latinLnBrk="0" hangingPunct="1">
         <a:lnSpc>
-          <a:spcPct val="90000"/>
+          <a:spcPct val="100000"/>
         </a:lnSpc>
         <a:spcBef>
-          <a:spcPts val="750"/>
+          <a:spcPts val="1000"/>
         </a:spcBef>
+        <a:buClr>
+          <a:schemeClr val="accent2"/>
+        </a:buClr>
         <a:buFont typeface="Arial" panose="020B0604020202020204" pitchFamily="34" charset="0"/>
         <a:buChar char="•"/>
         <a:defRPr sz="1800" kern="1200">
           <a:solidFill>
-            <a:schemeClr val="tx1"/>
+            <a:schemeClr val="tx1">
+              <a:lumMod val="85000"/>
+              <a:lumOff val="15000"/>
+            </a:schemeClr>
           </a:solidFill>
-          <a:latin typeface="Palatino Linotype" panose="02040502050505030304" pitchFamily="18" charset="0"/>
+          <a:latin typeface="+mn-lt"/>
           <a:ea typeface="+mn-ea"/>
           <a:cs typeface="+mn-cs"/>
         </a:defRPr>
       </a:lvl1pPr>
-      <a:lvl2pPr marL="514350" indent="-171450" algn="l" defTabSz="685800" rtl="0" eaLnBrk="1" latinLnBrk="0" hangingPunct="1">
+      <a:lvl2pPr marL="457200" indent="-228600" algn="l" defTabSz="914400" rtl="0" eaLnBrk="1" latinLnBrk="0" hangingPunct="1">
         <a:lnSpc>
-          <a:spcPct val="90000"/>
+          <a:spcPct val="100000"/>
         </a:lnSpc>
         <a:spcBef>
-          <a:spcPts val="375"/>
+          <a:spcPts val="1000"/>
         </a:spcBef>
+        <a:buClr>
+          <a:schemeClr val="accent2"/>
+        </a:buClr>
         <a:buFont typeface="Arial" panose="020B0604020202020204" pitchFamily="34" charset="0"/>
         <a:buChar char="•"/>
-        <a:defRPr sz="1500" kern="1200">
+        <a:defRPr sz="1600" kern="1200">
           <a:solidFill>
-            <a:schemeClr val="tx1"/>
+            <a:schemeClr val="tx1">
+              <a:lumMod val="85000"/>
+              <a:lumOff val="15000"/>
+            </a:schemeClr>
           </a:solidFill>
-          <a:latin typeface="Palatino Linotype" panose="02040502050505030304" pitchFamily="18" charset="0"/>
+          <a:latin typeface="+mn-lt"/>
           <a:ea typeface="+mn-ea"/>
           <a:cs typeface="+mn-cs"/>
         </a:defRPr>
       </a:lvl2pPr>
-      <a:lvl3pPr marL="857250" indent="-171450" algn="l" defTabSz="685800" rtl="0" eaLnBrk="1" latinLnBrk="0" hangingPunct="1">
+      <a:lvl3pPr marL="685800" indent="-228600" algn="l" defTabSz="914400" rtl="0" eaLnBrk="1" latinLnBrk="0" hangingPunct="1">
         <a:lnSpc>
-          <a:spcPct val="90000"/>
+          <a:spcPct val="100000"/>
         </a:lnSpc>
         <a:spcBef>
-          <a:spcPts val="375"/>
+          <a:spcPts val="1000"/>
         </a:spcBef>
+        <a:buClr>
+          <a:schemeClr val="accent2"/>
+        </a:buClr>
         <a:buFont typeface="Arial" panose="020B0604020202020204" pitchFamily="34" charset="0"/>
         <a:buChar char="•"/>
-        <a:defRPr sz="1350" kern="1200">
+        <a:defRPr sz="1600" kern="1200">
           <a:solidFill>
-            <a:schemeClr val="tx1"/>
+            <a:schemeClr val="tx1">
+              <a:lumMod val="85000"/>
+              <a:lumOff val="15000"/>
+            </a:schemeClr>
           </a:solidFill>
-          <a:latin typeface="Palatino Linotype" panose="02040502050505030304" pitchFamily="18" charset="0"/>
+          <a:latin typeface="+mn-lt"/>
           <a:ea typeface="+mn-ea"/>
           <a:cs typeface="+mn-cs"/>
         </a:defRPr>
       </a:lvl3pPr>
-      <a:lvl4pPr marL="1200150" indent="-171450" algn="l" defTabSz="685800" rtl="0" eaLnBrk="1" latinLnBrk="0" hangingPunct="1">
+      <a:lvl4pPr marL="914400" indent="-228600" algn="l" defTabSz="914400" rtl="0" eaLnBrk="1" latinLnBrk="0" hangingPunct="1">
         <a:lnSpc>
-          <a:spcPct val="90000"/>
+          <a:spcPct val="100000"/>
         </a:lnSpc>
         <a:spcBef>
-          <a:spcPts val="375"/>
+          <a:spcPts val="1000"/>
         </a:spcBef>
+        <a:buClr>
+          <a:schemeClr val="accent2"/>
+        </a:buClr>
         <a:buFont typeface="Arial" panose="020B0604020202020204" pitchFamily="34" charset="0"/>
         <a:buChar char="•"/>
-        <a:defRPr sz="1200" kern="1200">
+        <a:defRPr sz="1600" kern="1200">
           <a:solidFill>
-            <a:schemeClr val="tx1"/>
+            <a:schemeClr val="tx1">
+              <a:lumMod val="85000"/>
+              <a:lumOff val="15000"/>
+            </a:schemeClr>
           </a:solidFill>
-          <a:latin typeface="Palatino Linotype" panose="02040502050505030304" pitchFamily="18" charset="0"/>
+          <a:latin typeface="+mn-lt"/>
           <a:ea typeface="+mn-ea"/>
           <a:cs typeface="+mn-cs"/>
         </a:defRPr>
       </a:lvl4pPr>
-      <a:lvl5pPr marL="1543050" indent="-171450" algn="l" defTabSz="685800" rtl="0" eaLnBrk="1" latinLnBrk="0" hangingPunct="1">
+      <a:lvl5pPr marL="1143000" indent="-228600" algn="l" defTabSz="914400" rtl="0" eaLnBrk="1" latinLnBrk="0" hangingPunct="1">
         <a:lnSpc>
-          <a:spcPct val="90000"/>
+          <a:spcPct val="100000"/>
         </a:lnSpc>
         <a:spcBef>
-          <a:spcPts val="375"/>
+          <a:spcPts val="1000"/>
         </a:spcBef>
+        <a:buClr>
+          <a:schemeClr val="accent2"/>
+        </a:buClr>
         <a:buFont typeface="Arial" panose="020B0604020202020204" pitchFamily="34" charset="0"/>
         <a:buChar char="•"/>
-        <a:defRPr sz="1200" kern="1200">
+        <a:defRPr sz="1600" kern="1200">
           <a:solidFill>
-            <a:schemeClr val="tx1"/>
+            <a:schemeClr val="tx1">
+              <a:lumMod val="85000"/>
+              <a:lumOff val="15000"/>
+            </a:schemeClr>
           </a:solidFill>
-          <a:latin typeface="Palatino Linotype" panose="02040502050505030304" pitchFamily="18" charset="0"/>
+          <a:latin typeface="+mn-lt"/>
           <a:ea typeface="+mn-ea"/>
           <a:cs typeface="+mn-cs"/>
         </a:defRPr>
       </a:lvl5pPr>
-      <a:lvl6pPr marL="1885950" indent="-171450" algn="l" defTabSz="685800" rtl="0" eaLnBrk="1" latinLnBrk="0" hangingPunct="1">
+      <a:lvl6pPr marL="1312863" indent="-228600" algn="l" defTabSz="914400" rtl="0" eaLnBrk="1" latinLnBrk="0" hangingPunct="1">
         <a:lnSpc>
-          <a:spcPct val="90000"/>
+          <a:spcPct val="100000"/>
         </a:lnSpc>
         <a:spcBef>
-          <a:spcPts val="375"/>
+          <a:spcPts val="1000"/>
         </a:spcBef>
+        <a:buClr>
+          <a:schemeClr val="accent2"/>
+        </a:buClr>
         <a:buFont typeface="Arial" panose="020B0604020202020204" pitchFamily="34" charset="0"/>
         <a:buChar char="•"/>
-        <a:defRPr sz="1350" kern="1200">
+        <a:defRPr sz="1600" kern="1200">
           <a:solidFill>
             <a:schemeClr val="tx1"/>
           </a:solidFill>
@@ -3455,16 +3845,19 @@
           <a:cs typeface="+mn-cs"/>
         </a:defRPr>
       </a:lvl6pPr>
-      <a:lvl7pPr marL="2228850" indent="-171450" algn="l" defTabSz="685800" rtl="0" eaLnBrk="1" latinLnBrk="0" hangingPunct="1">
+      <a:lvl7pPr marL="1484313" indent="-228600" algn="l" defTabSz="914400" rtl="0" eaLnBrk="1" latinLnBrk="0" hangingPunct="1">
         <a:lnSpc>
-          <a:spcPct val="90000"/>
+          <a:spcPct val="100000"/>
         </a:lnSpc>
         <a:spcBef>
-          <a:spcPts val="375"/>
+          <a:spcPts val="1000"/>
         </a:spcBef>
+        <a:buClr>
+          <a:schemeClr val="accent2"/>
+        </a:buClr>
         <a:buFont typeface="Arial" panose="020B0604020202020204" pitchFamily="34" charset="0"/>
         <a:buChar char="•"/>
-        <a:defRPr sz="1350" kern="1200">
+        <a:defRPr sz="1600" kern="1200">
           <a:solidFill>
             <a:schemeClr val="tx1"/>
           </a:solidFill>
@@ -3473,16 +3866,19 @@
           <a:cs typeface="+mn-cs"/>
         </a:defRPr>
       </a:lvl7pPr>
-      <a:lvl8pPr marL="2571750" indent="-171450" algn="l" defTabSz="685800" rtl="0" eaLnBrk="1" latinLnBrk="0" hangingPunct="1">
+      <a:lvl8pPr marL="1657350" indent="-228600" algn="l" defTabSz="914400" rtl="0" eaLnBrk="1" latinLnBrk="0" hangingPunct="1">
         <a:lnSpc>
-          <a:spcPct val="90000"/>
+          <a:spcPct val="100000"/>
         </a:lnSpc>
         <a:spcBef>
-          <a:spcPts val="375"/>
+          <a:spcPts val="1000"/>
         </a:spcBef>
+        <a:buClr>
+          <a:schemeClr val="accent2"/>
+        </a:buClr>
         <a:buFont typeface="Arial" panose="020B0604020202020204" pitchFamily="34" charset="0"/>
         <a:buChar char="•"/>
-        <a:defRPr sz="1350" kern="1200">
+        <a:defRPr sz="1600" kern="1200" baseline="0">
           <a:solidFill>
             <a:schemeClr val="tx1"/>
           </a:solidFill>
@@ -3491,16 +3887,19 @@
           <a:cs typeface="+mn-cs"/>
         </a:defRPr>
       </a:lvl8pPr>
-      <a:lvl9pPr marL="2914650" indent="-171450" algn="l" defTabSz="685800" rtl="0" eaLnBrk="1" latinLnBrk="0" hangingPunct="1">
+      <a:lvl9pPr marL="1882775" indent="-228600" algn="l" defTabSz="914400" rtl="0" eaLnBrk="1" latinLnBrk="0" hangingPunct="1">
         <a:lnSpc>
-          <a:spcPct val="90000"/>
+          <a:spcPct val="100000"/>
         </a:lnSpc>
         <a:spcBef>
-          <a:spcPts val="375"/>
+          <a:spcPts val="1000"/>
         </a:spcBef>
+        <a:buClr>
+          <a:schemeClr val="accent2"/>
+        </a:buClr>
         <a:buFont typeface="Arial" panose="020B0604020202020204" pitchFamily="34" charset="0"/>
         <a:buChar char="•"/>
-        <a:defRPr sz="1350" kern="1200">
+        <a:defRPr sz="1600" kern="1200" baseline="0">
           <a:solidFill>
             <a:schemeClr val="tx1"/>
           </a:solidFill>
@@ -3514,8 +3913,8 @@
       <a:defPPr>
         <a:defRPr lang="en-US"/>
       </a:defPPr>
-      <a:lvl1pPr marL="0" algn="l" defTabSz="685800" rtl="0" eaLnBrk="1" latinLnBrk="0" hangingPunct="1">
-        <a:defRPr sz="1350" kern="1200">
+      <a:lvl1pPr marL="0" algn="l" defTabSz="914400" rtl="0" eaLnBrk="1" latinLnBrk="0" hangingPunct="1">
+        <a:defRPr sz="1800" kern="1200">
           <a:solidFill>
             <a:schemeClr val="tx1"/>
           </a:solidFill>
@@ -3524,8 +3923,8 @@
           <a:cs typeface="+mn-cs"/>
         </a:defRPr>
       </a:lvl1pPr>
-      <a:lvl2pPr marL="342900" algn="l" defTabSz="685800" rtl="0" eaLnBrk="1" latinLnBrk="0" hangingPunct="1">
-        <a:defRPr sz="1350" kern="1200">
+      <a:lvl2pPr marL="457200" algn="l" defTabSz="914400" rtl="0" eaLnBrk="1" latinLnBrk="0" hangingPunct="1">
+        <a:defRPr sz="1800" kern="1200">
           <a:solidFill>
             <a:schemeClr val="tx1"/>
           </a:solidFill>
@@ -3534,8 +3933,8 @@
           <a:cs typeface="+mn-cs"/>
         </a:defRPr>
       </a:lvl2pPr>
-      <a:lvl3pPr marL="685800" algn="l" defTabSz="685800" rtl="0" eaLnBrk="1" latinLnBrk="0" hangingPunct="1">
-        <a:defRPr sz="1350" kern="1200">
+      <a:lvl3pPr marL="914400" algn="l" defTabSz="914400" rtl="0" eaLnBrk="1" latinLnBrk="0" hangingPunct="1">
+        <a:defRPr sz="1800" kern="1200">
           <a:solidFill>
             <a:schemeClr val="tx1"/>
           </a:solidFill>
@@ -3544,8 +3943,8 @@
           <a:cs typeface="+mn-cs"/>
         </a:defRPr>
       </a:lvl3pPr>
-      <a:lvl4pPr marL="1028700" algn="l" defTabSz="685800" rtl="0" eaLnBrk="1" latinLnBrk="0" hangingPunct="1">
-        <a:defRPr sz="1350" kern="1200">
+      <a:lvl4pPr marL="1371600" algn="l" defTabSz="914400" rtl="0" eaLnBrk="1" latinLnBrk="0" hangingPunct="1">
+        <a:defRPr sz="1800" kern="1200">
           <a:solidFill>
             <a:schemeClr val="tx1"/>
           </a:solidFill>
@@ -3554,8 +3953,8 @@
           <a:cs typeface="+mn-cs"/>
         </a:defRPr>
       </a:lvl4pPr>
-      <a:lvl5pPr marL="1371600" algn="l" defTabSz="685800" rtl="0" eaLnBrk="1" latinLnBrk="0" hangingPunct="1">
-        <a:defRPr sz="1350" kern="1200">
+      <a:lvl5pPr marL="1828800" algn="l" defTabSz="914400" rtl="0" eaLnBrk="1" latinLnBrk="0" hangingPunct="1">
+        <a:defRPr sz="1800" kern="1200">
           <a:solidFill>
             <a:schemeClr val="tx1"/>
           </a:solidFill>
@@ -3564,8 +3963,8 @@
           <a:cs typeface="+mn-cs"/>
         </a:defRPr>
       </a:lvl5pPr>
-      <a:lvl6pPr marL="1714500" algn="l" defTabSz="685800" rtl="0" eaLnBrk="1" latinLnBrk="0" hangingPunct="1">
-        <a:defRPr sz="1350" kern="1200">
+      <a:lvl6pPr marL="2286000" algn="l" defTabSz="914400" rtl="0" eaLnBrk="1" latinLnBrk="0" hangingPunct="1">
+        <a:defRPr sz="1800" kern="1200">
           <a:solidFill>
             <a:schemeClr val="tx1"/>
           </a:solidFill>
@@ -3574,8 +3973,8 @@
           <a:cs typeface="+mn-cs"/>
         </a:defRPr>
       </a:lvl6pPr>
-      <a:lvl7pPr marL="2057400" algn="l" defTabSz="685800" rtl="0" eaLnBrk="1" latinLnBrk="0" hangingPunct="1">
-        <a:defRPr sz="1350" kern="1200">
+      <a:lvl7pPr marL="2743200" algn="l" defTabSz="914400" rtl="0" eaLnBrk="1" latinLnBrk="0" hangingPunct="1">
+        <a:defRPr sz="1800" kern="1200">
           <a:solidFill>
             <a:schemeClr val="tx1"/>
           </a:solidFill>
@@ -3584,8 +3983,8 @@
           <a:cs typeface="+mn-cs"/>
         </a:defRPr>
       </a:lvl7pPr>
-      <a:lvl8pPr marL="2400300" algn="l" defTabSz="685800" rtl="0" eaLnBrk="1" latinLnBrk="0" hangingPunct="1">
-        <a:defRPr sz="1350" kern="1200">
+      <a:lvl8pPr marL="3200400" algn="l" defTabSz="914400" rtl="0" eaLnBrk="1" latinLnBrk="0" hangingPunct="1">
+        <a:defRPr sz="1800" kern="1200">
           <a:solidFill>
             <a:schemeClr val="tx1"/>
           </a:solidFill>
@@ -3594,8 +3993,8 @@
           <a:cs typeface="+mn-cs"/>
         </a:defRPr>
       </a:lvl8pPr>
-      <a:lvl9pPr marL="2743200" algn="l" defTabSz="685800" rtl="0" eaLnBrk="1" latinLnBrk="0" hangingPunct="1">
-        <a:defRPr sz="1350" kern="1200">
+      <a:lvl9pPr marL="3657600" algn="l" defTabSz="914400" rtl="0" eaLnBrk="1" latinLnBrk="0" hangingPunct="1">
+        <a:defRPr sz="1800" kern="1200">
           <a:solidFill>
             <a:schemeClr val="tx1"/>
           </a:solidFill>
@@ -3606,6 +4005,11 @@
       </a:lvl9pPr>
     </p:otherStyle>
   </p:txStyles>
+  <p:extLst>
+    <p:ext uri="{27BBF7A9-308A-43DC-89C8-2F10F3537804}">
+      <p15:sldGuideLst xmlns:p15="http://schemas.microsoft.com/office/powerpoint/2012/main"/>
+    </p:ext>
+  </p:extLst>
 </p:sldMaster>
 </file>
 
@@ -3628,10 +4032,10 @@
       </p:grpSpPr>
       <p:sp>
         <p:nvSpPr>
-          <p:cNvPr id="2" name="Title 1">
+          <p:cNvPr id="3" name="Subtitle 2">
             <a:extLst>
               <a:ext uri="{FF2B5EF4-FFF2-40B4-BE49-F238E27FC236}">
-                <a16:creationId xmlns:a16="http://schemas.microsoft.com/office/drawing/2014/main" id="{106A3EA7-CF4B-3344-8351-F83F08FC20E8}"/>
+                <a16:creationId xmlns:a16="http://schemas.microsoft.com/office/drawing/2014/main" id="{919827F8-EC09-4FA9-A19A-B547CD82F405}"/>
               </a:ext>
             </a:extLst>
           </p:cNvPr>
@@ -3639,67 +4043,40 @@
             <a:spLocks noGrp="1"/>
           </p:cNvSpPr>
           <p:nvPr>
-            <p:ph type="ctrTitle"/>
-          </p:nvPr>
-        </p:nvSpPr>
-        <p:spPr/>
-        <p:txBody>
-          <a:bodyPr/>
-          <a:lstStyle/>
-          <a:p>
-            <a:r>
-              <a:rPr lang="en-US" dirty="0"/>
-              <a:t>Drexel </a:t>
-            </a:r>
-            <a:r>
-              <a:rPr lang="en-US" dirty="0" err="1"/>
-              <a:t>Datathon</a:t>
-            </a:r>
-            <a:r>
-              <a:rPr lang="en-US" dirty="0"/>
-              <a:t> 2018</a:t>
-            </a:r>
-          </a:p>
-        </p:txBody>
-      </p:sp>
-      <p:sp>
-        <p:nvSpPr>
-          <p:cNvPr id="3" name="Subtitle 2">
+            <p:ph type="subTitle" idx="1"/>
+          </p:nvPr>
+        </p:nvSpPr>
+        <p:spPr>
+          <a:xfrm>
+            <a:off x="2400662" y="3410447"/>
+            <a:ext cx="6801612" cy="1239894"/>
+          </a:xfrm>
+        </p:spPr>
+        <p:txBody>
+          <a:bodyPr>
+            <a:normAutofit/>
+          </a:bodyPr>
+          <a:lstStyle/>
+          <a:p>
+            <a:r>
+              <a:rPr lang="en-US" sz="6000" dirty="0">
+                <a:solidFill>
+                  <a:schemeClr val="bg1"/>
+                </a:solidFill>
+                <a:latin typeface="Arial" panose="020B0604020202020204" pitchFamily="34" charset="0"/>
+                <a:cs typeface="Arial" panose="020B0604020202020204" pitchFamily="34" charset="0"/>
+              </a:rPr>
+              <a:t>DATATHON 2018</a:t>
+            </a:r>
+          </a:p>
+        </p:txBody>
+      </p:sp>
+      <p:pic>
+        <p:nvPicPr>
+          <p:cNvPr id="4" name="Picture 4" descr="See the source image">
             <a:extLst>
               <a:ext uri="{FF2B5EF4-FFF2-40B4-BE49-F238E27FC236}">
-                <a16:creationId xmlns:a16="http://schemas.microsoft.com/office/drawing/2014/main" id="{F79A8804-EED7-494B-AA31-823EDF036964}"/>
-              </a:ext>
-            </a:extLst>
-          </p:cNvPr>
-          <p:cNvSpPr>
-            <a:spLocks noGrp="1"/>
-          </p:cNvSpPr>
-          <p:nvPr>
-            <p:ph type="subTitle" idx="1"/>
-          </p:nvPr>
-        </p:nvSpPr>
-        <p:spPr/>
-        <p:txBody>
-          <a:bodyPr/>
-          <a:lstStyle/>
-          <a:p>
-            <a:r>
-              <a:rPr lang="en-US" dirty="0" err="1"/>
-              <a:t>Chatbot</a:t>
-            </a:r>
-            <a:r>
-              <a:rPr lang="en-US" dirty="0"/>
-              <a:t> Engine for SEI</a:t>
-            </a:r>
-          </a:p>
-        </p:txBody>
-      </p:sp>
-      <p:pic>
-        <p:nvPicPr>
-          <p:cNvPr id="2050" name="Picture 2" descr="See the source image">
-            <a:extLst>
-              <a:ext uri="{FF2B5EF4-FFF2-40B4-BE49-F238E27FC236}">
-                <a16:creationId xmlns:a16="http://schemas.microsoft.com/office/drawing/2014/main" id="{0C7FBCDE-54DA-6B4B-B749-F1AC98F6071D}"/>
+                <a16:creationId xmlns:a16="http://schemas.microsoft.com/office/drawing/2014/main" id="{1290CDBE-BB31-4882-A552-CE7770041ACC}"/>
               </a:ext>
             </a:extLst>
           </p:cNvPr>
@@ -3708,7 +4085,7 @@
           </p:cNvPicPr>
           <p:nvPr/>
         </p:nvPicPr>
-        <p:blipFill rotWithShape="1">
+        <p:blipFill>
           <a:blip r:embed="rId2">
             <a:extLst>
               <a:ext uri="{28A0092B-C50C-407E-A947-70E740481C1C}">
@@ -3716,13 +4093,15 @@
               </a:ext>
             </a:extLst>
           </a:blip>
-          <a:srcRect l="11242" t="25625" r="10062" b="23605"/>
-          <a:stretch/>
+          <a:srcRect/>
+          <a:stretch>
+            <a:fillRect/>
+          </a:stretch>
         </p:blipFill>
         <p:spPr bwMode="auto">
           <a:xfrm>
-            <a:off x="6125025" y="4435475"/>
-            <a:ext cx="2731009" cy="914400"/>
+            <a:off x="2147668" y="1311484"/>
+            <a:ext cx="3467405" cy="914400"/>
           </a:xfrm>
           <a:prstGeom prst="rect">
             <a:avLst/>
@@ -3741,10 +4120,10 @@
       </p:pic>
       <p:pic>
         <p:nvPicPr>
-          <p:cNvPr id="2052" name="Picture 4" descr="See the source image">
+          <p:cNvPr id="5" name="Picture 2" descr="See the source image">
             <a:extLst>
               <a:ext uri="{FF2B5EF4-FFF2-40B4-BE49-F238E27FC236}">
-                <a16:creationId xmlns:a16="http://schemas.microsoft.com/office/drawing/2014/main" id="{A7F73CE8-695C-0640-B61C-98B507CD88A0}"/>
+                <a16:creationId xmlns:a16="http://schemas.microsoft.com/office/drawing/2014/main" id="{8F516E06-FA87-4D40-984F-0552E756D694}"/>
               </a:ext>
             </a:extLst>
           </p:cNvPr>
@@ -3753,7 +4132,7 @@
           </p:cNvPicPr>
           <p:nvPr/>
         </p:nvPicPr>
-        <p:blipFill>
+        <p:blipFill rotWithShape="1">
           <a:blip r:embed="rId3">
             <a:extLst>
               <a:ext uri="{28A0092B-C50C-407E-A947-70E740481C1C}">
@@ -3761,15 +4140,13 @@
               </a:ext>
             </a:extLst>
           </a:blip>
-          <a:srcRect/>
-          <a:stretch>
-            <a:fillRect/>
-          </a:stretch>
+          <a:srcRect l="11242" t="25625" r="10062" b="23605"/>
+          <a:stretch/>
         </p:blipFill>
         <p:spPr bwMode="auto">
           <a:xfrm>
-            <a:off x="2657620" y="4435475"/>
-            <a:ext cx="3467405" cy="914400"/>
+            <a:off x="6765797" y="1311484"/>
+            <a:ext cx="3278535" cy="914400"/>
           </a:xfrm>
           <a:prstGeom prst="rect">
             <a:avLst/>
@@ -3786,10 +4163,258 @@
           </a:extLst>
         </p:spPr>
       </p:pic>
+      <p:sp>
+        <p:nvSpPr>
+          <p:cNvPr id="6" name="Subtitle 2">
+            <a:extLst>
+              <a:ext uri="{FF2B5EF4-FFF2-40B4-BE49-F238E27FC236}">
+                <a16:creationId xmlns:a16="http://schemas.microsoft.com/office/drawing/2014/main" id="{2810A103-6B5C-42BE-BC4B-1ED3B2B9CB07}"/>
+              </a:ext>
+            </a:extLst>
+          </p:cNvPr>
+          <p:cNvSpPr txBox="1">
+            <a:spLocks/>
+          </p:cNvSpPr>
+          <p:nvPr/>
+        </p:nvSpPr>
+        <p:spPr>
+          <a:xfrm>
+            <a:off x="1237957" y="5050301"/>
+            <a:ext cx="9312811" cy="1116161"/>
+          </a:xfrm>
+          <a:prstGeom prst="rect">
+            <a:avLst/>
+          </a:prstGeom>
+          <a:noFill/>
+        </p:spPr>
+        <p:txBody>
+          <a:bodyPr vert="horz" lIns="91440" tIns="45720" rIns="91440" bIns="45720" rtlCol="0">
+            <a:normAutofit/>
+          </a:bodyPr>
+          <a:lstStyle>
+            <a:lvl1pPr marL="0" indent="0" algn="ctr" defTabSz="914400" rtl="0" eaLnBrk="1" latinLnBrk="0" hangingPunct="1">
+              <a:lnSpc>
+                <a:spcPct val="100000"/>
+              </a:lnSpc>
+              <a:spcBef>
+                <a:spcPts val="1000"/>
+              </a:spcBef>
+              <a:buClr>
+                <a:schemeClr val="accent2"/>
+              </a:buClr>
+              <a:buFont typeface="Arial" panose="020B0604020202020204" pitchFamily="34" charset="0"/>
+              <a:buNone/>
+              <a:defRPr sz="2000" kern="1200">
+                <a:solidFill>
+                  <a:schemeClr val="tx1">
+                    <a:lumMod val="75000"/>
+                    <a:lumOff val="25000"/>
+                  </a:schemeClr>
+                </a:solidFill>
+                <a:latin typeface="+mn-lt"/>
+                <a:ea typeface="+mn-ea"/>
+                <a:cs typeface="+mn-cs"/>
+              </a:defRPr>
+            </a:lvl1pPr>
+            <a:lvl2pPr marL="457200" indent="0" algn="ctr" defTabSz="914400" rtl="0" eaLnBrk="1" latinLnBrk="0" hangingPunct="1">
+              <a:lnSpc>
+                <a:spcPct val="100000"/>
+              </a:lnSpc>
+              <a:spcBef>
+                <a:spcPts val="1000"/>
+              </a:spcBef>
+              <a:buClr>
+                <a:schemeClr val="accent2"/>
+              </a:buClr>
+              <a:buFont typeface="Arial" panose="020B0604020202020204" pitchFamily="34" charset="0"/>
+              <a:buNone/>
+              <a:defRPr sz="2000" kern="1200">
+                <a:solidFill>
+                  <a:schemeClr val="tx1">
+                    <a:lumMod val="85000"/>
+                    <a:lumOff val="15000"/>
+                  </a:schemeClr>
+                </a:solidFill>
+                <a:latin typeface="+mn-lt"/>
+                <a:ea typeface="+mn-ea"/>
+                <a:cs typeface="+mn-cs"/>
+              </a:defRPr>
+            </a:lvl2pPr>
+            <a:lvl3pPr marL="914400" indent="0" algn="ctr" defTabSz="914400" rtl="0" eaLnBrk="1" latinLnBrk="0" hangingPunct="1">
+              <a:lnSpc>
+                <a:spcPct val="100000"/>
+              </a:lnSpc>
+              <a:spcBef>
+                <a:spcPts val="1000"/>
+              </a:spcBef>
+              <a:buClr>
+                <a:schemeClr val="accent2"/>
+              </a:buClr>
+              <a:buFont typeface="Arial" panose="020B0604020202020204" pitchFamily="34" charset="0"/>
+              <a:buNone/>
+              <a:defRPr sz="1800" kern="1200">
+                <a:solidFill>
+                  <a:schemeClr val="tx1">
+                    <a:lumMod val="85000"/>
+                    <a:lumOff val="15000"/>
+                  </a:schemeClr>
+                </a:solidFill>
+                <a:latin typeface="+mn-lt"/>
+                <a:ea typeface="+mn-ea"/>
+                <a:cs typeface="+mn-cs"/>
+              </a:defRPr>
+            </a:lvl3pPr>
+            <a:lvl4pPr marL="1371600" indent="0" algn="ctr" defTabSz="914400" rtl="0" eaLnBrk="1" latinLnBrk="0" hangingPunct="1">
+              <a:lnSpc>
+                <a:spcPct val="100000"/>
+              </a:lnSpc>
+              <a:spcBef>
+                <a:spcPts val="1000"/>
+              </a:spcBef>
+              <a:buClr>
+                <a:schemeClr val="accent2"/>
+              </a:buClr>
+              <a:buFont typeface="Arial" panose="020B0604020202020204" pitchFamily="34" charset="0"/>
+              <a:buNone/>
+              <a:defRPr sz="1600" kern="1200">
+                <a:solidFill>
+                  <a:schemeClr val="tx1">
+                    <a:lumMod val="85000"/>
+                    <a:lumOff val="15000"/>
+                  </a:schemeClr>
+                </a:solidFill>
+                <a:latin typeface="+mn-lt"/>
+                <a:ea typeface="+mn-ea"/>
+                <a:cs typeface="+mn-cs"/>
+              </a:defRPr>
+            </a:lvl4pPr>
+            <a:lvl5pPr marL="1828800" indent="0" algn="ctr" defTabSz="914400" rtl="0" eaLnBrk="1" latinLnBrk="0" hangingPunct="1">
+              <a:lnSpc>
+                <a:spcPct val="100000"/>
+              </a:lnSpc>
+              <a:spcBef>
+                <a:spcPts val="1000"/>
+              </a:spcBef>
+              <a:buClr>
+                <a:schemeClr val="accent2"/>
+              </a:buClr>
+              <a:buFont typeface="Arial" panose="020B0604020202020204" pitchFamily="34" charset="0"/>
+              <a:buNone/>
+              <a:defRPr sz="1600" kern="1200">
+                <a:solidFill>
+                  <a:schemeClr val="tx1">
+                    <a:lumMod val="85000"/>
+                    <a:lumOff val="15000"/>
+                  </a:schemeClr>
+                </a:solidFill>
+                <a:latin typeface="+mn-lt"/>
+                <a:ea typeface="+mn-ea"/>
+                <a:cs typeface="+mn-cs"/>
+              </a:defRPr>
+            </a:lvl5pPr>
+            <a:lvl6pPr marL="2286000" indent="0" algn="ctr" defTabSz="914400" rtl="0" eaLnBrk="1" latinLnBrk="0" hangingPunct="1">
+              <a:lnSpc>
+                <a:spcPct val="100000"/>
+              </a:lnSpc>
+              <a:spcBef>
+                <a:spcPts val="1000"/>
+              </a:spcBef>
+              <a:buClr>
+                <a:schemeClr val="accent2"/>
+              </a:buClr>
+              <a:buFont typeface="Arial" panose="020B0604020202020204" pitchFamily="34" charset="0"/>
+              <a:buNone/>
+              <a:defRPr sz="1600" kern="1200">
+                <a:solidFill>
+                  <a:schemeClr val="tx1"/>
+                </a:solidFill>
+                <a:latin typeface="+mn-lt"/>
+                <a:ea typeface="+mn-ea"/>
+                <a:cs typeface="+mn-cs"/>
+              </a:defRPr>
+            </a:lvl6pPr>
+            <a:lvl7pPr marL="2743200" indent="0" algn="ctr" defTabSz="914400" rtl="0" eaLnBrk="1" latinLnBrk="0" hangingPunct="1">
+              <a:lnSpc>
+                <a:spcPct val="100000"/>
+              </a:lnSpc>
+              <a:spcBef>
+                <a:spcPts val="1000"/>
+              </a:spcBef>
+              <a:buClr>
+                <a:schemeClr val="accent2"/>
+              </a:buClr>
+              <a:buFont typeface="Arial" panose="020B0604020202020204" pitchFamily="34" charset="0"/>
+              <a:buNone/>
+              <a:defRPr sz="1600" kern="1200">
+                <a:solidFill>
+                  <a:schemeClr val="tx1"/>
+                </a:solidFill>
+                <a:latin typeface="+mn-lt"/>
+                <a:ea typeface="+mn-ea"/>
+                <a:cs typeface="+mn-cs"/>
+              </a:defRPr>
+            </a:lvl7pPr>
+            <a:lvl8pPr marL="3200400" indent="0" algn="ctr" defTabSz="914400" rtl="0" eaLnBrk="1" latinLnBrk="0" hangingPunct="1">
+              <a:lnSpc>
+                <a:spcPct val="100000"/>
+              </a:lnSpc>
+              <a:spcBef>
+                <a:spcPts val="1000"/>
+              </a:spcBef>
+              <a:buClr>
+                <a:schemeClr val="accent2"/>
+              </a:buClr>
+              <a:buFont typeface="Arial" panose="020B0604020202020204" pitchFamily="34" charset="0"/>
+              <a:buNone/>
+              <a:defRPr sz="1600" kern="1200" baseline="0">
+                <a:solidFill>
+                  <a:schemeClr val="tx1"/>
+                </a:solidFill>
+                <a:latin typeface="+mn-lt"/>
+                <a:ea typeface="+mn-ea"/>
+                <a:cs typeface="+mn-cs"/>
+              </a:defRPr>
+            </a:lvl8pPr>
+            <a:lvl9pPr marL="3657600" indent="0" algn="ctr" defTabSz="914400" rtl="0" eaLnBrk="1" latinLnBrk="0" hangingPunct="1">
+              <a:lnSpc>
+                <a:spcPct val="100000"/>
+              </a:lnSpc>
+              <a:spcBef>
+                <a:spcPts val="1000"/>
+              </a:spcBef>
+              <a:buClr>
+                <a:schemeClr val="accent2"/>
+              </a:buClr>
+              <a:buFont typeface="Arial" panose="020B0604020202020204" pitchFamily="34" charset="0"/>
+              <a:buNone/>
+              <a:defRPr sz="1600" kern="1200" baseline="0">
+                <a:solidFill>
+                  <a:schemeClr val="tx1"/>
+                </a:solidFill>
+                <a:latin typeface="+mn-lt"/>
+                <a:ea typeface="+mn-ea"/>
+                <a:cs typeface="+mn-cs"/>
+              </a:defRPr>
+            </a:lvl9pPr>
+          </a:lstStyle>
+          <a:p>
+            <a:r>
+              <a:rPr lang="en-US" sz="4000" dirty="0">
+                <a:solidFill>
+                  <a:schemeClr val="bg1"/>
+                </a:solidFill>
+                <a:latin typeface="Arial" panose="020B0604020202020204" pitchFamily="34" charset="0"/>
+                <a:cs typeface="Arial" panose="020B0604020202020204" pitchFamily="34" charset="0"/>
+              </a:rPr>
+              <a:t>Team: NULL HYPOTHESIS</a:t>
+            </a:r>
+          </a:p>
+        </p:txBody>
+      </p:sp>
     </p:spTree>
     <p:extLst>
       <p:ext uri="{BB962C8B-B14F-4D97-AF65-F5344CB8AC3E}">
-        <p14:creationId xmlns:p14="http://schemas.microsoft.com/office/powerpoint/2010/main" val="14623851"/>
+        <p14:creationId xmlns:p14="http://schemas.microsoft.com/office/powerpoint/2010/main" val="3033121130"/>
       </p:ext>
     </p:extLst>
   </p:cSld>
@@ -3821,7 +4446,7 @@
           <p:cNvPr id="2" name="Title 1">
             <a:extLst>
               <a:ext uri="{FF2B5EF4-FFF2-40B4-BE49-F238E27FC236}">
-                <a16:creationId xmlns:a16="http://schemas.microsoft.com/office/drawing/2014/main" id="{BD4E2263-69A0-3743-8CAA-6F41AB7ADA51}"/>
+                <a16:creationId xmlns:a16="http://schemas.microsoft.com/office/drawing/2014/main" id="{25A58D36-176C-4B9C-8E23-4024A920E38A}"/>
               </a:ext>
             </a:extLst>
           </p:cNvPr>
@@ -3832,19 +4457,25 @@
             <p:ph type="title"/>
           </p:nvPr>
         </p:nvSpPr>
-        <p:spPr/>
-        <p:txBody>
-          <a:bodyPr/>
-          <a:lstStyle/>
-          <a:p>
-            <a:r>
-              <a:rPr lang="en-US" dirty="0"/>
-              <a:t>7. Repeat Query-Predict-Respond loop until "exit"</a:t>
-            </a:r>
-            <a:br>
-              <a:rPr lang="en-US" dirty="0"/>
-            </a:br>
-            <a:endParaRPr lang="en-US" dirty="0"/>
+        <p:spPr>
+          <a:xfrm>
+            <a:off x="2052232" y="310890"/>
+            <a:ext cx="7729728" cy="443696"/>
+          </a:xfrm>
+        </p:spPr>
+        <p:txBody>
+          <a:bodyPr>
+            <a:normAutofit fontScale="90000"/>
+          </a:bodyPr>
+          <a:lstStyle/>
+          <a:p>
+            <a:r>
+              <a:rPr lang="en-US" dirty="0">
+                <a:latin typeface="Arial" panose="020B0604020202020204" pitchFamily="34" charset="0"/>
+                <a:cs typeface="Arial" panose="020B0604020202020204" pitchFamily="34" charset="0"/>
+              </a:rPr>
+              <a:t>Future Scope</a:t>
+            </a:r>
           </a:p>
         </p:txBody>
       </p:sp>
@@ -3853,7 +4484,7 @@
           <p:cNvPr id="3" name="Content Placeholder 2">
             <a:extLst>
               <a:ext uri="{FF2B5EF4-FFF2-40B4-BE49-F238E27FC236}">
-                <a16:creationId xmlns:a16="http://schemas.microsoft.com/office/drawing/2014/main" id="{57DBB6F7-A030-4540-80B1-DD2E1A07CC8A}"/>
+                <a16:creationId xmlns:a16="http://schemas.microsoft.com/office/drawing/2014/main" id="{48D4486B-2AFE-4D28-A0EE-2614198DAD97}"/>
               </a:ext>
             </a:extLst>
           </p:cNvPr>
@@ -3864,21 +4495,909 @@
             <p:ph idx="1"/>
           </p:nvPr>
         </p:nvSpPr>
-        <p:spPr/>
+        <p:spPr>
+          <a:xfrm>
+            <a:off x="1282683" y="1140556"/>
+            <a:ext cx="10182486" cy="841179"/>
+          </a:xfrm>
+        </p:spPr>
         <p:txBody>
           <a:bodyPr>
             <a:normAutofit/>
           </a:bodyPr>
           <a:lstStyle/>
           <a:p>
+            <a:pPr marL="628650" lvl="1" indent="-285750"/>
+            <a:r>
+              <a:rPr lang="en-US" sz="1800" dirty="0">
+                <a:latin typeface="Arial" panose="020B0604020202020204" pitchFamily="34" charset="0"/>
+                <a:cs typeface="Arial" panose="020B0604020202020204" pitchFamily="34" charset="0"/>
+              </a:rPr>
+              <a:t>Further exploration of Machine Learning Algorithms such as SVM and Logistic Regression</a:t>
+            </a:r>
+          </a:p>
+          <a:p>
+            <a:pPr marL="628650" lvl="1" indent="-285750"/>
+            <a:r>
+              <a:rPr lang="en-US" sz="1800" dirty="0">
+                <a:latin typeface="Arial" panose="020B0604020202020204" pitchFamily="34" charset="0"/>
+                <a:cs typeface="Arial" panose="020B0604020202020204" pitchFamily="34" charset="0"/>
+              </a:rPr>
+              <a:t>Deep learning models</a:t>
+            </a:r>
             <a:endParaRPr lang="en-US" dirty="0"/>
           </a:p>
-        </p:txBody>
-      </p:sp>
+          <a:p>
+            <a:pPr marL="342900" lvl="1" indent="0">
+              <a:buNone/>
+            </a:pPr>
+            <a:endParaRPr lang="en-US" dirty="0"/>
+          </a:p>
+        </p:txBody>
+      </p:sp>
+      <p:sp>
+        <p:nvSpPr>
+          <p:cNvPr id="4" name="Oval 3">
+            <a:extLst>
+              <a:ext uri="{FF2B5EF4-FFF2-40B4-BE49-F238E27FC236}">
+                <a16:creationId xmlns:a16="http://schemas.microsoft.com/office/drawing/2014/main" id="{A924D772-9D01-4EA1-BD32-5B0EC32A201C}"/>
+              </a:ext>
+            </a:extLst>
+          </p:cNvPr>
+          <p:cNvSpPr/>
+          <p:nvPr/>
+        </p:nvSpPr>
+        <p:spPr>
+          <a:xfrm>
+            <a:off x="3367716" y="3087262"/>
+            <a:ext cx="1285461" cy="771939"/>
+          </a:xfrm>
+          <a:prstGeom prst="ellipse">
+            <a:avLst/>
+          </a:prstGeom>
+          <a:solidFill>
+            <a:srgbClr val="7030A0"/>
+          </a:solidFill>
+        </p:spPr>
+        <p:style>
+          <a:lnRef idx="2">
+            <a:schemeClr val="accent1">
+              <a:shade val="50000"/>
+            </a:schemeClr>
+          </a:lnRef>
+          <a:fillRef idx="1">
+            <a:schemeClr val="accent1"/>
+          </a:fillRef>
+          <a:effectRef idx="0">
+            <a:schemeClr val="accent1"/>
+          </a:effectRef>
+          <a:fontRef idx="minor">
+            <a:schemeClr val="lt1"/>
+          </a:fontRef>
+        </p:style>
+        <p:txBody>
+          <a:bodyPr rtlCol="0" anchor="ctr"/>
+          <a:lstStyle/>
+          <a:p>
+            <a:pPr algn="ctr"/>
+            <a:r>
+              <a:rPr lang="en-US" dirty="0"/>
+              <a:t>Query</a:t>
+            </a:r>
+          </a:p>
+        </p:txBody>
+      </p:sp>
+      <p:sp>
+        <p:nvSpPr>
+          <p:cNvPr id="5" name="Oval 4">
+            <a:extLst>
+              <a:ext uri="{FF2B5EF4-FFF2-40B4-BE49-F238E27FC236}">
+                <a16:creationId xmlns:a16="http://schemas.microsoft.com/office/drawing/2014/main" id="{376F0548-24C8-42AA-B184-D8A12BA89E2A}"/>
+              </a:ext>
+            </a:extLst>
+          </p:cNvPr>
+          <p:cNvSpPr/>
+          <p:nvPr/>
+        </p:nvSpPr>
+        <p:spPr>
+          <a:xfrm>
+            <a:off x="6717201" y="3017276"/>
+            <a:ext cx="1885124" cy="980661"/>
+          </a:xfrm>
+          <a:prstGeom prst="ellipse">
+            <a:avLst/>
+          </a:prstGeom>
+          <a:solidFill>
+            <a:srgbClr val="7030A0"/>
+          </a:solidFill>
+        </p:spPr>
+        <p:style>
+          <a:lnRef idx="2">
+            <a:schemeClr val="accent1">
+              <a:shade val="50000"/>
+            </a:schemeClr>
+          </a:lnRef>
+          <a:fillRef idx="1">
+            <a:schemeClr val="accent1"/>
+          </a:fillRef>
+          <a:effectRef idx="0">
+            <a:schemeClr val="accent1"/>
+          </a:effectRef>
+          <a:fontRef idx="minor">
+            <a:schemeClr val="lt1"/>
+          </a:fontRef>
+        </p:style>
+        <p:txBody>
+          <a:bodyPr rtlCol="0" anchor="ctr"/>
+          <a:lstStyle/>
+          <a:p>
+            <a:pPr algn="ctr"/>
+            <a:r>
+              <a:rPr lang="en-US" dirty="0"/>
+              <a:t>Prediction</a:t>
+            </a:r>
+          </a:p>
+        </p:txBody>
+      </p:sp>
+      <p:sp>
+        <p:nvSpPr>
+          <p:cNvPr id="6" name="Oval 5">
+            <a:extLst>
+              <a:ext uri="{FF2B5EF4-FFF2-40B4-BE49-F238E27FC236}">
+                <a16:creationId xmlns:a16="http://schemas.microsoft.com/office/drawing/2014/main" id="{F00BEBCC-F0B2-4C84-AD45-0654444767A2}"/>
+              </a:ext>
+            </a:extLst>
+          </p:cNvPr>
+          <p:cNvSpPr/>
+          <p:nvPr/>
+        </p:nvSpPr>
+        <p:spPr>
+          <a:xfrm>
+            <a:off x="4855271" y="4148368"/>
+            <a:ext cx="1659835" cy="980661"/>
+          </a:xfrm>
+          <a:prstGeom prst="ellipse">
+            <a:avLst/>
+          </a:prstGeom>
+          <a:solidFill>
+            <a:srgbClr val="7030A0"/>
+          </a:solidFill>
+        </p:spPr>
+        <p:style>
+          <a:lnRef idx="2">
+            <a:schemeClr val="accent1">
+              <a:shade val="50000"/>
+            </a:schemeClr>
+          </a:lnRef>
+          <a:fillRef idx="1">
+            <a:schemeClr val="accent1"/>
+          </a:fillRef>
+          <a:effectRef idx="0">
+            <a:schemeClr val="accent1"/>
+          </a:effectRef>
+          <a:fontRef idx="minor">
+            <a:schemeClr val="lt1"/>
+          </a:fontRef>
+        </p:style>
+        <p:txBody>
+          <a:bodyPr rtlCol="0" anchor="ctr"/>
+          <a:lstStyle/>
+          <a:p>
+            <a:pPr algn="ctr"/>
+            <a:r>
+              <a:rPr lang="en-US" dirty="0"/>
+              <a:t>Response</a:t>
+            </a:r>
+          </a:p>
+        </p:txBody>
+      </p:sp>
+      <p:cxnSp>
+        <p:nvCxnSpPr>
+          <p:cNvPr id="8" name="Straight Arrow Connector 7">
+            <a:extLst>
+              <a:ext uri="{FF2B5EF4-FFF2-40B4-BE49-F238E27FC236}">
+                <a16:creationId xmlns:a16="http://schemas.microsoft.com/office/drawing/2014/main" id="{CDD60B60-3970-4609-9454-413A3B43F020}"/>
+              </a:ext>
+            </a:extLst>
+          </p:cNvPr>
+          <p:cNvCxnSpPr>
+            <a:cxnSpLocks/>
+            <a:stCxn id="4" idx="6"/>
+            <a:endCxn id="5" idx="2"/>
+          </p:cNvCxnSpPr>
+          <p:nvPr/>
+        </p:nvCxnSpPr>
+        <p:spPr>
+          <a:xfrm>
+            <a:off x="4653177" y="3473232"/>
+            <a:ext cx="2064024" cy="34375"/>
+          </a:xfrm>
+          <a:prstGeom prst="straightConnector1">
+            <a:avLst/>
+          </a:prstGeom>
+          <a:ln>
+            <a:tailEnd type="triangle"/>
+          </a:ln>
+        </p:spPr>
+        <p:style>
+          <a:lnRef idx="1">
+            <a:schemeClr val="accent1"/>
+          </a:lnRef>
+          <a:fillRef idx="0">
+            <a:schemeClr val="accent1"/>
+          </a:fillRef>
+          <a:effectRef idx="0">
+            <a:schemeClr val="accent1"/>
+          </a:effectRef>
+          <a:fontRef idx="minor">
+            <a:schemeClr val="tx1"/>
+          </a:fontRef>
+        </p:style>
+      </p:cxnSp>
+      <p:cxnSp>
+        <p:nvCxnSpPr>
+          <p:cNvPr id="10" name="Straight Arrow Connector 9">
+            <a:extLst>
+              <a:ext uri="{FF2B5EF4-FFF2-40B4-BE49-F238E27FC236}">
+                <a16:creationId xmlns:a16="http://schemas.microsoft.com/office/drawing/2014/main" id="{5485623B-550D-4C46-92BE-246AD4B318AA}"/>
+              </a:ext>
+            </a:extLst>
+          </p:cNvPr>
+          <p:cNvCxnSpPr>
+            <a:cxnSpLocks/>
+            <a:stCxn id="5" idx="4"/>
+            <a:endCxn id="6" idx="6"/>
+          </p:cNvCxnSpPr>
+          <p:nvPr/>
+        </p:nvCxnSpPr>
+        <p:spPr>
+          <a:xfrm flipH="1">
+            <a:off x="6515106" y="3997937"/>
+            <a:ext cx="1144657" cy="640762"/>
+          </a:xfrm>
+          <a:prstGeom prst="straightConnector1">
+            <a:avLst/>
+          </a:prstGeom>
+          <a:ln>
+            <a:tailEnd type="triangle"/>
+          </a:ln>
+        </p:spPr>
+        <p:style>
+          <a:lnRef idx="1">
+            <a:schemeClr val="accent1"/>
+          </a:lnRef>
+          <a:fillRef idx="0">
+            <a:schemeClr val="accent1"/>
+          </a:fillRef>
+          <a:effectRef idx="0">
+            <a:schemeClr val="accent1"/>
+          </a:effectRef>
+          <a:fontRef idx="minor">
+            <a:schemeClr val="tx1"/>
+          </a:fontRef>
+        </p:style>
+      </p:cxnSp>
+      <p:cxnSp>
+        <p:nvCxnSpPr>
+          <p:cNvPr id="24" name="Straight Arrow Connector 23">
+            <a:extLst>
+              <a:ext uri="{FF2B5EF4-FFF2-40B4-BE49-F238E27FC236}">
+                <a16:creationId xmlns:a16="http://schemas.microsoft.com/office/drawing/2014/main" id="{8F96D449-FFF3-4A59-8EF6-63D28D0E5143}"/>
+              </a:ext>
+            </a:extLst>
+          </p:cNvPr>
+          <p:cNvCxnSpPr>
+            <a:stCxn id="6" idx="2"/>
+            <a:endCxn id="4" idx="4"/>
+          </p:cNvCxnSpPr>
+          <p:nvPr/>
+        </p:nvCxnSpPr>
+        <p:spPr>
+          <a:xfrm flipH="1" flipV="1">
+            <a:off x="4010447" y="3859201"/>
+            <a:ext cx="844824" cy="779498"/>
+          </a:xfrm>
+          <a:prstGeom prst="straightConnector1">
+            <a:avLst/>
+          </a:prstGeom>
+          <a:ln>
+            <a:tailEnd type="triangle"/>
+          </a:ln>
+        </p:spPr>
+        <p:style>
+          <a:lnRef idx="1">
+            <a:schemeClr val="accent1"/>
+          </a:lnRef>
+          <a:fillRef idx="0">
+            <a:schemeClr val="accent1"/>
+          </a:fillRef>
+          <a:effectRef idx="0">
+            <a:schemeClr val="accent1"/>
+          </a:effectRef>
+          <a:fontRef idx="minor">
+            <a:schemeClr val="tx1"/>
+          </a:fontRef>
+        </p:style>
+      </p:cxnSp>
+      <p:cxnSp>
+        <p:nvCxnSpPr>
+          <p:cNvPr id="32" name="Straight Arrow Connector 31">
+            <a:extLst>
+              <a:ext uri="{FF2B5EF4-FFF2-40B4-BE49-F238E27FC236}">
+                <a16:creationId xmlns:a16="http://schemas.microsoft.com/office/drawing/2014/main" id="{6590E390-B84F-443B-923D-AF2A51F3081E}"/>
+              </a:ext>
+            </a:extLst>
+          </p:cNvPr>
+          <p:cNvCxnSpPr>
+            <a:stCxn id="6" idx="4"/>
+          </p:cNvCxnSpPr>
+          <p:nvPr/>
+        </p:nvCxnSpPr>
+        <p:spPr>
+          <a:xfrm flipH="1">
+            <a:off x="5685188" y="5129029"/>
+            <a:ext cx="1" cy="438978"/>
+          </a:xfrm>
+          <a:prstGeom prst="straightConnector1">
+            <a:avLst/>
+          </a:prstGeom>
+          <a:ln>
+            <a:tailEnd type="triangle"/>
+          </a:ln>
+        </p:spPr>
+        <p:style>
+          <a:lnRef idx="1">
+            <a:schemeClr val="accent1"/>
+          </a:lnRef>
+          <a:fillRef idx="0">
+            <a:schemeClr val="accent1"/>
+          </a:fillRef>
+          <a:effectRef idx="0">
+            <a:schemeClr val="accent1"/>
+          </a:effectRef>
+          <a:fontRef idx="minor">
+            <a:schemeClr val="tx1"/>
+          </a:fontRef>
+        </p:style>
+      </p:cxnSp>
+      <p:sp>
+        <p:nvSpPr>
+          <p:cNvPr id="34" name="Diamond 33">
+            <a:extLst>
+              <a:ext uri="{FF2B5EF4-FFF2-40B4-BE49-F238E27FC236}">
+                <a16:creationId xmlns:a16="http://schemas.microsoft.com/office/drawing/2014/main" id="{80C6396E-1949-4C78-AAA7-EF044C6F9A21}"/>
+              </a:ext>
+            </a:extLst>
+          </p:cNvPr>
+          <p:cNvSpPr/>
+          <p:nvPr/>
+        </p:nvSpPr>
+        <p:spPr>
+          <a:xfrm>
+            <a:off x="4565383" y="5568007"/>
+            <a:ext cx="2239612" cy="1386472"/>
+          </a:xfrm>
+          <a:prstGeom prst="diamond">
+            <a:avLst/>
+          </a:prstGeom>
+          <a:solidFill>
+            <a:srgbClr val="FF3300"/>
+          </a:solidFill>
+        </p:spPr>
+        <p:style>
+          <a:lnRef idx="2">
+            <a:schemeClr val="accent1">
+              <a:shade val="50000"/>
+            </a:schemeClr>
+          </a:lnRef>
+          <a:fillRef idx="1">
+            <a:schemeClr val="accent1"/>
+          </a:fillRef>
+          <a:effectRef idx="0">
+            <a:schemeClr val="accent1"/>
+          </a:effectRef>
+          <a:fontRef idx="minor">
+            <a:schemeClr val="lt1"/>
+          </a:fontRef>
+        </p:style>
+        <p:txBody>
+          <a:bodyPr rtlCol="0" anchor="ctr"/>
+          <a:lstStyle/>
+          <a:p>
+            <a:pPr algn="ctr"/>
+            <a:r>
+              <a:rPr lang="en-US" dirty="0"/>
+              <a:t>Solved the purpose?</a:t>
+            </a:r>
+          </a:p>
+        </p:txBody>
+      </p:sp>
+      <p:sp>
+        <p:nvSpPr>
+          <p:cNvPr id="35" name="Oval 34">
+            <a:extLst>
+              <a:ext uri="{FF2B5EF4-FFF2-40B4-BE49-F238E27FC236}">
+                <a16:creationId xmlns:a16="http://schemas.microsoft.com/office/drawing/2014/main" id="{6AF52D7B-ACE9-40E8-8E19-ADA33EC11938}"/>
+              </a:ext>
+            </a:extLst>
+          </p:cNvPr>
+          <p:cNvSpPr/>
+          <p:nvPr/>
+        </p:nvSpPr>
+        <p:spPr>
+          <a:xfrm>
+            <a:off x="2493071" y="6090132"/>
+            <a:ext cx="1285461" cy="693236"/>
+          </a:xfrm>
+          <a:prstGeom prst="ellipse">
+            <a:avLst/>
+          </a:prstGeom>
+          <a:solidFill>
+            <a:schemeClr val="accent1">
+              <a:lumMod val="75000"/>
+            </a:schemeClr>
+          </a:solidFill>
+        </p:spPr>
+        <p:style>
+          <a:lnRef idx="2">
+            <a:schemeClr val="accent1">
+              <a:shade val="50000"/>
+            </a:schemeClr>
+          </a:lnRef>
+          <a:fillRef idx="1">
+            <a:schemeClr val="accent1"/>
+          </a:fillRef>
+          <a:effectRef idx="0">
+            <a:schemeClr val="accent1"/>
+          </a:effectRef>
+          <a:fontRef idx="minor">
+            <a:schemeClr val="lt1"/>
+          </a:fontRef>
+        </p:style>
+        <p:txBody>
+          <a:bodyPr rtlCol="0" anchor="ctr"/>
+          <a:lstStyle/>
+          <a:p>
+            <a:pPr algn="ctr"/>
+            <a:r>
+              <a:rPr lang="en-US" dirty="0"/>
+              <a:t>Yes</a:t>
+            </a:r>
+          </a:p>
+        </p:txBody>
+      </p:sp>
+      <p:sp>
+        <p:nvSpPr>
+          <p:cNvPr id="36" name="Oval 35">
+            <a:extLst>
+              <a:ext uri="{FF2B5EF4-FFF2-40B4-BE49-F238E27FC236}">
+                <a16:creationId xmlns:a16="http://schemas.microsoft.com/office/drawing/2014/main" id="{C7E9E723-A983-4D67-A447-E719FF55317F}"/>
+              </a:ext>
+            </a:extLst>
+          </p:cNvPr>
+          <p:cNvSpPr/>
+          <p:nvPr/>
+        </p:nvSpPr>
+        <p:spPr>
+          <a:xfrm>
+            <a:off x="7760819" y="6188798"/>
+            <a:ext cx="1285461" cy="693236"/>
+          </a:xfrm>
+          <a:prstGeom prst="ellipse">
+            <a:avLst/>
+          </a:prstGeom>
+          <a:solidFill>
+            <a:schemeClr val="accent1">
+              <a:lumMod val="75000"/>
+            </a:schemeClr>
+          </a:solidFill>
+        </p:spPr>
+        <p:style>
+          <a:lnRef idx="2">
+            <a:schemeClr val="accent1">
+              <a:shade val="50000"/>
+            </a:schemeClr>
+          </a:lnRef>
+          <a:fillRef idx="1">
+            <a:schemeClr val="accent1"/>
+          </a:fillRef>
+          <a:effectRef idx="0">
+            <a:schemeClr val="accent1"/>
+          </a:effectRef>
+          <a:fontRef idx="minor">
+            <a:schemeClr val="lt1"/>
+          </a:fontRef>
+        </p:style>
+        <p:txBody>
+          <a:bodyPr rtlCol="0" anchor="ctr"/>
+          <a:lstStyle/>
+          <a:p>
+            <a:pPr algn="ctr"/>
+            <a:r>
+              <a:rPr lang="en-US" dirty="0"/>
+              <a:t>No</a:t>
+            </a:r>
+          </a:p>
+        </p:txBody>
+      </p:sp>
+      <p:cxnSp>
+        <p:nvCxnSpPr>
+          <p:cNvPr id="38" name="Straight Arrow Connector 37">
+            <a:extLst>
+              <a:ext uri="{FF2B5EF4-FFF2-40B4-BE49-F238E27FC236}">
+                <a16:creationId xmlns:a16="http://schemas.microsoft.com/office/drawing/2014/main" id="{892C0325-A75E-486B-A960-12F7DAE0E55F}"/>
+              </a:ext>
+            </a:extLst>
+          </p:cNvPr>
+          <p:cNvCxnSpPr>
+            <a:stCxn id="34" idx="3"/>
+            <a:endCxn id="36" idx="2"/>
+          </p:cNvCxnSpPr>
+          <p:nvPr/>
+        </p:nvCxnSpPr>
+        <p:spPr>
+          <a:xfrm>
+            <a:off x="6804995" y="6261243"/>
+            <a:ext cx="955824" cy="274173"/>
+          </a:xfrm>
+          <a:prstGeom prst="straightConnector1">
+            <a:avLst/>
+          </a:prstGeom>
+          <a:ln>
+            <a:tailEnd type="triangle"/>
+          </a:ln>
+        </p:spPr>
+        <p:style>
+          <a:lnRef idx="1">
+            <a:schemeClr val="accent1"/>
+          </a:lnRef>
+          <a:fillRef idx="0">
+            <a:schemeClr val="accent1"/>
+          </a:fillRef>
+          <a:effectRef idx="0">
+            <a:schemeClr val="accent1"/>
+          </a:effectRef>
+          <a:fontRef idx="minor">
+            <a:schemeClr val="tx1"/>
+          </a:fontRef>
+        </p:style>
+      </p:cxnSp>
+      <p:cxnSp>
+        <p:nvCxnSpPr>
+          <p:cNvPr id="40" name="Straight Arrow Connector 39">
+            <a:extLst>
+              <a:ext uri="{FF2B5EF4-FFF2-40B4-BE49-F238E27FC236}">
+                <a16:creationId xmlns:a16="http://schemas.microsoft.com/office/drawing/2014/main" id="{EA01869C-41B7-439E-AAB9-3F599098DD91}"/>
+              </a:ext>
+            </a:extLst>
+          </p:cNvPr>
+          <p:cNvCxnSpPr>
+            <a:stCxn id="34" idx="1"/>
+            <a:endCxn id="35" idx="6"/>
+          </p:cNvCxnSpPr>
+          <p:nvPr/>
+        </p:nvCxnSpPr>
+        <p:spPr>
+          <a:xfrm flipH="1">
+            <a:off x="3778532" y="6261243"/>
+            <a:ext cx="786851" cy="175507"/>
+          </a:xfrm>
+          <a:prstGeom prst="straightConnector1">
+            <a:avLst/>
+          </a:prstGeom>
+          <a:ln>
+            <a:tailEnd type="triangle"/>
+          </a:ln>
+        </p:spPr>
+        <p:style>
+          <a:lnRef idx="1">
+            <a:schemeClr val="accent1"/>
+          </a:lnRef>
+          <a:fillRef idx="0">
+            <a:schemeClr val="accent1"/>
+          </a:fillRef>
+          <a:effectRef idx="0">
+            <a:schemeClr val="accent1"/>
+          </a:effectRef>
+          <a:fontRef idx="minor">
+            <a:schemeClr val="tx1"/>
+          </a:fontRef>
+        </p:style>
+      </p:cxnSp>
+      <p:cxnSp>
+        <p:nvCxnSpPr>
+          <p:cNvPr id="58" name="Straight Connector 57">
+            <a:extLst>
+              <a:ext uri="{FF2B5EF4-FFF2-40B4-BE49-F238E27FC236}">
+                <a16:creationId xmlns:a16="http://schemas.microsoft.com/office/drawing/2014/main" id="{E4036312-22F8-4CB4-9EF4-DC8A76C09738}"/>
+              </a:ext>
+            </a:extLst>
+          </p:cNvPr>
+          <p:cNvCxnSpPr/>
+          <p:nvPr/>
+        </p:nvCxnSpPr>
+        <p:spPr>
+          <a:xfrm flipV="1">
+            <a:off x="3167281" y="3739405"/>
+            <a:ext cx="556592" cy="2598678"/>
+          </a:xfrm>
+          <a:prstGeom prst="line">
+            <a:avLst/>
+          </a:prstGeom>
+        </p:spPr>
+        <p:style>
+          <a:lnRef idx="1">
+            <a:schemeClr val="accent1"/>
+          </a:lnRef>
+          <a:fillRef idx="0">
+            <a:schemeClr val="accent1"/>
+          </a:fillRef>
+          <a:effectRef idx="0">
+            <a:schemeClr val="accent1"/>
+          </a:effectRef>
+          <a:fontRef idx="minor">
+            <a:schemeClr val="tx1"/>
+          </a:fontRef>
+        </p:style>
+      </p:cxnSp>
+      <p:cxnSp>
+        <p:nvCxnSpPr>
+          <p:cNvPr id="60" name="Connector: Curved 59">
+            <a:extLst>
+              <a:ext uri="{FF2B5EF4-FFF2-40B4-BE49-F238E27FC236}">
+                <a16:creationId xmlns:a16="http://schemas.microsoft.com/office/drawing/2014/main" id="{72C58204-777C-45C4-9669-EB9533D37CE8}"/>
+              </a:ext>
+            </a:extLst>
+          </p:cNvPr>
+          <p:cNvCxnSpPr>
+            <a:stCxn id="4" idx="2"/>
+          </p:cNvCxnSpPr>
+          <p:nvPr/>
+        </p:nvCxnSpPr>
+        <p:spPr>
+          <a:xfrm rot="10800000">
+            <a:off x="2569272" y="2795608"/>
+            <a:ext cx="798445" cy="677625"/>
+          </a:xfrm>
+          <a:prstGeom prst="curvedConnector3">
+            <a:avLst/>
+          </a:prstGeom>
+          <a:ln>
+            <a:tailEnd type="triangle"/>
+          </a:ln>
+        </p:spPr>
+        <p:style>
+          <a:lnRef idx="1">
+            <a:schemeClr val="accent1"/>
+          </a:lnRef>
+          <a:fillRef idx="0">
+            <a:schemeClr val="accent1"/>
+          </a:fillRef>
+          <a:effectRef idx="0">
+            <a:schemeClr val="accent1"/>
+          </a:effectRef>
+          <a:fontRef idx="minor">
+            <a:schemeClr val="tx1"/>
+          </a:fontRef>
+        </p:style>
+      </p:cxnSp>
+      <p:sp>
+        <p:nvSpPr>
+          <p:cNvPr id="61" name="Rectangle: Rounded Corners 60">
+            <a:extLst>
+              <a:ext uri="{FF2B5EF4-FFF2-40B4-BE49-F238E27FC236}">
+                <a16:creationId xmlns:a16="http://schemas.microsoft.com/office/drawing/2014/main" id="{673A6B30-F1E4-4369-BBD9-79E1F0327193}"/>
+              </a:ext>
+            </a:extLst>
+          </p:cNvPr>
+          <p:cNvSpPr/>
+          <p:nvPr/>
+        </p:nvSpPr>
+        <p:spPr>
+          <a:xfrm>
+            <a:off x="982323" y="2321413"/>
+            <a:ext cx="1586948" cy="980661"/>
+          </a:xfrm>
+          <a:prstGeom prst="roundRect">
+            <a:avLst/>
+          </a:prstGeom>
+          <a:solidFill>
+            <a:srgbClr val="00B0F0"/>
+          </a:solidFill>
+        </p:spPr>
+        <p:style>
+          <a:lnRef idx="2">
+            <a:schemeClr val="accent1">
+              <a:shade val="50000"/>
+            </a:schemeClr>
+          </a:lnRef>
+          <a:fillRef idx="1">
+            <a:schemeClr val="accent1"/>
+          </a:fillRef>
+          <a:effectRef idx="0">
+            <a:schemeClr val="accent1"/>
+          </a:effectRef>
+          <a:fontRef idx="minor">
+            <a:schemeClr val="lt1"/>
+          </a:fontRef>
+        </p:style>
+        <p:txBody>
+          <a:bodyPr rtlCol="0" anchor="ctr"/>
+          <a:lstStyle/>
+          <a:p>
+            <a:pPr algn="ctr"/>
+            <a:r>
+              <a:rPr lang="en-US" dirty="0"/>
+              <a:t>Training dataset</a:t>
+            </a:r>
+          </a:p>
+        </p:txBody>
+      </p:sp>
+      <p:sp>
+        <p:nvSpPr>
+          <p:cNvPr id="63" name="Oval 62">
+            <a:extLst>
+              <a:ext uri="{FF2B5EF4-FFF2-40B4-BE49-F238E27FC236}">
+                <a16:creationId xmlns:a16="http://schemas.microsoft.com/office/drawing/2014/main" id="{EA59BCD6-F203-4E4A-ABDA-A21290A967A3}"/>
+              </a:ext>
+            </a:extLst>
+          </p:cNvPr>
+          <p:cNvSpPr/>
+          <p:nvPr/>
+        </p:nvSpPr>
+        <p:spPr>
+          <a:xfrm>
+            <a:off x="9954044" y="5475242"/>
+            <a:ext cx="1696275" cy="961508"/>
+          </a:xfrm>
+          <a:prstGeom prst="ellipse">
+            <a:avLst/>
+          </a:prstGeom>
+          <a:solidFill>
+            <a:srgbClr val="00B0F0"/>
+          </a:solidFill>
+        </p:spPr>
+        <p:style>
+          <a:lnRef idx="2">
+            <a:schemeClr val="accent1">
+              <a:shade val="50000"/>
+            </a:schemeClr>
+          </a:lnRef>
+          <a:fillRef idx="1">
+            <a:schemeClr val="accent1"/>
+          </a:fillRef>
+          <a:effectRef idx="0">
+            <a:schemeClr val="accent1"/>
+          </a:effectRef>
+          <a:fontRef idx="minor">
+            <a:schemeClr val="lt1"/>
+          </a:fontRef>
+        </p:style>
+        <p:txBody>
+          <a:bodyPr rtlCol="0" anchor="ctr"/>
+          <a:lstStyle/>
+          <a:p>
+            <a:pPr algn="ctr"/>
+            <a:r>
+              <a:rPr lang="en-US" dirty="0"/>
+              <a:t>General response</a:t>
+            </a:r>
+          </a:p>
+        </p:txBody>
+      </p:sp>
+      <p:cxnSp>
+        <p:nvCxnSpPr>
+          <p:cNvPr id="65" name="Straight Arrow Connector 64">
+            <a:extLst>
+              <a:ext uri="{FF2B5EF4-FFF2-40B4-BE49-F238E27FC236}">
+                <a16:creationId xmlns:a16="http://schemas.microsoft.com/office/drawing/2014/main" id="{58189733-2E7D-499E-909F-B9E55FFF6399}"/>
+              </a:ext>
+            </a:extLst>
+          </p:cNvPr>
+          <p:cNvCxnSpPr>
+            <a:cxnSpLocks/>
+            <a:stCxn id="36" idx="6"/>
+            <a:endCxn id="63" idx="2"/>
+          </p:cNvCxnSpPr>
+          <p:nvPr/>
+        </p:nvCxnSpPr>
+        <p:spPr>
+          <a:xfrm flipV="1">
+            <a:off x="9046280" y="5955996"/>
+            <a:ext cx="907764" cy="579420"/>
+          </a:xfrm>
+          <a:prstGeom prst="straightConnector1">
+            <a:avLst/>
+          </a:prstGeom>
+          <a:ln>
+            <a:tailEnd type="triangle"/>
+          </a:ln>
+        </p:spPr>
+        <p:style>
+          <a:lnRef idx="1">
+            <a:schemeClr val="accent1"/>
+          </a:lnRef>
+          <a:fillRef idx="0">
+            <a:schemeClr val="accent1"/>
+          </a:fillRef>
+          <a:effectRef idx="0">
+            <a:schemeClr val="accent1"/>
+          </a:effectRef>
+          <a:fontRef idx="minor">
+            <a:schemeClr val="tx1"/>
+          </a:fontRef>
+        </p:style>
+      </p:cxnSp>
     </p:spTree>
     <p:extLst>
       <p:ext uri="{BB962C8B-B14F-4D97-AF65-F5344CB8AC3E}">
-        <p14:creationId xmlns:p14="http://schemas.microsoft.com/office/powerpoint/2010/main" val="3788639408"/>
+        <p14:creationId xmlns:p14="http://schemas.microsoft.com/office/powerpoint/2010/main" val="1746300994"/>
+      </p:ext>
+    </p:extLst>
+  </p:cSld>
+  <p:clrMapOvr>
+    <a:masterClrMapping/>
+  </p:clrMapOvr>
+</p:sld>
+</file>
+
+<file path=ppt/slides/slide11.xml><?xml version="1.0" encoding="utf-8"?>
+<p:sld xmlns:a="http://schemas.openxmlformats.org/drawingml/2006/main" xmlns:r="http://schemas.openxmlformats.org/officeDocument/2006/relationships" xmlns:p="http://schemas.openxmlformats.org/presentationml/2006/main">
+  <p:cSld>
+    <p:spTree>
+      <p:nvGrpSpPr>
+        <p:cNvPr id="1" name=""/>
+        <p:cNvGrpSpPr/>
+        <p:nvPr/>
+      </p:nvGrpSpPr>
+      <p:grpSpPr>
+        <a:xfrm>
+          <a:off x="0" y="0"/>
+          <a:ext cx="0" cy="0"/>
+          <a:chOff x="0" y="0"/>
+          <a:chExt cx="0" cy="0"/>
+        </a:xfrm>
+      </p:grpSpPr>
+      <p:sp>
+        <p:nvSpPr>
+          <p:cNvPr id="3" name="Content Placeholder 2">
+            <a:extLst>
+              <a:ext uri="{FF2B5EF4-FFF2-40B4-BE49-F238E27FC236}">
+                <a16:creationId xmlns:a16="http://schemas.microsoft.com/office/drawing/2014/main" id="{D58BE20A-B8B7-40F0-B4BA-B7A835B66AD9}"/>
+              </a:ext>
+            </a:extLst>
+          </p:cNvPr>
+          <p:cNvSpPr>
+            <a:spLocks noGrp="1"/>
+          </p:cNvSpPr>
+          <p:nvPr>
+            <p:ph idx="1"/>
+          </p:nvPr>
+        </p:nvSpPr>
+        <p:spPr/>
+        <p:txBody>
+          <a:bodyPr>
+            <a:normAutofit/>
+          </a:bodyPr>
+          <a:lstStyle/>
+          <a:p>
+            <a:pPr marL="0" indent="0" algn="ctr">
+              <a:buNone/>
+            </a:pPr>
+            <a:r>
+              <a:rPr lang="en-US" sz="5000" dirty="0">
+                <a:latin typeface="Arial" panose="020B0604020202020204" pitchFamily="34" charset="0"/>
+                <a:cs typeface="Arial" panose="020B0604020202020204" pitchFamily="34" charset="0"/>
+              </a:rPr>
+              <a:t>THANK YOU !</a:t>
+            </a:r>
+          </a:p>
+        </p:txBody>
+      </p:sp>
+    </p:spTree>
+    <p:extLst>
+      <p:ext uri="{BB962C8B-B14F-4D97-AF65-F5344CB8AC3E}">
+        <p14:creationId xmlns:p14="http://schemas.microsoft.com/office/powerpoint/2010/main" val="1918577698"/>
       </p:ext>
     </p:extLst>
   </p:cSld>
@@ -3910,7 +5429,7 @@
           <p:cNvPr id="2" name="Title 1">
             <a:extLst>
               <a:ext uri="{FF2B5EF4-FFF2-40B4-BE49-F238E27FC236}">
-                <a16:creationId xmlns:a16="http://schemas.microsoft.com/office/drawing/2014/main" id="{2BFCB043-2139-E64D-A1D8-E7E2C15F37E6}"/>
+                <a16:creationId xmlns:a16="http://schemas.microsoft.com/office/drawing/2014/main" id="{239B812E-1318-4628-81AD-75952EC0F1CC}"/>
               </a:ext>
             </a:extLst>
           </p:cNvPr>
@@ -3921,22 +5440,22 @@
             <p:ph type="title"/>
           </p:nvPr>
         </p:nvSpPr>
-        <p:spPr/>
+        <p:spPr>
+          <a:xfrm>
+            <a:off x="2231136" y="964692"/>
+            <a:ext cx="8544716" cy="1188720"/>
+          </a:xfrm>
+        </p:spPr>
         <p:txBody>
           <a:bodyPr/>
           <a:lstStyle/>
           <a:p>
             <a:r>
-              <a:rPr lang="en-US" dirty="0"/>
-              <a:t>Challenge: Create a </a:t>
-            </a:r>
-            <a:r>
-              <a:rPr lang="en-US" dirty="0" err="1"/>
-              <a:t>chatbot</a:t>
-            </a:r>
-            <a:r>
-              <a:rPr lang="en-US" dirty="0"/>
-              <a:t> engine that will correctly respond to user input (greetings, queries, farewells).</a:t>
+              <a:rPr lang="en-US" dirty="0">
+                <a:latin typeface="Arial" panose="020B0604020202020204" pitchFamily="34" charset="0"/>
+                <a:cs typeface="Arial" panose="020B0604020202020204" pitchFamily="34" charset="0"/>
+              </a:rPr>
+              <a:t>Challenge: Create a chatbot engine</a:t>
             </a:r>
           </a:p>
         </p:txBody>
@@ -3946,7 +5465,7 @@
           <p:cNvPr id="3" name="Content Placeholder 2">
             <a:extLst>
               <a:ext uri="{FF2B5EF4-FFF2-40B4-BE49-F238E27FC236}">
-                <a16:creationId xmlns:a16="http://schemas.microsoft.com/office/drawing/2014/main" id="{D0405077-74E1-0A42-8CC0-085441EF7C13}"/>
+                <a16:creationId xmlns:a16="http://schemas.microsoft.com/office/drawing/2014/main" id="{CCCBC6DB-4B60-4FB9-9C28-A494EAB8FD99}"/>
               </a:ext>
             </a:extLst>
           </p:cNvPr>
@@ -3957,136 +5476,39 @@
             <p:ph idx="1"/>
           </p:nvPr>
         </p:nvSpPr>
-        <p:spPr/>
+        <p:spPr>
+          <a:xfrm>
+            <a:off x="2231136" y="2638044"/>
+            <a:ext cx="8544716" cy="3101983"/>
+          </a:xfrm>
+        </p:spPr>
         <p:txBody>
           <a:bodyPr/>
           <a:lstStyle/>
           <a:p>
-            <a:pPr marL="1327150" indent="0">
+            <a:pPr marL="0" indent="0">
               <a:buNone/>
             </a:pPr>
             <a:r>
-              <a:rPr lang="en-US" dirty="0"/>
-              <a:t>SEI receives hundreds of applications and inquiries regarding its summer internship program each year.  The challenge is to build a </a:t>
-            </a:r>
-            <a:r>
-              <a:rPr lang="en-US" dirty="0" err="1"/>
-              <a:t>chatbot</a:t>
-            </a:r>
-            <a:r>
-              <a:rPr lang="en-US" dirty="0"/>
-              <a:t> that will answer the most frequently asked questions during the recruitment process for the summer internship program.  The user will be able to inquire with the </a:t>
-            </a:r>
-            <a:r>
-              <a:rPr lang="en-US" dirty="0" err="1"/>
-              <a:t>chatbot</a:t>
-            </a:r>
-            <a:r>
-              <a:rPr lang="en-US" dirty="0"/>
-              <a:t> about topics such as how to apply to the program, information regarding housing, location and travel, or how a typical day looks at SEI.</a:t>
-            </a:r>
-          </a:p>
-          <a:p>
-            <a:pPr marL="0" indent="0">
-              <a:buNone/>
-            </a:pPr>
-            <a:endParaRPr lang="en-US" dirty="0"/>
-          </a:p>
-          <a:p>
-            <a:pPr marL="0" indent="0">
-              <a:buNone/>
-            </a:pPr>
-            <a:r>
-              <a:rPr lang="en-US" dirty="0"/>
-              <a:t>Some (limited) training data will be provided, as will canned responses for standard FAQs.</a:t>
-            </a:r>
-          </a:p>
-          <a:p>
-            <a:pPr marL="0" indent="0">
-              <a:buNone/>
-            </a:pPr>
-            <a:endParaRPr lang="en-US" dirty="0"/>
-          </a:p>
-          <a:p>
-            <a:pPr marL="0" indent="0">
-              <a:buNone/>
-            </a:pPr>
-            <a:r>
-              <a:rPr lang="en-US" dirty="0"/>
-              <a:t>GOALS: </a:t>
-            </a:r>
-          </a:p>
-          <a:p>
-            <a:pPr marL="342900" indent="-342900">
-              <a:buFont typeface="+mj-lt"/>
-              <a:buAutoNum type="arabicPeriod"/>
-            </a:pPr>
-            <a:r>
-              <a:rPr lang="en-US" dirty="0"/>
-              <a:t>Turn around responses as quickly as possible</a:t>
-            </a:r>
-          </a:p>
-          <a:p>
-            <a:pPr marL="342900" indent="-342900">
-              <a:buFont typeface="+mj-lt"/>
-              <a:buAutoNum type="arabicPeriod"/>
-            </a:pPr>
-            <a:r>
-              <a:rPr lang="en-US" dirty="0"/>
-              <a:t>Solve volume issues for SEI recruiting team</a:t>
-            </a:r>
-          </a:p>
-        </p:txBody>
-      </p:sp>
-      <p:pic>
-        <p:nvPicPr>
-          <p:cNvPr id="1026" name="Picture 2" descr="https://tse1.mm.bing.net/th?id=OIP.Ec9Rzje0uloZHHHy-b5nJQHaGp&amp;pid=Api">
-            <a:extLst>
-              <a:ext uri="{FF2B5EF4-FFF2-40B4-BE49-F238E27FC236}">
-                <a16:creationId xmlns:a16="http://schemas.microsoft.com/office/drawing/2014/main" id="{CB90F154-8AC1-BB4C-ADEE-3503515CF2F1}"/>
-              </a:ext>
-            </a:extLst>
-          </p:cNvPr>
-          <p:cNvPicPr>
-            <a:picLocks noChangeAspect="1" noChangeArrowheads="1"/>
-          </p:cNvPicPr>
-          <p:nvPr/>
-        </p:nvPicPr>
-        <p:blipFill rotWithShape="1">
-          <a:blip r:embed="rId2">
-            <a:extLst>
-              <a:ext uri="{28A0092B-C50C-407E-A947-70E740481C1C}">
-                <a14:useLocalDpi xmlns:a14="http://schemas.microsoft.com/office/drawing/2010/main" val="0"/>
-              </a:ext>
-            </a:extLst>
-          </a:blip>
-          <a:srcRect r="10491"/>
-          <a:stretch/>
-        </p:blipFill>
-        <p:spPr bwMode="auto">
-          <a:xfrm>
-            <a:off x="315685" y="1686203"/>
-            <a:ext cx="1744084" cy="1747054"/>
-          </a:xfrm>
-          <a:prstGeom prst="rect">
-            <a:avLst/>
-          </a:prstGeom>
-          <a:noFill/>
-          <a:extLst>
-            <a:ext uri="{909E8E84-426E-40DD-AFC4-6F175D3DCCD1}">
-              <a14:hiddenFill xmlns:a14="http://schemas.microsoft.com/office/drawing/2010/main">
-                <a:solidFill>
-                  <a:srgbClr val="FFFFFF"/>
-                </a:solidFill>
-              </a14:hiddenFill>
-            </a:ext>
-          </a:extLst>
-        </p:spPr>
-      </p:pic>
+              <a:rPr lang="en-US" dirty="0">
+                <a:latin typeface="Arial" panose="020B0604020202020204" pitchFamily="34" charset="0"/>
+                <a:cs typeface="Arial" panose="020B0604020202020204" pitchFamily="34" charset="0"/>
+              </a:rPr>
+              <a:t>SEI receives hundreds of applications and inquiries regarding its summer internship program each year.  The challenge is to build a chatbot that will answer the most frequently asked questions during the recruitment process for the summer internship program.  The user will be able to inquire with the chatbot about topics such as how to apply to the program, information regarding housing, location and travel, or how a typical day looks at SEI.</a:t>
+            </a:r>
+          </a:p>
+          <a:p>
+            <a:endParaRPr lang="en-US" dirty="0">
+              <a:latin typeface="Arial" panose="020B0604020202020204" pitchFamily="34" charset="0"/>
+              <a:cs typeface="Arial" panose="020B0604020202020204" pitchFamily="34" charset="0"/>
+            </a:endParaRPr>
+          </a:p>
+        </p:txBody>
+      </p:sp>
     </p:spTree>
     <p:extLst>
       <p:ext uri="{BB962C8B-B14F-4D97-AF65-F5344CB8AC3E}">
-        <p14:creationId xmlns:p14="http://schemas.microsoft.com/office/powerpoint/2010/main" val="1140605388"/>
+        <p14:creationId xmlns:p14="http://schemas.microsoft.com/office/powerpoint/2010/main" val="3918516086"/>
       </p:ext>
     </p:extLst>
   </p:cSld>
@@ -4097,6 +5519,120 @@
 </file>
 
 <file path=ppt/slides/slide3.xml><?xml version="1.0" encoding="utf-8"?>
+<p:sld xmlns:a="http://schemas.openxmlformats.org/drawingml/2006/main" xmlns:r="http://schemas.openxmlformats.org/officeDocument/2006/relationships" xmlns:p="http://schemas.openxmlformats.org/presentationml/2006/main">
+  <p:cSld>
+    <p:spTree>
+      <p:nvGrpSpPr>
+        <p:cNvPr id="1" name=""/>
+        <p:cNvGrpSpPr/>
+        <p:nvPr/>
+      </p:nvGrpSpPr>
+      <p:grpSpPr>
+        <a:xfrm>
+          <a:off x="0" y="0"/>
+          <a:ext cx="0" cy="0"/>
+          <a:chOff x="0" y="0"/>
+          <a:chExt cx="0" cy="0"/>
+        </a:xfrm>
+      </p:grpSpPr>
+      <p:sp>
+        <p:nvSpPr>
+          <p:cNvPr id="2" name="Title 1">
+            <a:extLst>
+              <a:ext uri="{FF2B5EF4-FFF2-40B4-BE49-F238E27FC236}">
+                <a16:creationId xmlns:a16="http://schemas.microsoft.com/office/drawing/2014/main" id="{D5F63619-750B-4FFC-9846-59E1866B4C1A}"/>
+              </a:ext>
+            </a:extLst>
+          </p:cNvPr>
+          <p:cNvSpPr>
+            <a:spLocks noGrp="1"/>
+          </p:cNvSpPr>
+          <p:nvPr>
+            <p:ph type="title"/>
+          </p:nvPr>
+        </p:nvSpPr>
+        <p:spPr>
+          <a:xfrm>
+            <a:off x="2231136" y="964692"/>
+            <a:ext cx="7729728" cy="878176"/>
+          </a:xfrm>
+        </p:spPr>
+        <p:txBody>
+          <a:bodyPr/>
+          <a:lstStyle/>
+          <a:p>
+            <a:r>
+              <a:rPr lang="en-US" dirty="0"/>
+              <a:t>GOALs</a:t>
+            </a:r>
+          </a:p>
+        </p:txBody>
+      </p:sp>
+      <p:sp>
+        <p:nvSpPr>
+          <p:cNvPr id="3" name="Content Placeholder 2">
+            <a:extLst>
+              <a:ext uri="{FF2B5EF4-FFF2-40B4-BE49-F238E27FC236}">
+                <a16:creationId xmlns:a16="http://schemas.microsoft.com/office/drawing/2014/main" id="{126FE335-9151-47E9-8F84-F739A0B74DD5}"/>
+              </a:ext>
+            </a:extLst>
+          </p:cNvPr>
+          <p:cNvSpPr>
+            <a:spLocks noGrp="1"/>
+          </p:cNvSpPr>
+          <p:nvPr>
+            <p:ph idx="1"/>
+          </p:nvPr>
+        </p:nvSpPr>
+        <p:spPr/>
+        <p:txBody>
+          <a:bodyPr/>
+          <a:lstStyle/>
+          <a:p>
+            <a:pPr marL="342900" indent="-342900">
+              <a:buFont typeface="+mj-lt"/>
+              <a:buAutoNum type="arabicPeriod"/>
+            </a:pPr>
+            <a:r>
+              <a:rPr lang="en-US" dirty="0">
+                <a:latin typeface="Arial" panose="020B0604020202020204" pitchFamily="34" charset="0"/>
+                <a:cs typeface="Arial" panose="020B0604020202020204" pitchFamily="34" charset="0"/>
+              </a:rPr>
+              <a:t>Turn around responses as quickly as possible</a:t>
+            </a:r>
+          </a:p>
+          <a:p>
+            <a:pPr marL="342900" indent="-342900">
+              <a:buFont typeface="+mj-lt"/>
+              <a:buAutoNum type="arabicPeriod"/>
+            </a:pPr>
+            <a:r>
+              <a:rPr lang="en-US" dirty="0">
+                <a:latin typeface="Arial" panose="020B0604020202020204" pitchFamily="34" charset="0"/>
+                <a:cs typeface="Arial" panose="020B0604020202020204" pitchFamily="34" charset="0"/>
+              </a:rPr>
+              <a:t>Solve volume issues for SEI recruiting team</a:t>
+            </a:r>
+          </a:p>
+          <a:p>
+            <a:endParaRPr lang="en-US" dirty="0"/>
+          </a:p>
+        </p:txBody>
+      </p:sp>
+    </p:spTree>
+    <p:extLst>
+      <p:ext uri="{BB962C8B-B14F-4D97-AF65-F5344CB8AC3E}">
+        <p14:creationId xmlns:p14="http://schemas.microsoft.com/office/powerpoint/2010/main" val="1611591123"/>
+      </p:ext>
+    </p:extLst>
+  </p:cSld>
+  <p:clrMapOvr>
+    <a:masterClrMapping/>
+  </p:clrMapOvr>
+</p:sld>
+</file>
+
+<file path=ppt/slides/slide4.xml><?xml version="1.0" encoding="utf-8"?>
 <p:sld xmlns:a="http://schemas.openxmlformats.org/drawingml/2006/main" xmlns:r="http://schemas.openxmlformats.org/officeDocument/2006/relationships" xmlns:p="http://schemas.openxmlformats.org/presentationml/2006/main">
   <p:cSld>
     <p:bg>
@@ -4137,14 +5673,22 @@
             <p:ph type="title"/>
           </p:nvPr>
         </p:nvSpPr>
-        <p:spPr/>
+        <p:spPr>
+          <a:xfrm>
+            <a:off x="962567" y="633228"/>
+            <a:ext cx="2763129" cy="972458"/>
+          </a:xfrm>
+        </p:spPr>
         <p:txBody>
           <a:bodyPr/>
           <a:lstStyle/>
           <a:p>
             <a:r>
-              <a:rPr lang="en-US" dirty="0"/>
-              <a:t>Process</a:t>
+              <a:rPr lang="en-US" dirty="0">
+                <a:latin typeface="Arial" panose="020B0604020202020204" pitchFamily="34" charset="0"/>
+                <a:cs typeface="Arial" panose="020B0604020202020204" pitchFamily="34" charset="0"/>
+              </a:rPr>
+              <a:t>PROCESS</a:t>
             </a:r>
           </a:p>
         </p:txBody>
@@ -4167,8 +5711,8 @@
         </p:nvSpPr>
         <p:spPr>
           <a:xfrm>
-            <a:off x="838200" y="1825625"/>
-            <a:ext cx="5283200" cy="4351338"/>
+            <a:off x="838200" y="2039815"/>
+            <a:ext cx="5283200" cy="4054770"/>
           </a:xfrm>
         </p:spPr>
         <p:txBody>
@@ -4182,7 +5726,10 @@
               <a:buAutoNum type="arabicPeriod"/>
             </a:pPr>
             <a:r>
-              <a:rPr lang="en-US" dirty="0"/>
+              <a:rPr lang="en-US" dirty="0">
+                <a:latin typeface="Arial" panose="020B0604020202020204" pitchFamily="34" charset="0"/>
+                <a:cs typeface="Arial" panose="020B0604020202020204" pitchFamily="34" charset="0"/>
+              </a:rPr>
               <a:t>Aggregate training data    </a:t>
             </a:r>
           </a:p>
@@ -4192,16 +5739,11 @@
               <a:buAutoNum type="arabicPeriod"/>
             </a:pPr>
             <a:r>
-              <a:rPr lang="en-US" dirty="0"/>
-              <a:t>Process training data (see: </a:t>
-            </a:r>
-            <a:r>
-              <a:rPr lang="en-US" dirty="0" err="1"/>
-              <a:t>first_clean.R</a:t>
-            </a:r>
-            <a:r>
-              <a:rPr lang="en-US" dirty="0"/>
-              <a:t>)</a:t>
+              <a:rPr lang="en-US" dirty="0">
+                <a:latin typeface="Arial" panose="020B0604020202020204" pitchFamily="34" charset="0"/>
+                <a:cs typeface="Arial" panose="020B0604020202020204" pitchFamily="34" charset="0"/>
+              </a:rPr>
+              <a:t>Process training data </a:t>
             </a:r>
           </a:p>
           <a:p>
@@ -4210,16 +5752,11 @@
               <a:buAutoNum type="arabicPeriod"/>
             </a:pPr>
             <a:r>
-              <a:rPr lang="en-US" dirty="0"/>
-              <a:t>Model (see: </a:t>
-            </a:r>
-            <a:r>
-              <a:rPr lang="en-US" dirty="0" err="1"/>
-              <a:t>models.R</a:t>
-            </a:r>
-            <a:r>
-              <a:rPr lang="en-US" dirty="0"/>
-              <a:t>) </a:t>
+              <a:rPr lang="en-US" dirty="0">
+                <a:latin typeface="Arial" panose="020B0604020202020204" pitchFamily="34" charset="0"/>
+                <a:cs typeface="Arial" panose="020B0604020202020204" pitchFamily="34" charset="0"/>
+              </a:rPr>
+              <a:t>Model </a:t>
             </a:r>
           </a:p>
           <a:p>
@@ -4228,16 +5765,11 @@
               <a:buAutoNum type="arabicPeriod"/>
             </a:pPr>
             <a:r>
-              <a:rPr lang="en-US" dirty="0"/>
-              <a:t>Query (see: </a:t>
-            </a:r>
-            <a:r>
-              <a:rPr lang="en-US" dirty="0" err="1"/>
-              <a:t>controller.R</a:t>
-            </a:r>
-            <a:r>
-              <a:rPr lang="en-US" dirty="0"/>
-              <a:t>)</a:t>
+              <a:rPr lang="en-US" dirty="0">
+                <a:latin typeface="Arial" panose="020B0604020202020204" pitchFamily="34" charset="0"/>
+                <a:cs typeface="Arial" panose="020B0604020202020204" pitchFamily="34" charset="0"/>
+              </a:rPr>
+              <a:t>Query </a:t>
             </a:r>
           </a:p>
           <a:p>
@@ -4246,24 +5778,11 @@
               <a:buAutoNum type="arabicPeriod"/>
             </a:pPr>
             <a:r>
-              <a:rPr lang="en-US" dirty="0"/>
-              <a:t>Predict (see: </a:t>
-            </a:r>
-            <a:r>
-              <a:rPr lang="en-US" dirty="0" err="1"/>
-              <a:t>responsebot.R</a:t>
-            </a:r>
-            <a:r>
-              <a:rPr lang="en-US" dirty="0"/>
-              <a:t>, </a:t>
-            </a:r>
-            <a:r>
-              <a:rPr lang="en-US" dirty="0" err="1"/>
-              <a:t>predict_response.R</a:t>
-            </a:r>
-            <a:r>
-              <a:rPr lang="en-US" dirty="0"/>
-              <a:t>) </a:t>
+              <a:rPr lang="en-US" dirty="0">
+                <a:latin typeface="Arial" panose="020B0604020202020204" pitchFamily="34" charset="0"/>
+                <a:cs typeface="Arial" panose="020B0604020202020204" pitchFamily="34" charset="0"/>
+              </a:rPr>
+              <a:t>Predict </a:t>
             </a:r>
           </a:p>
           <a:p>
@@ -4272,24 +5791,11 @@
               <a:buAutoNum type="arabicPeriod"/>
             </a:pPr>
             <a:r>
-              <a:rPr lang="en-US" dirty="0"/>
-              <a:t>Respond appropriately (see: </a:t>
-            </a:r>
-            <a:r>
-              <a:rPr lang="en-US" dirty="0" err="1"/>
-              <a:t>controller.R</a:t>
-            </a:r>
-            <a:r>
-              <a:rPr lang="en-US" dirty="0"/>
-              <a:t>, </a:t>
-            </a:r>
-            <a:r>
-              <a:rPr lang="en-US" dirty="0" err="1"/>
-              <a:t>responsebot.R</a:t>
-            </a:r>
-            <a:r>
-              <a:rPr lang="en-US" dirty="0"/>
-              <a:t>)</a:t>
+              <a:rPr lang="en-US" dirty="0">
+                <a:latin typeface="Arial" panose="020B0604020202020204" pitchFamily="34" charset="0"/>
+                <a:cs typeface="Arial" panose="020B0604020202020204" pitchFamily="34" charset="0"/>
+              </a:rPr>
+              <a:t>Respond appropriately </a:t>
             </a:r>
           </a:p>
           <a:p>
@@ -4298,7 +5804,10 @@
               <a:buAutoNum type="arabicPeriod"/>
             </a:pPr>
             <a:r>
-              <a:rPr lang="en-US" dirty="0"/>
+              <a:rPr lang="en-US" dirty="0">
+                <a:latin typeface="Arial" panose="020B0604020202020204" pitchFamily="34" charset="0"/>
+                <a:cs typeface="Arial" panose="020B0604020202020204" pitchFamily="34" charset="0"/>
+              </a:rPr>
               <a:t>Repeat 4:7 until "exit"</a:t>
             </a:r>
           </a:p>
@@ -4318,7 +5827,7 @@
         </p:nvSpPr>
         <p:spPr>
           <a:xfrm>
-            <a:off x="6417570" y="4121367"/>
+            <a:off x="6417570" y="4038989"/>
             <a:ext cx="1509486" cy="972457"/>
           </a:xfrm>
           <a:prstGeom prst="rect">
@@ -4375,7 +5884,7 @@
         </p:nvSpPr>
         <p:spPr>
           <a:xfrm>
-            <a:off x="5235182" y="392955"/>
+            <a:off x="5235182" y="310577"/>
             <a:ext cx="1509486" cy="972457"/>
           </a:xfrm>
           <a:prstGeom prst="rect">
@@ -4432,7 +5941,7 @@
         </p:nvSpPr>
         <p:spPr>
           <a:xfrm>
-            <a:off x="9963212" y="4121367"/>
+            <a:off x="9963212" y="4038989"/>
             <a:ext cx="1509486" cy="972457"/>
           </a:xfrm>
           <a:prstGeom prst="rect">
@@ -4487,7 +5996,7 @@
         </p:nvSpPr>
         <p:spPr>
           <a:xfrm>
-            <a:off x="8218957" y="5696577"/>
+            <a:off x="8218957" y="5614199"/>
             <a:ext cx="1509486" cy="972457"/>
           </a:xfrm>
           <a:prstGeom prst="rect">
@@ -4542,7 +6051,7 @@
         </p:nvSpPr>
         <p:spPr>
           <a:xfrm>
-            <a:off x="9844314" y="312570"/>
+            <a:off x="9844314" y="230192"/>
             <a:ext cx="1509486" cy="972457"/>
           </a:xfrm>
           <a:prstGeom prst="rect">
@@ -4598,7 +6107,7 @@
         </p:nvCxnSpPr>
         <p:spPr>
           <a:xfrm flipH="1">
-            <a:off x="7996312" y="798799"/>
+            <a:off x="7996312" y="716421"/>
             <a:ext cx="1848002" cy="627328"/>
           </a:xfrm>
           <a:prstGeom prst="straightConnector1">
@@ -4644,7 +6153,7 @@
         </p:nvCxnSpPr>
         <p:spPr>
           <a:xfrm flipH="1" flipV="1">
-            <a:off x="6744668" y="879184"/>
+            <a:off x="6744668" y="796806"/>
             <a:ext cx="1251644" cy="546943"/>
           </a:xfrm>
           <a:prstGeom prst="straightConnector1">
@@ -4690,7 +6199,7 @@
         </p:nvCxnSpPr>
         <p:spPr>
           <a:xfrm flipH="1" flipV="1">
-            <a:off x="8973701" y="3384829"/>
+            <a:off x="8973701" y="3302451"/>
             <a:ext cx="1744254" cy="736538"/>
           </a:xfrm>
           <a:prstGeom prst="straightConnector1">
@@ -4736,7 +6245,7 @@
         </p:nvCxnSpPr>
         <p:spPr>
           <a:xfrm flipH="1">
-            <a:off x="7172313" y="3384829"/>
+            <a:off x="7172313" y="3302451"/>
             <a:ext cx="1801388" cy="736538"/>
           </a:xfrm>
           <a:prstGeom prst="straightConnector1">
@@ -4782,7 +6291,7 @@
         </p:nvCxnSpPr>
         <p:spPr>
           <a:xfrm>
-            <a:off x="7172313" y="5093824"/>
+            <a:off x="7172313" y="5011446"/>
             <a:ext cx="1801387" cy="602753"/>
           </a:xfrm>
           <a:prstGeom prst="straightConnector1">
@@ -4828,7 +6337,7 @@
         </p:nvCxnSpPr>
         <p:spPr>
           <a:xfrm flipV="1">
-            <a:off x="8973700" y="5093824"/>
+            <a:off x="8973700" y="5011446"/>
             <a:ext cx="1744255" cy="602753"/>
           </a:xfrm>
           <a:prstGeom prst="straightConnector1">
@@ -4874,7 +6383,7 @@
         </p:nvCxnSpPr>
         <p:spPr>
           <a:xfrm>
-            <a:off x="10717955" y="5093824"/>
+            <a:off x="10717955" y="5011446"/>
             <a:ext cx="635845" cy="898473"/>
           </a:xfrm>
           <a:prstGeom prst="straightConnector1">
@@ -4916,7 +6425,7 @@
         </p:nvSpPr>
         <p:spPr>
           <a:xfrm>
-            <a:off x="10898414" y="5992297"/>
+            <a:off x="10898414" y="5909919"/>
             <a:ext cx="910772" cy="369332"/>
           </a:xfrm>
           <a:prstGeom prst="rect">
@@ -4952,7 +6461,7 @@
         </p:nvSpPr>
         <p:spPr>
           <a:xfrm>
-            <a:off x="8124440" y="2290590"/>
+            <a:off x="8124440" y="2208212"/>
             <a:ext cx="1698521" cy="1094239"/>
           </a:xfrm>
           <a:prstGeom prst="rect">
@@ -5007,7 +6516,7 @@
         </p:nvSpPr>
         <p:spPr>
           <a:xfrm>
-            <a:off x="7147051" y="1426127"/>
+            <a:off x="7147051" y="1343749"/>
             <a:ext cx="1698521" cy="1094239"/>
           </a:xfrm>
           <a:prstGeom prst="rect">
@@ -5062,7 +6571,7 @@
         </p:nvSpPr>
         <p:spPr>
           <a:xfrm>
-            <a:off x="7492174" y="1743247"/>
+            <a:off x="7492174" y="1660869"/>
             <a:ext cx="1984770" cy="1295431"/>
           </a:xfrm>
           <a:prstGeom prst="rect">
@@ -5118,7 +6627,7 @@
         </p:nvCxnSpPr>
         <p:spPr>
           <a:xfrm>
-            <a:off x="5989925" y="1365412"/>
+            <a:off x="5989925" y="1283034"/>
             <a:ext cx="1182388" cy="2755955"/>
           </a:xfrm>
           <a:prstGeom prst="straightConnector1">
@@ -5163,7 +6672,7 @@
         </p:nvCxnSpPr>
         <p:spPr>
           <a:xfrm rot="10800000">
-            <a:off x="5989926" y="1365412"/>
+            <a:off x="5989926" y="1283034"/>
             <a:ext cx="3973287" cy="3242184"/>
           </a:xfrm>
           <a:prstGeom prst="curvedConnector2">
@@ -5212,7 +6721,7 @@
         </p:nvCxnSpPr>
         <p:spPr>
           <a:xfrm rot="10800000">
-            <a:off x="5989926" y="1365412"/>
+            <a:off x="5989926" y="1283034"/>
             <a:ext cx="427645" cy="3242184"/>
           </a:xfrm>
           <a:prstGeom prst="curvedConnector2">
@@ -5257,7 +6766,7 @@
         </p:nvSpPr>
         <p:spPr>
           <a:xfrm>
-            <a:off x="5566315" y="2624784"/>
+            <a:off x="5566315" y="2542406"/>
             <a:ext cx="1158162" cy="568762"/>
           </a:xfrm>
           <a:custGeom>
@@ -5390,205 +6899,6 @@
 </p:sld>
 </file>
 
-<file path=ppt/slides/slide4.xml><?xml version="1.0" encoding="utf-8"?>
-<p:sld xmlns:a="http://schemas.openxmlformats.org/drawingml/2006/main" xmlns:r="http://schemas.openxmlformats.org/officeDocument/2006/relationships" xmlns:p="http://schemas.openxmlformats.org/presentationml/2006/main">
-  <p:cSld>
-    <p:spTree>
-      <p:nvGrpSpPr>
-        <p:cNvPr id="1" name=""/>
-        <p:cNvGrpSpPr/>
-        <p:nvPr/>
-      </p:nvGrpSpPr>
-      <p:grpSpPr>
-        <a:xfrm>
-          <a:off x="0" y="0"/>
-          <a:ext cx="0" cy="0"/>
-          <a:chOff x="0" y="0"/>
-          <a:chExt cx="0" cy="0"/>
-        </a:xfrm>
-      </p:grpSpPr>
-      <p:sp>
-        <p:nvSpPr>
-          <p:cNvPr id="2" name="Title 1">
-            <a:extLst>
-              <a:ext uri="{FF2B5EF4-FFF2-40B4-BE49-F238E27FC236}">
-                <a16:creationId xmlns:a16="http://schemas.microsoft.com/office/drawing/2014/main" id="{BD4E2263-69A0-3743-8CAA-6F41AB7ADA51}"/>
-              </a:ext>
-            </a:extLst>
-          </p:cNvPr>
-          <p:cNvSpPr>
-            <a:spLocks noGrp="1"/>
-          </p:cNvSpPr>
-          <p:nvPr>
-            <p:ph type="title"/>
-          </p:nvPr>
-        </p:nvSpPr>
-        <p:spPr/>
-        <p:txBody>
-          <a:bodyPr/>
-          <a:lstStyle/>
-          <a:p>
-            <a:r>
-              <a:rPr lang="en-US" dirty="0"/>
-              <a:t>Step 1: Aggregate training data</a:t>
-            </a:r>
-          </a:p>
-        </p:txBody>
-      </p:sp>
-      <p:sp>
-        <p:nvSpPr>
-          <p:cNvPr id="3" name="Content Placeholder 2">
-            <a:extLst>
-              <a:ext uri="{FF2B5EF4-FFF2-40B4-BE49-F238E27FC236}">
-                <a16:creationId xmlns:a16="http://schemas.microsoft.com/office/drawing/2014/main" id="{57DBB6F7-A030-4540-80B1-DD2E1A07CC8A}"/>
-              </a:ext>
-            </a:extLst>
-          </p:cNvPr>
-          <p:cNvSpPr>
-            <a:spLocks noGrp="1"/>
-          </p:cNvSpPr>
-          <p:nvPr>
-            <p:ph idx="1"/>
-          </p:nvPr>
-        </p:nvSpPr>
-        <p:spPr/>
-        <p:txBody>
-          <a:bodyPr>
-            <a:normAutofit/>
-          </a:bodyPr>
-          <a:lstStyle/>
-          <a:p>
-            <a:r>
-              <a:rPr lang="en-US" dirty="0"/>
-              <a:t>Manually expand training set    </a:t>
-            </a:r>
-          </a:p>
-          <a:p>
-            <a:r>
-              <a:rPr lang="en-US" dirty="0"/>
-              <a:t>Add greeting/farewell data    </a:t>
-            </a:r>
-          </a:p>
-          <a:p>
-            <a:r>
-              <a:rPr lang="en-US" dirty="0"/>
-              <a:t>Classify inputs</a:t>
-            </a:r>
-          </a:p>
-        </p:txBody>
-      </p:sp>
-      <p:sp>
-        <p:nvSpPr>
-          <p:cNvPr id="4" name="TextBox 3">
-            <a:extLst>
-              <a:ext uri="{FF2B5EF4-FFF2-40B4-BE49-F238E27FC236}">
-                <a16:creationId xmlns:a16="http://schemas.microsoft.com/office/drawing/2014/main" id="{FE7B5B8C-C337-0A40-89E1-C681AFE77C02}"/>
-              </a:ext>
-            </a:extLst>
-          </p:cNvPr>
-          <p:cNvSpPr txBox="1"/>
-          <p:nvPr/>
-        </p:nvSpPr>
-        <p:spPr>
-          <a:xfrm>
-            <a:off x="7300686" y="856343"/>
-            <a:ext cx="3236685" cy="2308324"/>
-          </a:xfrm>
-          <a:prstGeom prst="rect">
-            <a:avLst/>
-          </a:prstGeom>
-          <a:noFill/>
-        </p:spPr>
-        <p:txBody>
-          <a:bodyPr wrap="square" rtlCol="0">
-            <a:spAutoFit/>
-          </a:bodyPr>
-          <a:lstStyle/>
-          <a:p>
-            <a:r>
-              <a:rPr lang="en-US" dirty="0" err="1"/>
-              <a:t>Addl</a:t>
-            </a:r>
-            <a:r>
-              <a:rPr lang="en-US" dirty="0"/>
-              <a:t> questions to consider:</a:t>
-            </a:r>
-          </a:p>
-          <a:p>
-            <a:pPr marL="285750" indent="-285750">
-              <a:buFont typeface="Arial" panose="020B0604020202020204" pitchFamily="34" charset="0"/>
-              <a:buChar char="•"/>
-            </a:pPr>
-            <a:r>
-              <a:rPr lang="en-US" dirty="0"/>
-              <a:t>Am I qualified?</a:t>
-            </a:r>
-          </a:p>
-          <a:p>
-            <a:pPr marL="285750" indent="-285750">
-              <a:buFont typeface="Arial" panose="020B0604020202020204" pitchFamily="34" charset="0"/>
-              <a:buChar char="•"/>
-            </a:pPr>
-            <a:r>
-              <a:rPr lang="en-US" dirty="0"/>
-              <a:t>What roles?</a:t>
-            </a:r>
-          </a:p>
-          <a:p>
-            <a:pPr marL="285750" indent="-285750">
-              <a:buFont typeface="Arial" panose="020B0604020202020204" pitchFamily="34" charset="0"/>
-              <a:buChar char="•"/>
-            </a:pPr>
-            <a:endParaRPr lang="en-US" dirty="0"/>
-          </a:p>
-          <a:p>
-            <a:r>
-              <a:rPr lang="en-US" dirty="0"/>
-              <a:t>How to respond to gibberish?</a:t>
-            </a:r>
-          </a:p>
-          <a:p>
-            <a:pPr marL="285750" indent="-285750">
-              <a:buFont typeface="Arial" panose="020B0604020202020204" pitchFamily="34" charset="0"/>
-              <a:buChar char="•"/>
-            </a:pPr>
-            <a:r>
-              <a:rPr lang="en-US" dirty="0"/>
-              <a:t>Weather in Oaks, PA</a:t>
-            </a:r>
-          </a:p>
-          <a:p>
-            <a:pPr marL="285750" indent="-285750">
-              <a:buFont typeface="Arial" panose="020B0604020202020204" pitchFamily="34" charset="0"/>
-              <a:buChar char="•"/>
-            </a:pPr>
-            <a:r>
-              <a:rPr lang="en-US" dirty="0"/>
-              <a:t>I love you</a:t>
-            </a:r>
-          </a:p>
-          <a:p>
-            <a:pPr marL="285750" indent="-285750">
-              <a:buFont typeface="Arial" panose="020B0604020202020204" pitchFamily="34" charset="0"/>
-              <a:buChar char="•"/>
-            </a:pPr>
-            <a:endParaRPr lang="en-US" dirty="0"/>
-          </a:p>
-        </p:txBody>
-      </p:sp>
-    </p:spTree>
-    <p:extLst>
-      <p:ext uri="{BB962C8B-B14F-4D97-AF65-F5344CB8AC3E}">
-        <p14:creationId xmlns:p14="http://schemas.microsoft.com/office/powerpoint/2010/main" val="604795483"/>
-      </p:ext>
-    </p:extLst>
-  </p:cSld>
-  <p:clrMapOvr>
-    <a:masterClrMapping/>
-  </p:clrMapOvr>
-</p:sld>
-</file>
-
 <file path=ppt/slides/slide5.xml><?xml version="1.0" encoding="utf-8"?>
 <p:sld xmlns:a="http://schemas.openxmlformats.org/drawingml/2006/main" xmlns:r="http://schemas.openxmlformats.org/officeDocument/2006/relationships" xmlns:p="http://schemas.openxmlformats.org/presentationml/2006/main">
   <p:cSld>
@@ -5622,22 +6932,24 @@
             <p:ph type="title"/>
           </p:nvPr>
         </p:nvSpPr>
-        <p:spPr/>
-        <p:txBody>
-          <a:bodyPr/>
-          <a:lstStyle/>
-          <a:p>
-            <a:r>
-              <a:rPr lang="en-US" dirty="0"/>
-              <a:t>2. Process training data (see: </a:t>
-            </a:r>
-            <a:r>
-              <a:rPr lang="en-US" dirty="0" err="1"/>
-              <a:t>models.R</a:t>
-            </a:r>
-            <a:r>
-              <a:rPr lang="en-US" dirty="0"/>
-              <a:t>)    </a:t>
+        <p:spPr>
+          <a:xfrm>
+            <a:off x="1519311" y="604912"/>
+            <a:ext cx="9214337" cy="647113"/>
+          </a:xfrm>
+        </p:spPr>
+        <p:txBody>
+          <a:bodyPr>
+            <a:normAutofit fontScale="90000"/>
+          </a:bodyPr>
+          <a:lstStyle/>
+          <a:p>
+            <a:r>
+              <a:rPr lang="en-US" dirty="0">
+                <a:latin typeface="Arial" panose="020B0604020202020204" pitchFamily="34" charset="0"/>
+                <a:cs typeface="Arial" panose="020B0604020202020204" pitchFamily="34" charset="0"/>
+              </a:rPr>
+              <a:t>Aggregate training data</a:t>
             </a:r>
           </a:p>
         </p:txBody>
@@ -5658,37 +6970,239 @@
             <p:ph idx="1"/>
           </p:nvPr>
         </p:nvSpPr>
-        <p:spPr/>
+        <p:spPr>
+          <a:xfrm>
+            <a:off x="838200" y="1505243"/>
+            <a:ext cx="10515600" cy="5465400"/>
+          </a:xfrm>
+        </p:spPr>
         <p:txBody>
           <a:bodyPr>
-            <a:normAutofit/>
+            <a:normAutofit fontScale="92500" lnSpcReduction="10000"/>
           </a:bodyPr>
           <a:lstStyle/>
           <a:p>
             <a:r>
-              <a:rPr lang="en-US" dirty="0"/>
-              <a:t>Clean, lemma/stem, tokens; n-grams    </a:t>
-            </a:r>
-          </a:p>
-          <a:p>
-            <a:r>
-              <a:rPr lang="en-US" dirty="0"/>
-              <a:t>Create data structure(s) necessary for analyses</a:t>
-            </a:r>
-          </a:p>
-          <a:p>
-            <a:pPr lvl="1"/>
-            <a:r>
-              <a:rPr lang="en-US" dirty="0"/>
-              <a:t>Compute proximity matrix for all tokens</a:t>
-            </a:r>
+              <a:rPr lang="en-US" dirty="0">
+                <a:latin typeface="Arial" panose="020B0604020202020204" pitchFamily="34" charset="0"/>
+                <a:cs typeface="Arial" panose="020B0604020202020204" pitchFamily="34" charset="0"/>
+              </a:rPr>
+              <a:t>Manually expand training set</a:t>
+            </a:r>
+          </a:p>
+          <a:p>
+            <a:r>
+              <a:rPr lang="en-US" dirty="0">
+                <a:latin typeface="Arial" panose="020B0604020202020204" pitchFamily="34" charset="0"/>
+                <a:cs typeface="Arial" panose="020B0604020202020204" pitchFamily="34" charset="0"/>
+              </a:rPr>
+              <a:t>Classify inputs categories:</a:t>
+            </a:r>
+          </a:p>
+          <a:p>
+            <a:pPr marL="1028700" lvl="2" indent="-342900">
+              <a:buFont typeface="+mj-lt"/>
+              <a:buAutoNum type="arabicPeriod"/>
+            </a:pPr>
+            <a:r>
+              <a:rPr lang="en-US" dirty="0">
+                <a:latin typeface="Arial" panose="020B0604020202020204" pitchFamily="34" charset="0"/>
+                <a:cs typeface="Arial" panose="020B0604020202020204" pitchFamily="34" charset="0"/>
+              </a:rPr>
+              <a:t> Application </a:t>
+            </a:r>
+          </a:p>
+          <a:p>
+            <a:pPr marL="1028700" lvl="2" indent="-342900">
+              <a:buFont typeface="+mj-lt"/>
+              <a:buAutoNum type="arabicPeriod"/>
+            </a:pPr>
+            <a:r>
+              <a:rPr lang="en-US" dirty="0">
+                <a:latin typeface="Arial" panose="020B0604020202020204" pitchFamily="34" charset="0"/>
+                <a:cs typeface="Arial" panose="020B0604020202020204" pitchFamily="34" charset="0"/>
+              </a:rPr>
+              <a:t>Available Positions </a:t>
+            </a:r>
+          </a:p>
+          <a:p>
+            <a:pPr marL="1028700" lvl="2" indent="-342900">
+              <a:buFont typeface="+mj-lt"/>
+              <a:buAutoNum type="arabicPeriod"/>
+            </a:pPr>
+            <a:r>
+              <a:rPr lang="en-US" dirty="0">
+                <a:latin typeface="Arial" panose="020B0604020202020204" pitchFamily="34" charset="0"/>
+                <a:cs typeface="Arial" panose="020B0604020202020204" pitchFamily="34" charset="0"/>
+              </a:rPr>
+              <a:t>Compensation </a:t>
+            </a:r>
+          </a:p>
+          <a:p>
+            <a:pPr marL="1028700" lvl="2" indent="-342900">
+              <a:buFont typeface="+mj-lt"/>
+              <a:buAutoNum type="arabicPeriod"/>
+            </a:pPr>
+            <a:r>
+              <a:rPr lang="en-US" dirty="0">
+                <a:latin typeface="Arial" panose="020B0604020202020204" pitchFamily="34" charset="0"/>
+                <a:cs typeface="Arial" panose="020B0604020202020204" pitchFamily="34" charset="0"/>
+              </a:rPr>
+              <a:t>Contact Information </a:t>
+            </a:r>
+          </a:p>
+          <a:p>
+            <a:pPr marL="1028700" lvl="2" indent="-342900">
+              <a:buFont typeface="+mj-lt"/>
+              <a:buAutoNum type="arabicPeriod"/>
+            </a:pPr>
+            <a:r>
+              <a:rPr lang="en-US" dirty="0">
+                <a:latin typeface="Arial" panose="020B0604020202020204" pitchFamily="34" charset="0"/>
+                <a:cs typeface="Arial" panose="020B0604020202020204" pitchFamily="34" charset="0"/>
+              </a:rPr>
+              <a:t>Work life (day)</a:t>
+            </a:r>
+          </a:p>
+          <a:p>
+            <a:pPr marL="1028700" lvl="2" indent="-342900">
+              <a:buFont typeface="+mj-lt"/>
+              <a:buAutoNum type="arabicPeriod"/>
+            </a:pPr>
+            <a:r>
+              <a:rPr lang="en-US" dirty="0">
+                <a:latin typeface="Arial" panose="020B0604020202020204" pitchFamily="34" charset="0"/>
+                <a:cs typeface="Arial" panose="020B0604020202020204" pitchFamily="34" charset="0"/>
+              </a:rPr>
+              <a:t>Dress code</a:t>
+            </a:r>
+          </a:p>
+          <a:p>
+            <a:pPr marL="1028700" lvl="2" indent="-342900">
+              <a:buFont typeface="+mj-lt"/>
+              <a:buAutoNum type="arabicPeriod"/>
+            </a:pPr>
+            <a:r>
+              <a:rPr lang="en-US" dirty="0">
+                <a:latin typeface="Arial" panose="020B0604020202020204" pitchFamily="34" charset="0"/>
+                <a:cs typeface="Arial" panose="020B0604020202020204" pitchFamily="34" charset="0"/>
+              </a:rPr>
+              <a:t>GPA</a:t>
+            </a:r>
+          </a:p>
+          <a:p>
+            <a:pPr marL="1028700" lvl="2" indent="-342900">
+              <a:buFont typeface="+mj-lt"/>
+              <a:buAutoNum type="arabicPeriod"/>
+            </a:pPr>
+            <a:r>
+              <a:rPr lang="en-US" dirty="0">
+                <a:latin typeface="Arial" panose="020B0604020202020204" pitchFamily="34" charset="0"/>
+                <a:cs typeface="Arial" panose="020B0604020202020204" pitchFamily="34" charset="0"/>
+              </a:rPr>
+              <a:t>Duration</a:t>
+            </a:r>
+          </a:p>
+          <a:p>
+            <a:pPr marL="1028700" lvl="2" indent="-342900">
+              <a:buFont typeface="+mj-lt"/>
+              <a:buAutoNum type="arabicPeriod"/>
+            </a:pPr>
+            <a:r>
+              <a:rPr lang="en-US" dirty="0">
+                <a:latin typeface="Arial" panose="020B0604020202020204" pitchFamily="34" charset="0"/>
+                <a:cs typeface="Arial" panose="020B0604020202020204" pitchFamily="34" charset="0"/>
+              </a:rPr>
+              <a:t>Housing </a:t>
+            </a:r>
+          </a:p>
+          <a:p>
+            <a:pPr marL="1028700" lvl="2" indent="-342900">
+              <a:buFont typeface="+mj-lt"/>
+              <a:buAutoNum type="arabicPeriod"/>
+            </a:pPr>
+            <a:r>
+              <a:rPr lang="en-US" dirty="0">
+                <a:latin typeface="Arial" panose="020B0604020202020204" pitchFamily="34" charset="0"/>
+                <a:cs typeface="Arial" panose="020B0604020202020204" pitchFamily="34" charset="0"/>
+              </a:rPr>
+              <a:t>Amenities</a:t>
+            </a:r>
+          </a:p>
+          <a:p>
+            <a:pPr marL="1028700" lvl="2" indent="-342900">
+              <a:buFont typeface="+mj-lt"/>
+              <a:buAutoNum type="arabicPeriod"/>
+            </a:pPr>
+            <a:r>
+              <a:rPr lang="en-US" dirty="0">
+                <a:latin typeface="Arial" panose="020B0604020202020204" pitchFamily="34" charset="0"/>
+                <a:cs typeface="Arial" panose="020B0604020202020204" pitchFamily="34" charset="0"/>
+              </a:rPr>
+              <a:t>Notifications</a:t>
+            </a:r>
+          </a:p>
+          <a:p>
+            <a:pPr marL="1028700" lvl="2" indent="-342900">
+              <a:buFont typeface="+mj-lt"/>
+              <a:buAutoNum type="arabicPeriod"/>
+            </a:pPr>
+            <a:r>
+              <a:rPr lang="en-US" dirty="0">
+                <a:latin typeface="Arial" panose="020B0604020202020204" pitchFamily="34" charset="0"/>
+                <a:cs typeface="Arial" panose="020B0604020202020204" pitchFamily="34" charset="0"/>
+              </a:rPr>
+              <a:t>Location</a:t>
+            </a:r>
+          </a:p>
+          <a:p>
+            <a:pPr marL="1028700" lvl="2" indent="-342900">
+              <a:buFont typeface="+mj-lt"/>
+              <a:buAutoNum type="arabicPeriod"/>
+            </a:pPr>
+            <a:r>
+              <a:rPr lang="en-US" dirty="0">
+                <a:latin typeface="Arial" panose="020B0604020202020204" pitchFamily="34" charset="0"/>
+                <a:cs typeface="Arial" panose="020B0604020202020204" pitchFamily="34" charset="0"/>
+              </a:rPr>
+              <a:t>Greetings</a:t>
+            </a:r>
+          </a:p>
+          <a:p>
+            <a:pPr marL="1028700" lvl="2" indent="-342900">
+              <a:buFont typeface="+mj-lt"/>
+              <a:buAutoNum type="arabicPeriod"/>
+            </a:pPr>
+            <a:r>
+              <a:rPr lang="en-US" dirty="0">
+                <a:latin typeface="Arial" panose="020B0604020202020204" pitchFamily="34" charset="0"/>
+                <a:cs typeface="Arial" panose="020B0604020202020204" pitchFamily="34" charset="0"/>
+              </a:rPr>
+              <a:t>Farewell</a:t>
+            </a:r>
+          </a:p>
+          <a:p>
+            <a:pPr marL="1028700" lvl="2" indent="-342900">
+              <a:buFont typeface="+mj-lt"/>
+              <a:buAutoNum type="arabicPeriod"/>
+            </a:pPr>
+            <a:endParaRPr lang="en-US" dirty="0"/>
+          </a:p>
+          <a:p>
+            <a:endParaRPr lang="en-US" dirty="0"/>
+          </a:p>
+          <a:p>
+            <a:pPr marL="0" indent="0">
+              <a:buNone/>
+            </a:pPr>
+            <a:endParaRPr lang="en-US" dirty="0"/>
           </a:p>
         </p:txBody>
       </p:sp>
     </p:spTree>
     <p:extLst>
       <p:ext uri="{BB962C8B-B14F-4D97-AF65-F5344CB8AC3E}">
-        <p14:creationId xmlns:p14="http://schemas.microsoft.com/office/powerpoint/2010/main" val="3138144078"/>
+        <p14:creationId xmlns:p14="http://schemas.microsoft.com/office/powerpoint/2010/main" val="604795483"/>
       </p:ext>
     </p:extLst>
   </p:cSld>
@@ -5731,22 +7245,19 @@
             <p:ph type="title"/>
           </p:nvPr>
         </p:nvSpPr>
-        <p:spPr/>
+        <p:spPr>
+          <a:xfrm>
+            <a:off x="2231136" y="964692"/>
+            <a:ext cx="8840138" cy="779702"/>
+          </a:xfrm>
+        </p:spPr>
         <p:txBody>
           <a:bodyPr/>
           <a:lstStyle/>
           <a:p>
             <a:r>
               <a:rPr lang="en-US" dirty="0"/>
-              <a:t>3. Model (see: </a:t>
-            </a:r>
-            <a:r>
-              <a:rPr lang="en-US" dirty="0" err="1"/>
-              <a:t>models.R</a:t>
-            </a:r>
-            <a:r>
-              <a:rPr lang="en-US" dirty="0"/>
-              <a:t>)    </a:t>
+              <a:t>Process training data</a:t>
             </a:r>
           </a:p>
         </p:txBody>
@@ -5767,7 +7278,12 @@
             <p:ph idx="1"/>
           </p:nvPr>
         </p:nvSpPr>
-        <p:spPr/>
+        <p:spPr>
+          <a:xfrm>
+            <a:off x="2231136" y="2166425"/>
+            <a:ext cx="8840138" cy="4079629"/>
+          </a:xfrm>
+        </p:spPr>
         <p:txBody>
           <a:bodyPr>
             <a:normAutofit/>
@@ -5775,22 +7291,96 @@
           <a:lstStyle/>
           <a:p>
             <a:r>
-              <a:rPr lang="en-US" dirty="0"/>
-              <a:t>Pick a type of model/classifier to build off proximity matrix    </a:t>
-            </a:r>
-          </a:p>
-          <a:p>
-            <a:r>
-              <a:rPr lang="en-US" dirty="0"/>
-              <a:t>Create one model per topic</a:t>
-            </a:r>
+              <a:rPr lang="en-US" dirty="0">
+                <a:latin typeface="Arial" panose="020B0604020202020204" pitchFamily="34" charset="0"/>
+                <a:cs typeface="Arial" panose="020B0604020202020204" pitchFamily="34" charset="0"/>
+              </a:rPr>
+              <a:t>Clean, lemma/stem, tokens; n-grams </a:t>
+            </a:r>
+            <a:endParaRPr lang="en-US" sz="1600" dirty="0">
+              <a:latin typeface="Arial" panose="020B0604020202020204" pitchFamily="34" charset="0"/>
+              <a:cs typeface="Arial" panose="020B0604020202020204" pitchFamily="34" charset="0"/>
+            </a:endParaRPr>
+          </a:p>
+          <a:p>
+            <a:r>
+              <a:rPr lang="en-US" sz="1800" dirty="0">
+                <a:latin typeface="Arial" panose="020B0604020202020204" pitchFamily="34" charset="0"/>
+                <a:cs typeface="Arial" panose="020B0604020202020204" pitchFamily="34" charset="0"/>
+              </a:rPr>
+              <a:t>Cleaned data with help of r packages</a:t>
+            </a:r>
+          </a:p>
+          <a:p>
+            <a:r>
+              <a:rPr lang="en-US" sz="1800" dirty="0">
+                <a:latin typeface="Arial" panose="020B0604020202020204" pitchFamily="34" charset="0"/>
+                <a:cs typeface="Arial" panose="020B0604020202020204" pitchFamily="34" charset="0"/>
+              </a:rPr>
+              <a:t>Factorized the categories</a:t>
+            </a:r>
+          </a:p>
+          <a:p>
+            <a:r>
+              <a:rPr lang="en-US" sz="1800" dirty="0">
+                <a:latin typeface="Arial" panose="020B0604020202020204" pitchFamily="34" charset="0"/>
+                <a:cs typeface="Arial" panose="020B0604020202020204" pitchFamily="34" charset="0"/>
+              </a:rPr>
+              <a:t>Lemmatized the strings </a:t>
+            </a:r>
+          </a:p>
+          <a:p>
+            <a:r>
+              <a:rPr lang="en-US" sz="1800" dirty="0">
+                <a:latin typeface="Arial" panose="020B0604020202020204" pitchFamily="34" charset="0"/>
+                <a:cs typeface="Arial" panose="020B0604020202020204" pitchFamily="34" charset="0"/>
+              </a:rPr>
+              <a:t>Built a dictionary to help replacing the synonyms into single term</a:t>
+            </a:r>
+            <a:endParaRPr lang="en-US" dirty="0">
+              <a:latin typeface="Arial" panose="020B0604020202020204" pitchFamily="34" charset="0"/>
+              <a:cs typeface="Arial" panose="020B0604020202020204" pitchFamily="34" charset="0"/>
+            </a:endParaRPr>
+          </a:p>
+          <a:p>
+            <a:r>
+              <a:rPr lang="en-US" sz="1800" dirty="0">
+                <a:latin typeface="Arial" panose="020B0604020202020204" pitchFamily="34" charset="0"/>
+                <a:cs typeface="Arial" panose="020B0604020202020204" pitchFamily="34" charset="0"/>
+              </a:rPr>
+              <a:t>Tokenized and bi-gram</a:t>
+            </a:r>
+          </a:p>
+          <a:p>
+            <a:r>
+              <a:rPr lang="en-US" dirty="0">
+                <a:latin typeface="Arial" panose="020B0604020202020204" pitchFamily="34" charset="0"/>
+                <a:cs typeface="Arial" panose="020B0604020202020204" pitchFamily="34" charset="0"/>
+              </a:rPr>
+              <a:t>Create data structures necessary for analyses</a:t>
+            </a:r>
+          </a:p>
+          <a:p>
+            <a:r>
+              <a:rPr lang="en-US" sz="1800" dirty="0">
+                <a:latin typeface="Arial" panose="020B0604020202020204" pitchFamily="34" charset="0"/>
+                <a:cs typeface="Arial" panose="020B0604020202020204" pitchFamily="34" charset="0"/>
+              </a:rPr>
+              <a:t>Compute proximity matrix for all tokens</a:t>
+            </a:r>
+          </a:p>
+          <a:p>
+            <a:pPr marL="342900" lvl="1" indent="0">
+              <a:buNone/>
+            </a:pPr>
+            <a:endParaRPr lang="en-US" dirty="0"/>
           </a:p>
         </p:txBody>
       </p:sp>
     </p:spTree>
     <p:extLst>
       <p:ext uri="{BB962C8B-B14F-4D97-AF65-F5344CB8AC3E}">
-        <p14:creationId xmlns:p14="http://schemas.microsoft.com/office/powerpoint/2010/main" val="4169065641"/>
+        <p14:creationId xmlns:p14="http://schemas.microsoft.com/office/powerpoint/2010/main" val="3138144078"/>
       </p:ext>
     </p:extLst>
   </p:cSld>
@@ -5840,15 +7430,7 @@
           <a:p>
             <a:r>
               <a:rPr lang="en-US" dirty="0"/>
-              <a:t>4. Query (see: </a:t>
-            </a:r>
-            <a:r>
-              <a:rPr lang="en-US" dirty="0" err="1"/>
-              <a:t>controller.R</a:t>
-            </a:r>
-            <a:r>
-              <a:rPr lang="en-US" dirty="0"/>
-              <a:t>)</a:t>
+              <a:t>Model SELECTION</a:t>
             </a:r>
           </a:p>
         </p:txBody>
@@ -5876,6 +7458,63 @@
           </a:bodyPr>
           <a:lstStyle/>
           <a:p>
+            <a:pPr marL="342900" indent="-342900">
+              <a:buFont typeface="+mj-lt"/>
+              <a:buAutoNum type="arabicPeriod"/>
+            </a:pPr>
+            <a:r>
+              <a:rPr lang="en-US" dirty="0">
+                <a:latin typeface="Arial" panose="020B0604020202020204" pitchFamily="34" charset="0"/>
+                <a:cs typeface="Arial" panose="020B0604020202020204" pitchFamily="34" charset="0"/>
+              </a:rPr>
+              <a:t>Logistic Regression(GLM)</a:t>
+            </a:r>
+          </a:p>
+          <a:p>
+            <a:pPr marL="342900" indent="-342900">
+              <a:buFont typeface="+mj-lt"/>
+              <a:buAutoNum type="arabicPeriod"/>
+            </a:pPr>
+            <a:r>
+              <a:rPr lang="en-US" dirty="0">
+                <a:latin typeface="Arial" panose="020B0604020202020204" pitchFamily="34" charset="0"/>
+                <a:cs typeface="Arial" panose="020B0604020202020204" pitchFamily="34" charset="0"/>
+              </a:rPr>
+              <a:t>Support Vector Machines(SVM)</a:t>
+            </a:r>
+          </a:p>
+          <a:p>
+            <a:pPr marL="342900" indent="-342900">
+              <a:buFont typeface="+mj-lt"/>
+              <a:buAutoNum type="arabicPeriod"/>
+            </a:pPr>
+            <a:r>
+              <a:rPr lang="en-US" dirty="0">
+                <a:latin typeface="Arial" panose="020B0604020202020204" pitchFamily="34" charset="0"/>
+                <a:cs typeface="Arial" panose="020B0604020202020204" pitchFamily="34" charset="0"/>
+              </a:rPr>
+              <a:t>K-Nearest Neighbors(KNN)</a:t>
+            </a:r>
+          </a:p>
+          <a:p>
+            <a:pPr marL="342900" lvl="1" indent="0">
+              <a:buNone/>
+            </a:pPr>
+            <a:endParaRPr lang="en-US" dirty="0"/>
+          </a:p>
+          <a:p>
+            <a:pPr marL="0" indent="0">
+              <a:buNone/>
+            </a:pPr>
+            <a:endParaRPr lang="en-US" dirty="0"/>
+          </a:p>
+          <a:p>
+            <a:pPr marL="0" indent="0">
+              <a:buNone/>
+            </a:pPr>
+            <a:endParaRPr lang="en-US" dirty="0"/>
+          </a:p>
+          <a:p>
             <a:pPr marL="0" indent="0">
               <a:buNone/>
             </a:pPr>
@@ -5886,7 +7525,7 @@
     </p:spTree>
     <p:extLst>
       <p:ext uri="{BB962C8B-B14F-4D97-AF65-F5344CB8AC3E}">
-        <p14:creationId xmlns:p14="http://schemas.microsoft.com/office/powerpoint/2010/main" val="840213469"/>
+        <p14:creationId xmlns:p14="http://schemas.microsoft.com/office/powerpoint/2010/main" val="4169065641"/>
       </p:ext>
     </p:extLst>
   </p:cSld>
@@ -5918,7 +7557,7 @@
           <p:cNvPr id="2" name="Title 1">
             <a:extLst>
               <a:ext uri="{FF2B5EF4-FFF2-40B4-BE49-F238E27FC236}">
-                <a16:creationId xmlns:a16="http://schemas.microsoft.com/office/drawing/2014/main" id="{BD4E2263-69A0-3743-8CAA-6F41AB7ADA51}"/>
+                <a16:creationId xmlns:a16="http://schemas.microsoft.com/office/drawing/2014/main" id="{139F760E-4744-46EC-B93E-B03AA5728DCB}"/>
               </a:ext>
             </a:extLst>
           </p:cNvPr>
@@ -5929,66 +7568,138 @@
             <p:ph type="title"/>
           </p:nvPr>
         </p:nvSpPr>
-        <p:spPr/>
-        <p:txBody>
-          <a:bodyPr/>
+        <p:spPr>
+          <a:xfrm>
+            <a:off x="2231136" y="964692"/>
+            <a:ext cx="7729728" cy="610890"/>
+          </a:xfrm>
+        </p:spPr>
+        <p:txBody>
+          <a:bodyPr>
+            <a:normAutofit fontScale="90000"/>
+          </a:bodyPr>
           <a:lstStyle/>
           <a:p>
             <a:r>
               <a:rPr lang="en-US" dirty="0"/>
-              <a:t>5. Predict (see: </a:t>
-            </a:r>
-            <a:r>
-              <a:rPr lang="en-US" dirty="0" err="1"/>
-              <a:t>responsebot.R</a:t>
-            </a:r>
-            <a:r>
-              <a:rPr lang="en-US" dirty="0"/>
-              <a:t>, </a:t>
-            </a:r>
-            <a:r>
-              <a:rPr lang="en-US" dirty="0" err="1"/>
-              <a:t>predict_response.R</a:t>
-            </a:r>
-            <a:r>
-              <a:rPr lang="en-US" dirty="0"/>
-              <a:t>)</a:t>
-            </a:r>
-          </a:p>
-        </p:txBody>
-      </p:sp>
-      <p:sp>
-        <p:nvSpPr>
-          <p:cNvPr id="3" name="Content Placeholder 2">
+              <a:t>K-Nearest neighbors</a:t>
+            </a:r>
+          </a:p>
+        </p:txBody>
+      </p:sp>
+      <p:pic>
+        <p:nvPicPr>
+          <p:cNvPr id="1026" name="Picture 2" descr="https://upload.wikimedia.org/wikipedia/commons/thumb/e/e7/KnnClassification.svg/220px-KnnClassification.svg.png">
             <a:extLst>
               <a:ext uri="{FF2B5EF4-FFF2-40B4-BE49-F238E27FC236}">
-                <a16:creationId xmlns:a16="http://schemas.microsoft.com/office/drawing/2014/main" id="{57DBB6F7-A030-4540-80B1-DD2E1A07CC8A}"/>
+                <a16:creationId xmlns:a16="http://schemas.microsoft.com/office/drawing/2014/main" id="{BCEAC48E-0081-4AB4-B061-39140C576F57}"/>
               </a:ext>
             </a:extLst>
           </p:cNvPr>
-          <p:cNvSpPr>
-            <a:spLocks noGrp="1"/>
-          </p:cNvSpPr>
+          <p:cNvPicPr>
+            <a:picLocks noGrp="1" noChangeAspect="1" noChangeArrowheads="1"/>
+          </p:cNvPicPr>
           <p:nvPr>
             <p:ph idx="1"/>
           </p:nvPr>
-        </p:nvSpPr>
-        <p:spPr/>
-        <p:txBody>
-          <a:bodyPr>
-            <a:normAutofit/>
+        </p:nvPicPr>
+        <p:blipFill>
+          <a:blip r:embed="rId3">
+            <a:extLst>
+              <a:ext uri="{28A0092B-C50C-407E-A947-70E740481C1C}">
+                <a14:useLocalDpi xmlns:a14="http://schemas.microsoft.com/office/drawing/2010/main" val="0"/>
+              </a:ext>
+            </a:extLst>
+          </a:blip>
+          <a:srcRect/>
+          <a:stretch>
+            <a:fillRect/>
+          </a:stretch>
+        </p:blipFill>
+        <p:spPr bwMode="auto">
+          <a:xfrm>
+            <a:off x="4752828" y="1949355"/>
+            <a:ext cx="2095500" cy="1895475"/>
+          </a:xfrm>
+          <a:prstGeom prst="rect">
+            <a:avLst/>
+          </a:prstGeom>
+          <a:noFill/>
+          <a:extLst>
+            <a:ext uri="{909E8E84-426E-40DD-AFC4-6F175D3DCCD1}">
+              <a14:hiddenFill xmlns:a14="http://schemas.microsoft.com/office/drawing/2010/main">
+                <a:solidFill>
+                  <a:srgbClr val="FFFFFF"/>
+                </a:solidFill>
+              </a14:hiddenFill>
+            </a:ext>
+          </a:extLst>
+        </p:spPr>
+      </p:pic>
+      <p:sp>
+        <p:nvSpPr>
+          <p:cNvPr id="4" name="TextBox 3">
+            <a:extLst>
+              <a:ext uri="{FF2B5EF4-FFF2-40B4-BE49-F238E27FC236}">
+                <a16:creationId xmlns:a16="http://schemas.microsoft.com/office/drawing/2014/main" id="{9EBB3B73-BAA8-4A6A-B433-8F8E6B18CF27}"/>
+              </a:ext>
+            </a:extLst>
+          </p:cNvPr>
+          <p:cNvSpPr txBox="1"/>
+          <p:nvPr/>
+        </p:nvSpPr>
+        <p:spPr>
+          <a:xfrm>
+            <a:off x="2197374" y="4431247"/>
+            <a:ext cx="8648817" cy="923330"/>
+          </a:xfrm>
+          <a:prstGeom prst="rect">
+            <a:avLst/>
+          </a:prstGeom>
+          <a:noFill/>
+        </p:spPr>
+        <p:txBody>
+          <a:bodyPr wrap="square" rtlCol="0">
+            <a:spAutoFit/>
           </a:bodyPr>
           <a:lstStyle/>
           <a:p>
-            <a:r>
-              <a:rPr lang="en-US" dirty="0"/>
-              <a:t>Using models, classify new inputs    </a:t>
-            </a:r>
-          </a:p>
-          <a:p>
-            <a:r>
-              <a:rPr lang="en-US" dirty="0"/>
-              <a:t>Select appropriate category or flag to query user for more information</a:t>
+            <a:pPr marL="285750" indent="-285750">
+              <a:buFont typeface="Arial" panose="020B0604020202020204" pitchFamily="34" charset="0"/>
+              <a:buChar char="•"/>
+            </a:pPr>
+            <a:r>
+              <a:rPr lang="en-US" dirty="0">
+                <a:latin typeface="Arial" panose="020B0604020202020204" pitchFamily="34" charset="0"/>
+                <a:cs typeface="Arial" panose="020B0604020202020204" pitchFamily="34" charset="0"/>
+              </a:rPr>
+              <a:t>Queries that are closest in distance to the intent point</a:t>
+            </a:r>
+          </a:p>
+          <a:p>
+            <a:pPr marL="285750" indent="-285750">
+              <a:buFont typeface="Arial" panose="020B0604020202020204" pitchFamily="34" charset="0"/>
+              <a:buChar char="•"/>
+            </a:pPr>
+            <a:r>
+              <a:rPr lang="en-US" dirty="0">
+                <a:latin typeface="Arial" panose="020B0604020202020204" pitchFamily="34" charset="0"/>
+                <a:cs typeface="Arial" panose="020B0604020202020204" pitchFamily="34" charset="0"/>
+              </a:rPr>
+              <a:t>Supervised learning</a:t>
+            </a:r>
+          </a:p>
+          <a:p>
+            <a:pPr marL="285750" indent="-285750">
+              <a:buFont typeface="Arial" panose="020B0604020202020204" pitchFamily="34" charset="0"/>
+              <a:buChar char="•"/>
+            </a:pPr>
+            <a:r>
+              <a:rPr lang="en-US" dirty="0">
+                <a:latin typeface="Arial" panose="020B0604020202020204" pitchFamily="34" charset="0"/>
+                <a:cs typeface="Arial" panose="020B0604020202020204" pitchFamily="34" charset="0"/>
+              </a:rPr>
+              <a:t>Pattern recognition</a:t>
             </a:r>
           </a:p>
         </p:txBody>
@@ -5996,7 +7707,7 @@
     </p:spTree>
     <p:extLst>
       <p:ext uri="{BB962C8B-B14F-4D97-AF65-F5344CB8AC3E}">
-        <p14:creationId xmlns:p14="http://schemas.microsoft.com/office/powerpoint/2010/main" val="3750767943"/>
+        <p14:creationId xmlns:p14="http://schemas.microsoft.com/office/powerpoint/2010/main" val="3402777767"/>
       </p:ext>
     </p:extLst>
   </p:cSld>
@@ -6028,7 +7739,7 @@
           <p:cNvPr id="2" name="Title 1">
             <a:extLst>
               <a:ext uri="{FF2B5EF4-FFF2-40B4-BE49-F238E27FC236}">
-                <a16:creationId xmlns:a16="http://schemas.microsoft.com/office/drawing/2014/main" id="{BD4E2263-69A0-3743-8CAA-6F41AB7ADA51}"/>
+                <a16:creationId xmlns:a16="http://schemas.microsoft.com/office/drawing/2014/main" id="{58569C79-A5CA-432A-B2A1-8ABE28D824F3}"/>
               </a:ext>
             </a:extLst>
           </p:cNvPr>
@@ -6039,65 +7750,27 @@
             <p:ph type="title"/>
           </p:nvPr>
         </p:nvSpPr>
-        <p:spPr/>
+        <p:spPr>
+          <a:xfrm>
+            <a:off x="1055077" y="1237956"/>
+            <a:ext cx="9369083" cy="915455"/>
+          </a:xfrm>
+        </p:spPr>
         <p:txBody>
           <a:bodyPr/>
           <a:lstStyle/>
           <a:p>
             <a:r>
               <a:rPr lang="en-US" dirty="0"/>
-              <a:t>6. Respond appropriately (see: </a:t>
-            </a:r>
-            <a:r>
-              <a:rPr lang="en-US" dirty="0" err="1"/>
-              <a:t>controller.R</a:t>
-            </a:r>
-            <a:r>
-              <a:rPr lang="en-US" dirty="0"/>
-              <a:t>, </a:t>
-            </a:r>
-            <a:r>
-              <a:rPr lang="en-US" dirty="0" err="1"/>
-              <a:t>responsebot.R</a:t>
-            </a:r>
-            <a:r>
-              <a:rPr lang="en-US" dirty="0"/>
-              <a:t>)</a:t>
-            </a:r>
-          </a:p>
-        </p:txBody>
-      </p:sp>
-      <p:sp>
-        <p:nvSpPr>
-          <p:cNvPr id="3" name="Content Placeholder 2">
-            <a:extLst>
-              <a:ext uri="{FF2B5EF4-FFF2-40B4-BE49-F238E27FC236}">
-                <a16:creationId xmlns:a16="http://schemas.microsoft.com/office/drawing/2014/main" id="{57DBB6F7-A030-4540-80B1-DD2E1A07CC8A}"/>
-              </a:ext>
-            </a:extLst>
-          </p:cNvPr>
-          <p:cNvSpPr>
-            <a:spLocks noGrp="1"/>
-          </p:cNvSpPr>
-          <p:nvPr>
-            <p:ph idx="1"/>
-          </p:nvPr>
-        </p:nvSpPr>
-        <p:spPr/>
-        <p:txBody>
-          <a:bodyPr>
-            <a:normAutofit/>
-          </a:bodyPr>
-          <a:lstStyle/>
-          <a:p>
-            <a:endParaRPr lang="en-US" dirty="0"/>
+              <a:t>Results OF our Model</a:t>
+            </a:r>
           </a:p>
         </p:txBody>
       </p:sp>
     </p:spTree>
     <p:extLst>
       <p:ext uri="{BB962C8B-B14F-4D97-AF65-F5344CB8AC3E}">
-        <p14:creationId xmlns:p14="http://schemas.microsoft.com/office/powerpoint/2010/main" val="943427289"/>
+        <p14:creationId xmlns:p14="http://schemas.microsoft.com/office/powerpoint/2010/main" val="799071177"/>
       </p:ext>
     </p:extLst>
   </p:cSld>
@@ -6108,9 +7781,9 @@
 </file>
 
 <file path=ppt/theme/theme1.xml><?xml version="1.0" encoding="utf-8"?>
-<a:theme xmlns:a="http://schemas.openxmlformats.org/drawingml/2006/main" name="Office Theme">
+<a:theme xmlns:a="http://schemas.openxmlformats.org/drawingml/2006/main" name="Parcel">
   <a:themeElements>
-    <a:clrScheme name="Blues and Pop">
+    <a:clrScheme name="Parcel">
       <a:dk1>
         <a:srgbClr val="000000"/>
       </a:dk1>
@@ -6118,48 +7791,50 @@
         <a:srgbClr val="FFFFFF"/>
       </a:lt1>
       <a:dk2>
-        <a:srgbClr val="44546A"/>
+        <a:srgbClr val="4A5356"/>
       </a:dk2>
       <a:lt2>
-        <a:srgbClr val="E7E6E6"/>
+        <a:srgbClr val="E8E3CE"/>
       </a:lt2>
       <a:accent1>
-        <a:srgbClr val="1D9A78"/>
+        <a:srgbClr val="F6A21D"/>
       </a:accent1>
       <a:accent2>
-        <a:srgbClr val="8BC145"/>
+        <a:srgbClr val="9BAFB5"/>
       </a:accent2>
       <a:accent3>
-        <a:srgbClr val="36AFCE"/>
+        <a:srgbClr val="C96731"/>
       </a:accent3>
       <a:accent4>
-        <a:srgbClr val="1D6FA9"/>
+        <a:srgbClr val="9CA383"/>
       </a:accent4>
       <a:accent5>
-        <a:srgbClr val="B74919"/>
+        <a:srgbClr val="87795D"/>
       </a:accent5>
       <a:accent6>
-        <a:srgbClr val="F19D19"/>
+        <a:srgbClr val="A0988C"/>
       </a:accent6>
       <a:hlink>
-        <a:srgbClr val="0563C1"/>
+        <a:srgbClr val="00B0F0"/>
       </a:hlink>
       <a:folHlink>
-        <a:srgbClr val="954F72"/>
+        <a:srgbClr val="738F97"/>
       </a:folHlink>
     </a:clrScheme>
-    <a:fontScheme name="Century Gothic-Palatino Linotype">
+    <a:fontScheme name="Parcel">
       <a:majorFont>
-        <a:latin typeface="Century Gothic" panose="020B0502020202020204"/>
+        <a:latin typeface="Gill Sans MT" panose="020B0502020104020203"/>
         <a:ea typeface=""/>
         <a:cs typeface=""/>
-        <a:font script="Jpan" typeface="HGｺﾞｼｯｸM"/>
-        <a:font script="Hang" typeface="HY중고딕"/>
-        <a:font script="Hans" typeface="幼圆"/>
+        <a:font script="Grek" typeface="Corbel"/>
+        <a:font script="Cyrl" typeface="Corbel"/>
+        <a:font script="Jpan" typeface="HGｺﾞｼｯｸE"/>
+        <a:font script="Hang" typeface="휴먼매직체"/>
+        <a:font script="Hans" typeface="华文中宋"/>
         <a:font script="Hant" typeface="微軟正黑體"/>
-        <a:font script="Arab" typeface="Tahoma"/>
-        <a:font script="Hebr" typeface="Gisha"/>
-        <a:font script="Thai" typeface="DilleniaUPC"/>
+        <a:font script="Arab" typeface="Majalla UI"/>
+        <a:font script="Hebr" typeface="Arial"/>
+        <a:font script="Thai" typeface="Cordia New"/>
         <a:font script="Ethi" typeface="Nyala"/>
         <a:font script="Beng" typeface="Vrinda"/>
         <a:font script="Gujr" typeface="Shruti"/>
@@ -6185,22 +7860,22 @@
         <a:font script="Geor" typeface="Sylfaen"/>
       </a:majorFont>
       <a:minorFont>
-        <a:latin typeface="Palatino Linotype" panose="02040502050505030304"/>
+        <a:latin typeface="Gill Sans MT" panose="020B0502020104020203"/>
         <a:ea typeface=""/>
         <a:cs typeface=""/>
-        <a:font script="Grek" typeface="Cambria"/>
-        <a:font script="Cyrl" typeface="Cambria"/>
-        <a:font script="Jpan" typeface="HG創英ﾌﾟﾚｾﾞﾝｽEB"/>
-        <a:font script="Hang" typeface="맑은 고딕"/>
-        <a:font script="Hans" typeface="宋体"/>
-        <a:font script="Hant" typeface="新細明體"/>
-        <a:font script="Arab" typeface="Times New Roman"/>
-        <a:font script="Hebr" typeface="Aharoni"/>
-        <a:font script="Thai" typeface="EucrosiaUPC"/>
+        <a:font script="Grek" typeface="Corbel"/>
+        <a:font script="Cyrl" typeface="Corbel"/>
+        <a:font script="Jpan" typeface="HGｺﾞｼｯｸE"/>
+        <a:font script="Hang" typeface="휴먼매직체"/>
+        <a:font script="Hans" typeface="华文中宋"/>
+        <a:font script="Hant" typeface="微軟正黑體"/>
+        <a:font script="Arab" typeface="Majalla UI"/>
+        <a:font script="Hebr" typeface="Arial"/>
+        <a:font script="Thai" typeface="Cordia New"/>
         <a:font script="Ethi" typeface="Nyala"/>
         <a:font script="Beng" typeface="Vrinda"/>
         <a:font script="Gujr" typeface="Shruti"/>
-        <a:font script="Khmr" typeface="MoolBoran"/>
+        <a:font script="Khmr" typeface="DaunPenh"/>
         <a:font script="Knda" typeface="Tunga"/>
         <a:font script="Guru" typeface="Raavi"/>
         <a:font script="Cans" typeface="Euphemia"/>
@@ -6217,11 +7892,12 @@
         <a:font script="Laoo" typeface="DokChampa"/>
         <a:font script="Sinh" typeface="Iskoola Pota"/>
         <a:font script="Mong" typeface="Mongolian Baiti"/>
-        <a:font script="Viet" typeface="Times New Roman"/>
+        <a:font script="Viet" typeface="Tahoma"/>
         <a:font script="Uigh" typeface="Microsoft Uighur"/>
+        <a:font script="Geor" typeface="Sylfaen"/>
       </a:minorFont>
     </a:fontScheme>
-    <a:fmtScheme name="Office Theme">
+    <a:fmtScheme name="Parcel">
       <a:fillStyleLst>
         <a:solidFill>
           <a:schemeClr val="phClr"/>
@@ -6230,23 +7906,16 @@
           <a:gsLst>
             <a:gs pos="0">
               <a:schemeClr val="phClr">
-                <a:lumMod val="110000"/>
-                <a:satMod val="105000"/>
-                <a:tint val="67000"/>
-              </a:schemeClr>
-            </a:gs>
-            <a:gs pos="50000">
-              <a:schemeClr val="phClr">
-                <a:lumMod val="105000"/>
-                <a:satMod val="103000"/>
-                <a:tint val="73000"/>
+                <a:tint val="80000"/>
+                <a:satMod val="107000"/>
+                <a:lumMod val="103000"/>
               </a:schemeClr>
             </a:gs>
             <a:gs pos="100000">
               <a:schemeClr val="phClr">
-                <a:lumMod val="105000"/>
+                <a:tint val="82000"/>
                 <a:satMod val="109000"/>
-                <a:tint val="81000"/>
+                <a:lumMod val="103000"/>
               </a:schemeClr>
             </a:gs>
           </a:gsLst>
@@ -6256,23 +7925,23 @@
           <a:gsLst>
             <a:gs pos="0">
               <a:schemeClr val="phClr">
-                <a:satMod val="103000"/>
+                <a:tint val="97000"/>
+                <a:satMod val="100000"/>
                 <a:lumMod val="102000"/>
-                <a:tint val="94000"/>
               </a:schemeClr>
             </a:gs>
             <a:gs pos="50000">
               <a:schemeClr val="phClr">
-                <a:satMod val="110000"/>
+                <a:shade val="100000"/>
+                <a:satMod val="103000"/>
                 <a:lumMod val="100000"/>
-                <a:shade val="100000"/>
               </a:schemeClr>
             </a:gs>
             <a:gs pos="100000">
               <a:schemeClr val="phClr">
+                <a:shade val="93000"/>
+                <a:satMod val="110000"/>
                 <a:lumMod val="99000"/>
-                <a:satMod val="120000"/>
-                <a:shade val="78000"/>
               </a:schemeClr>
             </a:gs>
           </a:gsLst>
@@ -6285,21 +7954,18 @@
             <a:schemeClr val="phClr"/>
           </a:solidFill>
           <a:prstDash val="solid"/>
-          <a:miter lim="800000"/>
         </a:ln>
         <a:ln w="12700" cap="flat" cmpd="sng" algn="ctr">
           <a:solidFill>
             <a:schemeClr val="phClr"/>
           </a:solidFill>
           <a:prstDash val="solid"/>
-          <a:miter lim="800000"/>
         </a:ln>
-        <a:ln w="19050" cap="flat" cmpd="sng" algn="ctr">
+        <a:ln w="31750" cap="flat" cmpd="sng" algn="ctr">
           <a:solidFill>
             <a:schemeClr val="phClr"/>
           </a:solidFill>
           <a:prstDash val="solid"/>
-          <a:miter lim="800000"/>
         </a:ln>
       </a:lnStyleLst>
       <a:effectStyleLst>
@@ -6311,12 +7977,21 @@
         </a:effectStyle>
         <a:effectStyle>
           <a:effectLst>
-            <a:outerShdw blurRad="57150" dist="19050" dir="5400000" algn="ctr" rotWithShape="0">
+            <a:outerShdw blurRad="55880" dist="15240" dir="5400000" algn="ctr" rotWithShape="0">
               <a:srgbClr val="000000">
-                <a:alpha val="63000"/>
+                <a:alpha val="45000"/>
               </a:srgbClr>
             </a:outerShdw>
           </a:effectLst>
+          <a:scene3d>
+            <a:camera prst="orthographicFront">
+              <a:rot lat="0" lon="0" rev="0"/>
+            </a:camera>
+            <a:lightRig rig="brightRoom" dir="tl"/>
+          </a:scene3d>
+          <a:sp3d prstMaterial="dkEdge">
+            <a:bevelT w="0" h="0"/>
+          </a:sp3d>
         </a:effectStyle>
       </a:effectStyleLst>
       <a:bgFillStyleLst>
@@ -6333,28 +8008,24 @@
           <a:gsLst>
             <a:gs pos="0">
               <a:schemeClr val="phClr">
-                <a:tint val="93000"/>
-                <a:satMod val="150000"/>
-                <a:shade val="98000"/>
-                <a:lumMod val="102000"/>
-              </a:schemeClr>
-            </a:gs>
-            <a:gs pos="50000">
-              <a:schemeClr val="phClr">
-                <a:tint val="98000"/>
-                <a:satMod val="130000"/>
-                <a:shade val="90000"/>
-                <a:lumMod val="103000"/>
+                <a:tint val="97000"/>
+                <a:shade val="100000"/>
+                <a:satMod val="185000"/>
+                <a:lumMod val="120000"/>
               </a:schemeClr>
             </a:gs>
             <a:gs pos="100000">
               <a:schemeClr val="phClr">
-                <a:shade val="63000"/>
-                <a:satMod val="120000"/>
+                <a:tint val="96000"/>
+                <a:shade val="95000"/>
+                <a:satMod val="215000"/>
+                <a:lumMod val="80000"/>
               </a:schemeClr>
             </a:gs>
           </a:gsLst>
-          <a:lin ang="5400000" scaled="0"/>
+          <a:path path="circle">
+            <a:fillToRect l="50000" t="55000" r="125000" b="100000"/>
+          </a:path>
         </a:gradFill>
       </a:bgFillStyleLst>
     </a:fmtScheme>
@@ -6363,7 +8034,7 @@
   <a:extraClrSchemeLst/>
   <a:extLst>
     <a:ext uri="{05A4C25C-085E-4340-85A3-A5531E510DB2}">
-      <thm15:themeFamily xmlns:thm15="http://schemas.microsoft.com/office/thememl/2012/main" name="Normal" id="{A90D8F6E-F322-F043-9DA5-755DFE8FDF12}" vid="{3CB6E39E-2758-C741-AF97-2E7F838614C6}"/>
+      <thm15:themeFamily xmlns:thm15="http://schemas.microsoft.com/office/thememl/2012/main" name="Parcel" id="{8BEC4385-4EB9-4D53-BFB5-0EA123736B6D}" vid="{4DB32801-28C0-48B0-8C1D-A9A58613615A}"/>
     </a:ext>
   </a:extLst>
 </a:theme>
